--- a/presentation/stars.pptx
+++ b/presentation/stars.pptx
@@ -5,7 +5,7 @@
     <p:sldMasterId id="2147483648" r:id="rId1"/>
   </p:sldMasterIdLst>
   <p:notesMasterIdLst>
-    <p:notesMasterId r:id="rId13"/>
+    <p:notesMasterId r:id="rId14"/>
   </p:notesMasterIdLst>
   <p:sldIdLst>
     <p:sldId id="256" r:id="rId2"/>
@@ -13,12 +13,13 @@
     <p:sldId id="259" r:id="rId4"/>
     <p:sldId id="258" r:id="rId5"/>
     <p:sldId id="260" r:id="rId6"/>
-    <p:sldId id="261" r:id="rId7"/>
-    <p:sldId id="262" r:id="rId8"/>
-    <p:sldId id="263" r:id="rId9"/>
-    <p:sldId id="264" r:id="rId10"/>
-    <p:sldId id="265" r:id="rId11"/>
-    <p:sldId id="266" r:id="rId12"/>
+    <p:sldId id="267" r:id="rId7"/>
+    <p:sldId id="261" r:id="rId8"/>
+    <p:sldId id="262" r:id="rId9"/>
+    <p:sldId id="263" r:id="rId10"/>
+    <p:sldId id="264" r:id="rId11"/>
+    <p:sldId id="265" r:id="rId12"/>
+    <p:sldId id="266" r:id="rId13"/>
   </p:sldIdLst>
   <p:sldSz cx="12192000" cy="6858000"/>
   <p:notesSz cx="6858000" cy="9144000"/>
@@ -117,6 +118,11 @@
       </a:defRPr>
     </a:lvl9pPr>
   </p:defaultTextStyle>
+  <p:extLst>
+    <p:ext uri="{EFAFB233-063F-42B5-8137-9DF3F51BA10A}">
+      <p15:sldGuideLst xmlns:p15="http://schemas.microsoft.com/office/powerpoint/2012/main"/>
+    </p:ext>
+  </p:extLst>
 </p:presentation>
 </file>
 
@@ -202,7 +208,7 @@
           <a:p>
             <a:fld id="{B6613FA9-9E16-42B5-A84A-34A70FE45BCA}" type="datetimeFigureOut">
               <a:rPr lang="ru-RU" smtClean="0"/>
-              <a:t>28.06.2015</a:t>
+              <a:t>29.06.2015</a:t>
             </a:fld>
             <a:endParaRPr lang="ru-RU"/>
           </a:p>
@@ -514,7 +520,7 @@
           <a:bodyPr/>
           <a:lstStyle/>
           <a:p>
-            <a:endParaRPr lang="ru-RU"/>
+            <a:endParaRPr lang="ru-RU" dirty="0"/>
           </a:p>
         </p:txBody>
       </p:sp>
@@ -535,7 +541,91 @@
           <a:p>
             <a:fld id="{C7088645-3EF7-43DE-8C5B-F50ECBB7D4A1}" type="slidenum">
               <a:rPr lang="ru-RU" smtClean="0"/>
-              <a:t>10</a:t>
+              <a:t>5</a:t>
+            </a:fld>
+            <a:endParaRPr lang="ru-RU"/>
+          </a:p>
+        </p:txBody>
+      </p:sp>
+    </p:spTree>
+    <p:extLst>
+      <p:ext uri="{BB962C8B-B14F-4D97-AF65-F5344CB8AC3E}">
+        <p14:creationId xmlns:p14="http://schemas.microsoft.com/office/powerpoint/2010/main" val="964011178"/>
+      </p:ext>
+    </p:extLst>
+  </p:cSld>
+  <p:clrMapOvr>
+    <a:masterClrMapping/>
+  </p:clrMapOvr>
+</p:notes>
+</file>
+
+<file path=ppt/notesSlides/notesSlide2.xml><?xml version="1.0" encoding="utf-8"?>
+<p:notes xmlns:a="http://schemas.openxmlformats.org/drawingml/2006/main" xmlns:r="http://schemas.openxmlformats.org/officeDocument/2006/relationships" xmlns:p="http://schemas.openxmlformats.org/presentationml/2006/main">
+  <p:cSld>
+    <p:spTree>
+      <p:nvGrpSpPr>
+        <p:cNvPr id="1" name=""/>
+        <p:cNvGrpSpPr/>
+        <p:nvPr/>
+      </p:nvGrpSpPr>
+      <p:grpSpPr>
+        <a:xfrm>
+          <a:off x="0" y="0"/>
+          <a:ext cx="0" cy="0"/>
+          <a:chOff x="0" y="0"/>
+          <a:chExt cx="0" cy="0"/>
+        </a:xfrm>
+      </p:grpSpPr>
+      <p:sp>
+        <p:nvSpPr>
+          <p:cNvPr id="2" name="Образ слайда 1"/>
+          <p:cNvSpPr>
+            <a:spLocks noGrp="1" noRot="1" noChangeAspect="1"/>
+          </p:cNvSpPr>
+          <p:nvPr>
+            <p:ph type="sldImg"/>
+          </p:nvPr>
+        </p:nvSpPr>
+        <p:spPr/>
+      </p:sp>
+      <p:sp>
+        <p:nvSpPr>
+          <p:cNvPr id="3" name="Заметки 2"/>
+          <p:cNvSpPr>
+            <a:spLocks noGrp="1"/>
+          </p:cNvSpPr>
+          <p:nvPr>
+            <p:ph type="body" idx="1"/>
+          </p:nvPr>
+        </p:nvSpPr>
+        <p:spPr/>
+        <p:txBody>
+          <a:bodyPr/>
+          <a:lstStyle/>
+          <a:p>
+            <a:endParaRPr lang="ru-RU"/>
+          </a:p>
+        </p:txBody>
+      </p:sp>
+      <p:sp>
+        <p:nvSpPr>
+          <p:cNvPr id="4" name="Номер слайда 3"/>
+          <p:cNvSpPr>
+            <a:spLocks noGrp="1"/>
+          </p:cNvSpPr>
+          <p:nvPr>
+            <p:ph type="sldNum" sz="quarter" idx="10"/>
+          </p:nvPr>
+        </p:nvSpPr>
+        <p:spPr/>
+        <p:txBody>
+          <a:bodyPr/>
+          <a:lstStyle/>
+          <a:p>
+            <a:fld id="{C7088645-3EF7-43DE-8C5B-F50ECBB7D4A1}" type="slidenum">
+              <a:rPr lang="ru-RU" smtClean="0"/>
+              <a:t>11</a:t>
             </a:fld>
             <a:endParaRPr lang="ru-RU"/>
           </a:p>
@@ -685,7 +775,7 @@
           <a:p>
             <a:fld id="{5C242D29-A0A5-44C5-B821-AE8E81D5544C}" type="datetimeFigureOut">
               <a:rPr lang="ru-RU" smtClean="0"/>
-              <a:t>28.06.2015</a:t>
+              <a:t>29.06.2015</a:t>
             </a:fld>
             <a:endParaRPr lang="ru-RU"/>
           </a:p>
@@ -855,7 +945,7 @@
           <a:p>
             <a:fld id="{5C242D29-A0A5-44C5-B821-AE8E81D5544C}" type="datetimeFigureOut">
               <a:rPr lang="ru-RU" smtClean="0"/>
-              <a:t>28.06.2015</a:t>
+              <a:t>29.06.2015</a:t>
             </a:fld>
             <a:endParaRPr lang="ru-RU"/>
           </a:p>
@@ -1035,7 +1125,7 @@
           <a:p>
             <a:fld id="{5C242D29-A0A5-44C5-B821-AE8E81D5544C}" type="datetimeFigureOut">
               <a:rPr lang="ru-RU" smtClean="0"/>
-              <a:t>28.06.2015</a:t>
+              <a:t>29.06.2015</a:t>
             </a:fld>
             <a:endParaRPr lang="ru-RU"/>
           </a:p>
@@ -1205,7 +1295,7 @@
           <a:p>
             <a:fld id="{5C242D29-A0A5-44C5-B821-AE8E81D5544C}" type="datetimeFigureOut">
               <a:rPr lang="ru-RU" smtClean="0"/>
-              <a:t>28.06.2015</a:t>
+              <a:t>29.06.2015</a:t>
             </a:fld>
             <a:endParaRPr lang="ru-RU"/>
           </a:p>
@@ -1451,7 +1541,7 @@
           <a:p>
             <a:fld id="{5C242D29-A0A5-44C5-B821-AE8E81D5544C}" type="datetimeFigureOut">
               <a:rPr lang="ru-RU" smtClean="0"/>
-              <a:t>28.06.2015</a:t>
+              <a:t>29.06.2015</a:t>
             </a:fld>
             <a:endParaRPr lang="ru-RU"/>
           </a:p>
@@ -1683,7 +1773,7 @@
           <a:p>
             <a:fld id="{5C242D29-A0A5-44C5-B821-AE8E81D5544C}" type="datetimeFigureOut">
               <a:rPr lang="ru-RU" smtClean="0"/>
-              <a:t>28.06.2015</a:t>
+              <a:t>29.06.2015</a:t>
             </a:fld>
             <a:endParaRPr lang="ru-RU"/>
           </a:p>
@@ -2050,7 +2140,7 @@
           <a:p>
             <a:fld id="{5C242D29-A0A5-44C5-B821-AE8E81D5544C}" type="datetimeFigureOut">
               <a:rPr lang="ru-RU" smtClean="0"/>
-              <a:t>28.06.2015</a:t>
+              <a:t>29.06.2015</a:t>
             </a:fld>
             <a:endParaRPr lang="ru-RU"/>
           </a:p>
@@ -2168,7 +2258,7 @@
           <a:p>
             <a:fld id="{5C242D29-A0A5-44C5-B821-AE8E81D5544C}" type="datetimeFigureOut">
               <a:rPr lang="ru-RU" smtClean="0"/>
-              <a:t>28.06.2015</a:t>
+              <a:t>29.06.2015</a:t>
             </a:fld>
             <a:endParaRPr lang="ru-RU"/>
           </a:p>
@@ -2263,7 +2353,7 @@
           <a:p>
             <a:fld id="{5C242D29-A0A5-44C5-B821-AE8E81D5544C}" type="datetimeFigureOut">
               <a:rPr lang="ru-RU" smtClean="0"/>
-              <a:t>28.06.2015</a:t>
+              <a:t>29.06.2015</a:t>
             </a:fld>
             <a:endParaRPr lang="ru-RU"/>
           </a:p>
@@ -2540,7 +2630,7 @@
           <a:p>
             <a:fld id="{5C242D29-A0A5-44C5-B821-AE8E81D5544C}" type="datetimeFigureOut">
               <a:rPr lang="ru-RU" smtClean="0"/>
-              <a:t>28.06.2015</a:t>
+              <a:t>29.06.2015</a:t>
             </a:fld>
             <a:endParaRPr lang="ru-RU"/>
           </a:p>
@@ -2793,7 +2883,7 @@
           <a:p>
             <a:fld id="{5C242D29-A0A5-44C5-B821-AE8E81D5544C}" type="datetimeFigureOut">
               <a:rPr lang="ru-RU" smtClean="0"/>
-              <a:t>28.06.2015</a:t>
+              <a:t>29.06.2015</a:t>
             </a:fld>
             <a:endParaRPr lang="ru-RU"/>
           </a:p>
@@ -3006,7 +3096,7 @@
           <a:p>
             <a:fld id="{5C242D29-A0A5-44C5-B821-AE8E81D5544C}" type="datetimeFigureOut">
               <a:rPr lang="ru-RU" smtClean="0"/>
-              <a:t>28.06.2015</a:t>
+              <a:t>29.06.2015</a:t>
             </a:fld>
             <a:endParaRPr lang="ru-RU"/>
           </a:p>
@@ -3560,6 +3650,197 @@
           <a:chExt cx="0" cy="0"/>
         </a:xfrm>
       </p:grpSpPr>
+      <p:sp>
+        <p:nvSpPr>
+          <p:cNvPr id="4" name="Заголовок 1"/>
+          <p:cNvSpPr>
+            <a:spLocks noGrp="1"/>
+          </p:cNvSpPr>
+          <p:nvPr>
+            <p:ph type="title"/>
+          </p:nvPr>
+        </p:nvSpPr>
+        <p:spPr>
+          <a:xfrm>
+            <a:off x="1225110" y="113333"/>
+            <a:ext cx="8398565" cy="1325563"/>
+          </a:xfrm>
+        </p:spPr>
+        <p:txBody>
+          <a:bodyPr/>
+          <a:lstStyle/>
+          <a:p>
+            <a:r>
+              <a:rPr lang="en-US" dirty="0" smtClean="0">
+                <a:latin typeface="Times New Roman" panose="02020603050405020304" pitchFamily="18" charset="0"/>
+                <a:cs typeface="Times New Roman" panose="02020603050405020304" pitchFamily="18" charset="0"/>
+              </a:rPr>
+              <a:t>SED</a:t>
+            </a:r>
+            <a:endParaRPr lang="ru-RU" dirty="0">
+              <a:latin typeface="Times New Roman" panose="02020603050405020304" pitchFamily="18" charset="0"/>
+              <a:cs typeface="Times New Roman" panose="02020603050405020304" pitchFamily="18" charset="0"/>
+            </a:endParaRPr>
+          </a:p>
+        </p:txBody>
+      </p:sp>
+      <p:pic>
+        <p:nvPicPr>
+          <p:cNvPr id="5" name="Рисунок 4"/>
+          <p:cNvPicPr>
+            <a:picLocks noChangeAspect="1"/>
+          </p:cNvPicPr>
+          <p:nvPr/>
+        </p:nvPicPr>
+        <p:blipFill>
+          <a:blip r:embed="rId2">
+            <a:extLst>
+              <a:ext uri="{28A0092B-C50C-407E-A947-70E740481C1C}">
+                <a14:useLocalDpi xmlns:a14="http://schemas.microsoft.com/office/drawing/2010/main" val="0"/>
+              </a:ext>
+            </a:extLst>
+          </a:blip>
+          <a:stretch>
+            <a:fillRect/>
+          </a:stretch>
+        </p:blipFill>
+        <p:spPr>
+          <a:xfrm>
+            <a:off x="5964053" y="3823291"/>
+            <a:ext cx="5028946" cy="3034709"/>
+          </a:xfrm>
+          <a:prstGeom prst="rect">
+            <a:avLst/>
+          </a:prstGeom>
+        </p:spPr>
+      </p:pic>
+      <p:pic>
+        <p:nvPicPr>
+          <p:cNvPr id="7" name="Рисунок 6"/>
+          <p:cNvPicPr>
+            <a:picLocks noChangeAspect="1"/>
+          </p:cNvPicPr>
+          <p:nvPr/>
+        </p:nvPicPr>
+        <p:blipFill>
+          <a:blip r:embed="rId3">
+            <a:extLst>
+              <a:ext uri="{28A0092B-C50C-407E-A947-70E740481C1C}">
+                <a14:useLocalDpi xmlns:a14="http://schemas.microsoft.com/office/drawing/2010/main" val="0"/>
+              </a:ext>
+            </a:extLst>
+          </a:blip>
+          <a:stretch>
+            <a:fillRect/>
+          </a:stretch>
+        </p:blipFill>
+        <p:spPr>
+          <a:xfrm>
+            <a:off x="5964053" y="983015"/>
+            <a:ext cx="5028946" cy="3034709"/>
+          </a:xfrm>
+          <a:prstGeom prst="rect">
+            <a:avLst/>
+          </a:prstGeom>
+        </p:spPr>
+      </p:pic>
+      <p:pic>
+        <p:nvPicPr>
+          <p:cNvPr id="8" name="Рисунок 7"/>
+          <p:cNvPicPr>
+            <a:picLocks noChangeAspect="1"/>
+          </p:cNvPicPr>
+          <p:nvPr/>
+        </p:nvPicPr>
+        <p:blipFill>
+          <a:blip r:embed="rId4">
+            <a:extLst>
+              <a:ext uri="{28A0092B-C50C-407E-A947-70E740481C1C}">
+                <a14:useLocalDpi xmlns:a14="http://schemas.microsoft.com/office/drawing/2010/main" val="0"/>
+              </a:ext>
+            </a:extLst>
+          </a:blip>
+          <a:stretch>
+            <a:fillRect/>
+          </a:stretch>
+        </p:blipFill>
+        <p:spPr>
+          <a:xfrm>
+            <a:off x="1225110" y="983015"/>
+            <a:ext cx="5028946" cy="3034709"/>
+          </a:xfrm>
+          <a:prstGeom prst="rect">
+            <a:avLst/>
+          </a:prstGeom>
+        </p:spPr>
+      </p:pic>
+      <p:pic>
+        <p:nvPicPr>
+          <p:cNvPr id="6" name="Рисунок 5"/>
+          <p:cNvPicPr>
+            <a:picLocks noChangeAspect="1"/>
+          </p:cNvPicPr>
+          <p:nvPr/>
+        </p:nvPicPr>
+        <p:blipFill>
+          <a:blip r:embed="rId5">
+            <a:extLst>
+              <a:ext uri="{28A0092B-C50C-407E-A947-70E740481C1C}">
+                <a14:useLocalDpi xmlns:a14="http://schemas.microsoft.com/office/drawing/2010/main" val="0"/>
+              </a:ext>
+            </a:extLst>
+          </a:blip>
+          <a:stretch>
+            <a:fillRect/>
+          </a:stretch>
+        </p:blipFill>
+        <p:spPr>
+          <a:xfrm>
+            <a:off x="1225110" y="3823291"/>
+            <a:ext cx="5028946" cy="3034709"/>
+          </a:xfrm>
+          <a:prstGeom prst="rect">
+            <a:avLst/>
+          </a:prstGeom>
+        </p:spPr>
+      </p:pic>
+    </p:spTree>
+    <p:extLst>
+      <p:ext uri="{BB962C8B-B14F-4D97-AF65-F5344CB8AC3E}">
+        <p14:creationId xmlns:p14="http://schemas.microsoft.com/office/powerpoint/2010/main" val="389787418"/>
+      </p:ext>
+    </p:extLst>
+  </p:cSld>
+  <p:clrMapOvr>
+    <a:masterClrMapping/>
+  </p:clrMapOvr>
+  <p:timing>
+    <p:tnLst>
+      <p:par>
+        <p:cTn id="1" dur="indefinite" restart="never" nodeType="tmRoot"/>
+      </p:par>
+    </p:tnLst>
+  </p:timing>
+</p:sld>
+</file>
+
+<file path=ppt/slides/slide11.xml><?xml version="1.0" encoding="utf-8"?>
+<p:sld xmlns:a="http://schemas.openxmlformats.org/drawingml/2006/main" xmlns:r="http://schemas.openxmlformats.org/officeDocument/2006/relationships" xmlns:p="http://schemas.openxmlformats.org/presentationml/2006/main">
+  <p:cSld>
+    <p:spTree>
+      <p:nvGrpSpPr>
+        <p:cNvPr id="1" name=""/>
+        <p:cNvGrpSpPr/>
+        <p:nvPr/>
+      </p:nvGrpSpPr>
+      <p:grpSpPr>
+        <a:xfrm>
+          <a:off x="0" y="0"/>
+          <a:ext cx="0" cy="0"/>
+          <a:chOff x="0" y="0"/>
+          <a:chExt cx="0" cy="0"/>
+        </a:xfrm>
+      </p:grpSpPr>
       <p:pic>
         <p:nvPicPr>
           <p:cNvPr id="5" name="Объект 4"/>
@@ -3815,7 +4096,7 @@
 </p:sld>
 </file>
 
-<file path=ppt/slides/slide11.xml><?xml version="1.0" encoding="utf-8"?>
+<file path=ppt/slides/slide12.xml><?xml version="1.0" encoding="utf-8"?>
 <p:sld xmlns:a="http://schemas.openxmlformats.org/drawingml/2006/main" xmlns:r="http://schemas.openxmlformats.org/officeDocument/2006/relationships" xmlns:p="http://schemas.openxmlformats.org/presentationml/2006/main">
   <p:cSld>
     <p:spTree>
@@ -4134,9 +4415,30 @@
         </p:spPr>
         <p:txBody>
           <a:bodyPr>
-            <a:normAutofit fontScale="92500"/>
+            <a:normAutofit/>
           </a:bodyPr>
           <a:lstStyle/>
+          <a:p>
+            <a:pPr>
+              <a:lnSpc>
+                <a:spcPct val="100000"/>
+              </a:lnSpc>
+            </a:pPr>
+            <a:r>
+              <a:rPr lang="ru-RU" dirty="0" err="1" smtClean="0">
+                <a:latin typeface="Times New Roman" panose="02020603050405020304" pitchFamily="18" charset="0"/>
+                <a:cs typeface="Times New Roman" panose="02020603050405020304" pitchFamily="18" charset="0"/>
+              </a:rPr>
+              <a:t>Маломассивны</a:t>
+            </a:r>
+            <a:r>
+              <a:rPr lang="ru-RU" dirty="0" smtClean="0">
+                <a:latin typeface="Times New Roman" panose="02020603050405020304" pitchFamily="18" charset="0"/>
+                <a:cs typeface="Times New Roman" panose="02020603050405020304" pitchFamily="18" charset="0"/>
+              </a:rPr>
+              <a:t>, предшественники звёзд главной последовательности;</a:t>
+            </a:r>
+          </a:p>
           <a:p>
             <a:pPr>
               <a:lnSpc>
@@ -4148,14 +4450,7 @@
                 <a:latin typeface="Times New Roman" panose="02020603050405020304" pitchFamily="18" charset="0"/>
                 <a:cs typeface="Times New Roman" panose="02020603050405020304" pitchFamily="18" charset="0"/>
               </a:rPr>
-              <a:t>Наличие поблизости тёмной или отражательной туманности</a:t>
-            </a:r>
-            <a:r>
-              <a:rPr lang="en-US" dirty="0" smtClean="0">
-                <a:latin typeface="Times New Roman" panose="02020603050405020304" pitchFamily="18" charset="0"/>
-                <a:cs typeface="Times New Roman" panose="02020603050405020304" pitchFamily="18" charset="0"/>
-              </a:rPr>
-              <a:t>;</a:t>
+              <a:t>Наличие аккреционного диска;</a:t>
             </a:r>
             <a:endParaRPr lang="ru-RU" dirty="0" smtClean="0">
               <a:latin typeface="Times New Roman" panose="02020603050405020304" pitchFamily="18" charset="0"/>
@@ -4169,48 +4464,26 @@
               </a:lnSpc>
             </a:pPr>
             <a:r>
-              <a:rPr lang="ru-RU" dirty="0" smtClean="0">
-                <a:latin typeface="Times New Roman" panose="02020603050405020304" pitchFamily="18" charset="0"/>
-                <a:cs typeface="Times New Roman" panose="02020603050405020304" pitchFamily="18" charset="0"/>
-              </a:rPr>
-              <a:t>Спектральный класс F5-M, класс светимости IV-V;</a:t>
-            </a:r>
-            <a:endParaRPr lang="en-US" dirty="0">
-              <a:latin typeface="Times New Roman" panose="02020603050405020304" pitchFamily="18" charset="0"/>
-              <a:cs typeface="Times New Roman" panose="02020603050405020304" pitchFamily="18" charset="0"/>
-            </a:endParaRPr>
-          </a:p>
-          <a:p>
-            <a:pPr>
-              <a:lnSpc>
-                <a:spcPct val="100000"/>
-              </a:lnSpc>
-            </a:pPr>
-            <a:r>
-              <a:rPr lang="ru-RU" dirty="0" smtClean="0">
-                <a:latin typeface="Times New Roman" panose="02020603050405020304" pitchFamily="18" charset="0"/>
-                <a:cs typeface="Times New Roman" panose="02020603050405020304" pitchFamily="18" charset="0"/>
-              </a:rPr>
-              <a:t>Эмиссия в линиях H и </a:t>
-            </a:r>
-            <a:r>
-              <a:rPr lang="ru-RU" dirty="0" err="1" smtClean="0">
-                <a:latin typeface="Times New Roman" panose="02020603050405020304" pitchFamily="18" charset="0"/>
-                <a:cs typeface="Times New Roman" panose="02020603050405020304" pitchFamily="18" charset="0"/>
-              </a:rPr>
-              <a:t>He</a:t>
-            </a:r>
-            <a:r>
-              <a:rPr lang="ru-RU" dirty="0" smtClean="0">
-                <a:latin typeface="Times New Roman" panose="02020603050405020304" pitchFamily="18" charset="0"/>
-                <a:cs typeface="Times New Roman" panose="02020603050405020304" pitchFamily="18" charset="0"/>
-              </a:rPr>
-              <a:t> I, а также нейтральных и однократно ионизированных металлов;</a:t>
-            </a:r>
-            <a:endParaRPr lang="en-US" dirty="0">
-              <a:latin typeface="Times New Roman" panose="02020603050405020304" pitchFamily="18" charset="0"/>
-              <a:cs typeface="Times New Roman" panose="02020603050405020304" pitchFamily="18" charset="0"/>
-            </a:endParaRPr>
+              <a:rPr lang="ru-RU" b="1" dirty="0" smtClean="0">
+                <a:latin typeface="Times New Roman" panose="02020603050405020304" pitchFamily="18" charset="0"/>
+                <a:cs typeface="Times New Roman" panose="02020603050405020304" pitchFamily="18" charset="0"/>
+              </a:rPr>
+              <a:t>Избыток </a:t>
+            </a:r>
+            <a:r>
+              <a:rPr lang="ru-RU" b="1" dirty="0" smtClean="0">
+                <a:latin typeface="Times New Roman" panose="02020603050405020304" pitchFamily="18" charset="0"/>
+                <a:cs typeface="Times New Roman" panose="02020603050405020304" pitchFamily="18" charset="0"/>
+              </a:rPr>
+              <a:t>излучения в УФ и ИК </a:t>
+            </a:r>
+            <a:r>
+              <a:rPr lang="ru-RU" b="1" dirty="0" smtClean="0">
+                <a:latin typeface="Times New Roman" panose="02020603050405020304" pitchFamily="18" charset="0"/>
+                <a:cs typeface="Times New Roman" panose="02020603050405020304" pitchFamily="18" charset="0"/>
+              </a:rPr>
+              <a:t>диапазонах:</a:t>
+            </a:r>
           </a:p>
           <a:p>
             <a:pPr>
@@ -4223,41 +4496,51 @@
                 <a:latin typeface="Times New Roman" panose="02020603050405020304" pitchFamily="18" charset="0"/>
                 <a:cs typeface="Times New Roman" panose="02020603050405020304" pitchFamily="18" charset="0"/>
               </a:rPr>
-              <a:t>Сильная линия поглощения </a:t>
-            </a:r>
-            <a:r>
-              <a:rPr lang="ru-RU" dirty="0" err="1" smtClean="0">
-                <a:latin typeface="Times New Roman" panose="02020603050405020304" pitchFamily="18" charset="0"/>
-                <a:cs typeface="Times New Roman" panose="02020603050405020304" pitchFamily="18" charset="0"/>
-              </a:rPr>
-              <a:t>Li</a:t>
+              <a:t>Классические (</a:t>
+            </a:r>
+            <a:r>
+              <a:rPr lang="en-US" dirty="0" smtClean="0">
+                <a:latin typeface="Times New Roman" panose="02020603050405020304" pitchFamily="18" charset="0"/>
+                <a:cs typeface="Times New Roman" panose="02020603050405020304" pitchFamily="18" charset="0"/>
+              </a:rPr>
+              <a:t>CTTS) </a:t>
             </a:r>
             <a:r>
               <a:rPr lang="ru-RU" dirty="0" smtClean="0">
                 <a:latin typeface="Times New Roman" panose="02020603050405020304" pitchFamily="18" charset="0"/>
                 <a:cs typeface="Times New Roman" panose="02020603050405020304" pitchFamily="18" charset="0"/>
               </a:rPr>
-              <a:t> I 6707 A;</a:t>
-            </a:r>
-            <a:endParaRPr lang="en-US" dirty="0" smtClean="0">
-              <a:latin typeface="Times New Roman" panose="02020603050405020304" pitchFamily="18" charset="0"/>
-              <a:cs typeface="Times New Roman" panose="02020603050405020304" pitchFamily="18" charset="0"/>
-            </a:endParaRPr>
-          </a:p>
-          <a:p>
-            <a:pPr>
-              <a:lnSpc>
-                <a:spcPct val="150000"/>
-              </a:lnSpc>
-            </a:pPr>
-            <a:r>
-              <a:rPr lang="ru-RU" b="1" dirty="0" smtClean="0">
-                <a:latin typeface="Times New Roman" panose="02020603050405020304" pitchFamily="18" charset="0"/>
-                <a:cs typeface="Times New Roman" panose="02020603050405020304" pitchFamily="18" charset="0"/>
-              </a:rPr>
-              <a:t>Избыток излучения в УФ и ИК диапазонах.</a:t>
-            </a:r>
-            <a:endParaRPr lang="ru-RU" b="1" dirty="0">
+              <a:t>и со слабыми линиями (</a:t>
+            </a:r>
+            <a:r>
+              <a:rPr lang="en-US" dirty="0" smtClean="0">
+                <a:latin typeface="Times New Roman" panose="02020603050405020304" pitchFamily="18" charset="0"/>
+                <a:cs typeface="Times New Roman" panose="02020603050405020304" pitchFamily="18" charset="0"/>
+              </a:rPr>
+              <a:t>WTTS</a:t>
+            </a:r>
+            <a:r>
+              <a:rPr lang="ru-RU" dirty="0" smtClean="0">
+                <a:latin typeface="Times New Roman" panose="02020603050405020304" pitchFamily="18" charset="0"/>
+                <a:cs typeface="Times New Roman" panose="02020603050405020304" pitchFamily="18" charset="0"/>
+              </a:rPr>
+              <a:t>)</a:t>
+            </a:r>
+            <a:r>
+              <a:rPr lang="en-US" dirty="0">
+                <a:latin typeface="Times New Roman" panose="02020603050405020304" pitchFamily="18" charset="0"/>
+                <a:cs typeface="Times New Roman" panose="02020603050405020304" pitchFamily="18" charset="0"/>
+              </a:rPr>
+              <a:t>.</a:t>
+            </a:r>
+            <a:r>
+              <a:rPr lang="en-US" dirty="0" smtClean="0">
+                <a:latin typeface="Times New Roman" panose="02020603050405020304" pitchFamily="18" charset="0"/>
+                <a:cs typeface="Times New Roman" panose="02020603050405020304" pitchFamily="18" charset="0"/>
+              </a:rPr>
+              <a:t> </a:t>
+            </a:r>
+            <a:endParaRPr lang="ru-RU" dirty="0">
               <a:latin typeface="Times New Roman" panose="02020603050405020304" pitchFamily="18" charset="0"/>
               <a:cs typeface="Times New Roman" panose="02020603050405020304" pitchFamily="18" charset="0"/>
             </a:endParaRPr>
@@ -4785,6 +5068,152 @@
 </file>
 
 <file path=ppt/slides/slide6.xml><?xml version="1.0" encoding="utf-8"?>
+<p:sld xmlns:a="http://schemas.openxmlformats.org/drawingml/2006/main" xmlns:r="http://schemas.openxmlformats.org/officeDocument/2006/relationships" xmlns:p="http://schemas.openxmlformats.org/presentationml/2006/main">
+  <p:cSld>
+    <p:spTree>
+      <p:nvGrpSpPr>
+        <p:cNvPr id="1" name=""/>
+        <p:cNvGrpSpPr/>
+        <p:nvPr/>
+      </p:nvGrpSpPr>
+      <p:grpSpPr>
+        <a:xfrm>
+          <a:off x="0" y="0"/>
+          <a:ext cx="0" cy="0"/>
+          <a:chOff x="0" y="0"/>
+          <a:chExt cx="0" cy="0"/>
+        </a:xfrm>
+      </p:grpSpPr>
+      <p:sp>
+        <p:nvSpPr>
+          <p:cNvPr id="3" name="Объект 2"/>
+          <p:cNvSpPr>
+            <a:spLocks noGrp="1"/>
+          </p:cNvSpPr>
+          <p:nvPr>
+            <p:ph idx="1"/>
+          </p:nvPr>
+        </p:nvSpPr>
+        <p:spPr>
+          <a:xfrm>
+            <a:off x="838200" y="1825625"/>
+            <a:ext cx="9564757" cy="2547592"/>
+          </a:xfrm>
+        </p:spPr>
+        <p:txBody>
+          <a:bodyPr>
+            <a:normAutofit lnSpcReduction="10000"/>
+          </a:bodyPr>
+          <a:lstStyle/>
+          <a:p>
+            <a:r>
+              <a:rPr lang="ru-RU" dirty="0" smtClean="0"/>
+              <a:t>Выборка подтверждённых </a:t>
+            </a:r>
+            <a:r>
+              <a:rPr lang="en-US" dirty="0"/>
+              <a:t>T </a:t>
+            </a:r>
+            <a:r>
+              <a:rPr lang="en-US" dirty="0" err="1"/>
+              <a:t>Tauri</a:t>
+            </a:r>
+            <a:r>
+              <a:rPr lang="ru-RU" dirty="0"/>
+              <a:t> </a:t>
+            </a:r>
+            <a:r>
+              <a:rPr lang="ru-RU" dirty="0" smtClean="0"/>
+              <a:t>звёзд, наблюдавшихся </a:t>
+            </a:r>
+            <a:r>
+              <a:rPr lang="en-US" dirty="0" smtClean="0"/>
+              <a:t>IUE</a:t>
+            </a:r>
+            <a:r>
+              <a:rPr lang="ru-RU" dirty="0" smtClean="0"/>
+              <a:t>, берётся за образец;</a:t>
+            </a:r>
+          </a:p>
+          <a:p>
+            <a:r>
+              <a:rPr lang="ru-RU" dirty="0" smtClean="0"/>
+              <a:t>Для эталонных </a:t>
+            </a:r>
+            <a:r>
+              <a:rPr lang="en-US" dirty="0" smtClean="0"/>
+              <a:t>T </a:t>
+            </a:r>
+            <a:r>
+              <a:rPr lang="en-US" dirty="0" err="1" smtClean="0"/>
+              <a:t>Tauri</a:t>
+            </a:r>
+            <a:r>
+              <a:rPr lang="ru-RU" dirty="0" smtClean="0"/>
+              <a:t> звёзд строятся двухцветные диаграммы;</a:t>
+            </a:r>
+          </a:p>
+          <a:p>
+            <a:r>
+              <a:rPr lang="ru-RU" dirty="0" smtClean="0"/>
+              <a:t>Критерии составляются на основе положения этих звёзд на диаграммах;</a:t>
+            </a:r>
+            <a:endParaRPr lang="ru-RU" dirty="0"/>
+          </a:p>
+        </p:txBody>
+      </p:sp>
+      <p:sp>
+        <p:nvSpPr>
+          <p:cNvPr id="4" name="Заголовок 1"/>
+          <p:cNvSpPr>
+            <a:spLocks noGrp="1"/>
+          </p:cNvSpPr>
+          <p:nvPr>
+            <p:ph type="title"/>
+          </p:nvPr>
+        </p:nvSpPr>
+        <p:spPr>
+          <a:xfrm>
+            <a:off x="1225110" y="113333"/>
+            <a:ext cx="8398565" cy="1325563"/>
+          </a:xfrm>
+        </p:spPr>
+        <p:txBody>
+          <a:bodyPr/>
+          <a:lstStyle/>
+          <a:p>
+            <a:r>
+              <a:rPr lang="ru-RU" dirty="0"/>
+              <a:t>Эталонная выборка</a:t>
+            </a:r>
+            <a:endParaRPr lang="ru-RU" dirty="0">
+              <a:latin typeface="Times New Roman" panose="02020603050405020304" pitchFamily="18" charset="0"/>
+              <a:cs typeface="Times New Roman" panose="02020603050405020304" pitchFamily="18" charset="0"/>
+            </a:endParaRPr>
+          </a:p>
+        </p:txBody>
+      </p:sp>
+    </p:spTree>
+    <p:extLst>
+      <p:ext uri="{BB962C8B-B14F-4D97-AF65-F5344CB8AC3E}">
+        <p14:creationId xmlns:p14="http://schemas.microsoft.com/office/powerpoint/2010/main" val="1641140921"/>
+      </p:ext>
+    </p:extLst>
+  </p:cSld>
+  <p:clrMapOvr>
+    <a:masterClrMapping/>
+  </p:clrMapOvr>
+  <p:timing>
+    <p:tnLst>
+      <p:par>
+        <p:cTn id="1" dur="indefinite" restart="never" nodeType="tmRoot"/>
+      </p:par>
+    </p:tnLst>
+  </p:timing>
+</p:sld>
+</file>
+
+<file path=ppt/slides/slide7.xml><?xml version="1.0" encoding="utf-8"?>
 <p:sld xmlns:a="http://schemas.openxmlformats.org/drawingml/2006/main" xmlns:r="http://schemas.openxmlformats.org/officeDocument/2006/relationships" xmlns:p="http://schemas.openxmlformats.org/presentationml/2006/main">
   <p:cSld>
     <p:spTree>
@@ -5041,191 +5470,6 @@
 </p:sld>
 </file>
 
-<file path=ppt/slides/slide7.xml><?xml version="1.0" encoding="utf-8"?>
-<p:sld xmlns:a="http://schemas.openxmlformats.org/drawingml/2006/main" xmlns:r="http://schemas.openxmlformats.org/officeDocument/2006/relationships" xmlns:p="http://schemas.openxmlformats.org/presentationml/2006/main">
-  <p:cSld>
-    <p:spTree>
-      <p:nvGrpSpPr>
-        <p:cNvPr id="1" name=""/>
-        <p:cNvGrpSpPr/>
-        <p:nvPr/>
-      </p:nvGrpSpPr>
-      <p:grpSpPr>
-        <a:xfrm>
-          <a:off x="0" y="0"/>
-          <a:ext cx="0" cy="0"/>
-          <a:chOff x="0" y="0"/>
-          <a:chExt cx="0" cy="0"/>
-        </a:xfrm>
-      </p:grpSpPr>
-      <p:sp>
-        <p:nvSpPr>
-          <p:cNvPr id="3" name="Объект 2"/>
-          <p:cNvSpPr>
-            <a:spLocks noGrp="1"/>
-          </p:cNvSpPr>
-          <p:nvPr>
-            <p:ph idx="1"/>
-          </p:nvPr>
-        </p:nvSpPr>
-        <p:spPr/>
-        <p:txBody>
-          <a:bodyPr/>
-          <a:lstStyle/>
-          <a:p>
-            <a:r>
-              <a:rPr lang="fr-FR" dirty="0" smtClean="0"/>
-              <a:t>FUV-NUV vs J-K: </a:t>
-            </a:r>
-            <a:r>
-              <a:rPr lang="ru-RU" dirty="0" smtClean="0"/>
-              <a:t>0.5 &lt; </a:t>
-            </a:r>
-            <a:r>
-              <a:rPr lang="fr-FR" dirty="0" smtClean="0"/>
-              <a:t>J - K &lt; 2.4 </a:t>
-            </a:r>
-            <a:r>
-              <a:rPr lang="ru-RU" dirty="0" smtClean="0"/>
-              <a:t>и 0.4 &lt; </a:t>
-            </a:r>
-            <a:r>
-              <a:rPr lang="fr-FR" dirty="0" smtClean="0"/>
-              <a:t>FUV - NUV &lt; 4.6;</a:t>
-            </a:r>
-          </a:p>
-          <a:p>
-            <a:r>
-              <a:rPr lang="fr-FR" dirty="0" smtClean="0"/>
-              <a:t>FUV-NUV vs H-K: </a:t>
-            </a:r>
-            <a:r>
-              <a:rPr lang="ru-RU" dirty="0" smtClean="0"/>
-              <a:t>0.2 &lt; </a:t>
-            </a:r>
-            <a:r>
-              <a:rPr lang="fr-FR" dirty="0" smtClean="0"/>
-              <a:t>H - K &lt; 1.2 </a:t>
-            </a:r>
-            <a:r>
-              <a:rPr lang="ru-RU" dirty="0" smtClean="0"/>
-              <a:t>и 0.4 &lt; </a:t>
-            </a:r>
-            <a:r>
-              <a:rPr lang="fr-FR" dirty="0" smtClean="0"/>
-              <a:t>FUV - NUV &lt; 4.6;</a:t>
-            </a:r>
-          </a:p>
-          <a:p>
-            <a:r>
-              <a:rPr lang="fr-FR" dirty="0" smtClean="0"/>
-              <a:t>NUV-H vs J-K: </a:t>
-            </a:r>
-            <a:r>
-              <a:rPr lang="ru-RU" dirty="0" smtClean="0"/>
-              <a:t>0.5 &lt; </a:t>
-            </a:r>
-            <a:r>
-              <a:rPr lang="fr-FR" dirty="0" smtClean="0"/>
-              <a:t>J - K &lt; 2.4 </a:t>
-            </a:r>
-            <a:r>
-              <a:rPr lang="ru-RU" dirty="0" smtClean="0"/>
-              <a:t>и 4.2 &lt; </a:t>
-            </a:r>
-            <a:r>
-              <a:rPr lang="fr-FR" dirty="0" smtClean="0"/>
-              <a:t>NUV - H &lt; 11.0;</a:t>
-            </a:r>
-          </a:p>
-          <a:p>
-            <a:r>
-              <a:rPr lang="fr-FR" dirty="0" smtClean="0"/>
-              <a:t>NUV-R vs J-K: </a:t>
-            </a:r>
-            <a:r>
-              <a:rPr lang="ru-RU" dirty="0" smtClean="0"/>
-              <a:t>0.5 &lt; </a:t>
-            </a:r>
-            <a:r>
-              <a:rPr lang="fr-FR" dirty="0" smtClean="0"/>
-              <a:t>J - K &lt; 2.4 </a:t>
-            </a:r>
-            <a:r>
-              <a:rPr lang="ru-RU" dirty="0" smtClean="0"/>
-              <a:t>и 1.5 &lt; </a:t>
-            </a:r>
-            <a:r>
-              <a:rPr lang="fr-FR" dirty="0" smtClean="0"/>
-              <a:t>NUV - R &lt; 8.2;</a:t>
-            </a:r>
-          </a:p>
-          <a:p>
-            <a:endParaRPr lang="ru-RU" dirty="0" smtClean="0"/>
-          </a:p>
-          <a:p>
-            <a:r>
-              <a:rPr lang="ru-RU" dirty="0" smtClean="0"/>
-              <a:t>302 источника удовлетворяют хотя бы одному из критериев</a:t>
-            </a:r>
-            <a:endParaRPr lang="ru-RU" dirty="0"/>
-          </a:p>
-        </p:txBody>
-      </p:sp>
-      <p:sp>
-        <p:nvSpPr>
-          <p:cNvPr id="4" name="Заголовок 1"/>
-          <p:cNvSpPr>
-            <a:spLocks noGrp="1"/>
-          </p:cNvSpPr>
-          <p:nvPr>
-            <p:ph type="title"/>
-          </p:nvPr>
-        </p:nvSpPr>
-        <p:spPr>
-          <a:xfrm>
-            <a:off x="1225110" y="113333"/>
-            <a:ext cx="8398565" cy="1325563"/>
-          </a:xfrm>
-        </p:spPr>
-        <p:txBody>
-          <a:bodyPr/>
-          <a:lstStyle/>
-          <a:p>
-            <a:r>
-              <a:rPr lang="ru-RU" dirty="0" smtClean="0">
-                <a:latin typeface="Times New Roman" panose="02020603050405020304" pitchFamily="18" charset="0"/>
-                <a:cs typeface="Times New Roman" panose="02020603050405020304" pitchFamily="18" charset="0"/>
-              </a:rPr>
-              <a:t>Критерии отбора</a:t>
-            </a:r>
-            <a:endParaRPr lang="ru-RU" dirty="0">
-              <a:latin typeface="Times New Roman" panose="02020603050405020304" pitchFamily="18" charset="0"/>
-              <a:cs typeface="Times New Roman" panose="02020603050405020304" pitchFamily="18" charset="0"/>
-            </a:endParaRPr>
-          </a:p>
-        </p:txBody>
-      </p:sp>
-    </p:spTree>
-    <p:extLst>
-      <p:ext uri="{BB962C8B-B14F-4D97-AF65-F5344CB8AC3E}">
-        <p14:creationId xmlns:p14="http://schemas.microsoft.com/office/powerpoint/2010/main" val="3082384979"/>
-      </p:ext>
-    </p:extLst>
-  </p:cSld>
-  <p:clrMapOvr>
-    <a:masterClrMapping/>
-  </p:clrMapOvr>
-  <p:timing>
-    <p:tnLst>
-      <p:par>
-        <p:cTn id="1" dur="indefinite" restart="never" nodeType="tmRoot"/>
-      </p:par>
-    </p:tnLst>
-  </p:timing>
-</p:sld>
-</file>
-
 <file path=ppt/slides/slide8.xml><?xml version="1.0" encoding="utf-8"?>
 <p:sld xmlns:a="http://schemas.openxmlformats.org/drawingml/2006/main" xmlns:r="http://schemas.openxmlformats.org/officeDocument/2006/relationships" xmlns:p="http://schemas.openxmlformats.org/presentationml/2006/main">
   <p:cSld>
@@ -5253,77 +5497,107 @@
             <p:ph idx="1"/>
           </p:nvPr>
         </p:nvSpPr>
-        <p:spPr>
-          <a:xfrm>
-            <a:off x="838200" y="1825625"/>
-            <a:ext cx="9551504" cy="4351338"/>
-          </a:xfrm>
-        </p:spPr>
-        <p:txBody>
-          <a:bodyPr/>
-          <a:lstStyle/>
-          <a:p>
-            <a:r>
-              <a:rPr lang="ru-RU" dirty="0" smtClean="0">
-                <a:latin typeface="Times New Roman" panose="02020603050405020304" pitchFamily="18" charset="0"/>
-                <a:cs typeface="Times New Roman" panose="02020603050405020304" pitchFamily="18" charset="0"/>
-              </a:rPr>
-              <a:t>Отброшено 59 галактик, идентифицированных в </a:t>
-            </a:r>
-            <a:r>
-              <a:rPr lang="en-US" dirty="0" err="1" smtClean="0">
-                <a:latin typeface="Times New Roman" panose="02020603050405020304" pitchFamily="18" charset="0"/>
-                <a:cs typeface="Times New Roman" panose="02020603050405020304" pitchFamily="18" charset="0"/>
-              </a:rPr>
-              <a:t>Simbad</a:t>
-            </a:r>
-            <a:endParaRPr lang="ru-RU" dirty="0" smtClean="0">
-              <a:latin typeface="Times New Roman" panose="02020603050405020304" pitchFamily="18" charset="0"/>
-              <a:cs typeface="Times New Roman" panose="02020603050405020304" pitchFamily="18" charset="0"/>
-            </a:endParaRPr>
-          </a:p>
-          <a:p>
-            <a:r>
-              <a:rPr lang="ru-RU" dirty="0" smtClean="0">
-                <a:latin typeface="Times New Roman" panose="02020603050405020304" pitchFamily="18" charset="0"/>
-                <a:cs typeface="Times New Roman" panose="02020603050405020304" pitchFamily="18" charset="0"/>
-              </a:rPr>
-              <a:t>Оценка эффективных температур с помощью </a:t>
-            </a:r>
-            <a:r>
-              <a:rPr lang="en-US" dirty="0" smtClean="0">
-                <a:latin typeface="Times New Roman" panose="02020603050405020304" pitchFamily="18" charset="0"/>
-                <a:cs typeface="Times New Roman" panose="02020603050405020304" pitchFamily="18" charset="0"/>
-              </a:rPr>
-              <a:t>VOSA – </a:t>
-            </a:r>
-            <a:r>
-              <a:rPr lang="ru-RU" dirty="0" smtClean="0">
-                <a:latin typeface="Times New Roman" panose="02020603050405020304" pitchFamily="18" charset="0"/>
-                <a:cs typeface="Times New Roman" panose="02020603050405020304" pitchFamily="18" charset="0"/>
-              </a:rPr>
-              <a:t>40 звёзд горячее 7000 отброшены.</a:t>
-            </a:r>
-          </a:p>
-          <a:p>
-            <a:r>
-              <a:rPr lang="ru-RU" dirty="0" smtClean="0">
-                <a:latin typeface="Times New Roman" panose="02020603050405020304" pitchFamily="18" charset="0"/>
-                <a:cs typeface="Times New Roman" panose="02020603050405020304" pitchFamily="18" charset="0"/>
-              </a:rPr>
-              <a:t>Нет измерений в </a:t>
-            </a:r>
-            <a:r>
-              <a:rPr lang="en-US" dirty="0" smtClean="0">
-                <a:latin typeface="Times New Roman" panose="02020603050405020304" pitchFamily="18" charset="0"/>
-                <a:cs typeface="Times New Roman" panose="02020603050405020304" pitchFamily="18" charset="0"/>
-              </a:rPr>
-              <a:t>FUV</a:t>
-            </a:r>
-            <a:endParaRPr lang="en-US" dirty="0">
-              <a:latin typeface="Times New Roman" panose="02020603050405020304" pitchFamily="18" charset="0"/>
-              <a:cs typeface="Times New Roman" panose="02020603050405020304" pitchFamily="18" charset="0"/>
-            </a:endParaRPr>
+        <p:spPr/>
+        <p:txBody>
+          <a:bodyPr/>
+          <a:lstStyle/>
+          <a:p>
+            <a:r>
+              <a:rPr lang="fr-FR" dirty="0" smtClean="0"/>
+              <a:t>FUV-NUV vs J-K: </a:t>
+            </a:r>
+            <a:r>
+              <a:rPr lang="ru-RU" dirty="0" smtClean="0"/>
+              <a:t>0.5 &lt; </a:t>
+            </a:r>
+            <a:r>
+              <a:rPr lang="fr-FR" dirty="0" smtClean="0"/>
+              <a:t>J - K &lt; 2.4 </a:t>
+            </a:r>
+            <a:r>
+              <a:rPr lang="ru-RU" dirty="0" smtClean="0"/>
+              <a:t>и 0.4 &lt; </a:t>
+            </a:r>
+            <a:r>
+              <a:rPr lang="fr-FR" dirty="0" smtClean="0"/>
+              <a:t>FUV - NUV &lt; 4.6;</a:t>
+            </a:r>
+          </a:p>
+          <a:p>
+            <a:r>
+              <a:rPr lang="fr-FR" dirty="0" smtClean="0"/>
+              <a:t>FUV-NUV vs H-K: </a:t>
+            </a:r>
+            <a:r>
+              <a:rPr lang="ru-RU" dirty="0" smtClean="0"/>
+              <a:t>0.2 &lt; </a:t>
+            </a:r>
+            <a:r>
+              <a:rPr lang="fr-FR" dirty="0" smtClean="0"/>
+              <a:t>H - K &lt; 1.2 </a:t>
+            </a:r>
+            <a:r>
+              <a:rPr lang="ru-RU" dirty="0" smtClean="0"/>
+              <a:t>и 0.4 &lt; </a:t>
+            </a:r>
+            <a:r>
+              <a:rPr lang="fr-FR" dirty="0" smtClean="0"/>
+              <a:t>FUV - NUV &lt; 4.6;</a:t>
+            </a:r>
+          </a:p>
+          <a:p>
+            <a:r>
+              <a:rPr lang="fr-FR" dirty="0" smtClean="0"/>
+              <a:t>NUV-H vs J-K: </a:t>
+            </a:r>
+            <a:r>
+              <a:rPr lang="ru-RU" dirty="0" smtClean="0"/>
+              <a:t>0.5 &lt; </a:t>
+            </a:r>
+            <a:r>
+              <a:rPr lang="fr-FR" dirty="0" smtClean="0"/>
+              <a:t>J - K &lt; 2.4 </a:t>
+            </a:r>
+            <a:r>
+              <a:rPr lang="ru-RU" dirty="0" smtClean="0"/>
+              <a:t>и 4.2 &lt; </a:t>
+            </a:r>
+            <a:r>
+              <a:rPr lang="fr-FR" dirty="0" smtClean="0"/>
+              <a:t>NUV - H &lt; 11.0;</a:t>
+            </a:r>
+          </a:p>
+          <a:p>
+            <a:r>
+              <a:rPr lang="fr-FR" dirty="0" smtClean="0"/>
+              <a:t>NUV-R vs J-K: </a:t>
+            </a:r>
+            <a:r>
+              <a:rPr lang="ru-RU" dirty="0" smtClean="0"/>
+              <a:t>0.5 &lt; </a:t>
+            </a:r>
+            <a:r>
+              <a:rPr lang="fr-FR" dirty="0" smtClean="0"/>
+              <a:t>J - K &lt; 2.4 </a:t>
+            </a:r>
+            <a:r>
+              <a:rPr lang="ru-RU" dirty="0" smtClean="0"/>
+              <a:t>и 1.5 &lt; </a:t>
+            </a:r>
+            <a:r>
+              <a:rPr lang="fr-FR" dirty="0" smtClean="0"/>
+              <a:t>NUV - R &lt; 8.2;</a:t>
+            </a:r>
+          </a:p>
+          <a:p>
+            <a:endParaRPr lang="ru-RU" dirty="0" smtClean="0"/>
+          </a:p>
+          <a:p>
+            <a:r>
+              <a:rPr lang="ru-RU" dirty="0" smtClean="0"/>
+              <a:t>302 источника удовлетворяют хотя бы одному из критериев</a:t>
+            </a:r>
+            <a:endParaRPr lang="ru-RU" dirty="0"/>
           </a:p>
         </p:txBody>
       </p:sp>
@@ -5352,7 +5626,7 @@
                 <a:latin typeface="Times New Roman" panose="02020603050405020304" pitchFamily="18" charset="0"/>
                 <a:cs typeface="Times New Roman" panose="02020603050405020304" pitchFamily="18" charset="0"/>
               </a:rPr>
-              <a:t>Улучшение списка</a:t>
+              <a:t>Критерии отбора</a:t>
             </a:r>
             <a:endParaRPr lang="ru-RU" dirty="0">
               <a:latin typeface="Times New Roman" panose="02020603050405020304" pitchFamily="18" charset="0"/>
@@ -5364,7 +5638,7 @@
     </p:spTree>
     <p:extLst>
       <p:ext uri="{BB962C8B-B14F-4D97-AF65-F5344CB8AC3E}">
-        <p14:creationId xmlns:p14="http://schemas.microsoft.com/office/powerpoint/2010/main" val="1269330394"/>
+        <p14:creationId xmlns:p14="http://schemas.microsoft.com/office/powerpoint/2010/main" val="3082384979"/>
       </p:ext>
     </p:extLst>
   </p:cSld>
@@ -5400,6 +5674,90 @@
       </p:grpSpPr>
       <p:sp>
         <p:nvSpPr>
+          <p:cNvPr id="3" name="Объект 2"/>
+          <p:cNvSpPr>
+            <a:spLocks noGrp="1"/>
+          </p:cNvSpPr>
+          <p:nvPr>
+            <p:ph idx="1"/>
+          </p:nvPr>
+        </p:nvSpPr>
+        <p:spPr>
+          <a:xfrm>
+            <a:off x="838200" y="1825625"/>
+            <a:ext cx="9551504" cy="4351338"/>
+          </a:xfrm>
+        </p:spPr>
+        <p:txBody>
+          <a:bodyPr/>
+          <a:lstStyle/>
+          <a:p>
+            <a:r>
+              <a:rPr lang="ru-RU" dirty="0" smtClean="0">
+                <a:latin typeface="Times New Roman" panose="02020603050405020304" pitchFamily="18" charset="0"/>
+                <a:cs typeface="Times New Roman" panose="02020603050405020304" pitchFamily="18" charset="0"/>
+              </a:rPr>
+              <a:t>Отброшено 59 галактик, идентифицированных в </a:t>
+            </a:r>
+            <a:r>
+              <a:rPr lang="en-US" dirty="0" err="1" smtClean="0">
+                <a:latin typeface="Times New Roman" panose="02020603050405020304" pitchFamily="18" charset="0"/>
+                <a:cs typeface="Times New Roman" panose="02020603050405020304" pitchFamily="18" charset="0"/>
+              </a:rPr>
+              <a:t>Simbad</a:t>
+            </a:r>
+            <a:endParaRPr lang="ru-RU" dirty="0" smtClean="0">
+              <a:latin typeface="Times New Roman" panose="02020603050405020304" pitchFamily="18" charset="0"/>
+              <a:cs typeface="Times New Roman" panose="02020603050405020304" pitchFamily="18" charset="0"/>
+            </a:endParaRPr>
+          </a:p>
+          <a:p>
+            <a:r>
+              <a:rPr lang="ru-RU" dirty="0" smtClean="0">
+                <a:latin typeface="Times New Roman" panose="02020603050405020304" pitchFamily="18" charset="0"/>
+                <a:cs typeface="Times New Roman" panose="02020603050405020304" pitchFamily="18" charset="0"/>
+              </a:rPr>
+              <a:t>Оценка эффективных температур с помощью </a:t>
+            </a:r>
+            <a:r>
+              <a:rPr lang="en-US" dirty="0" smtClean="0">
+                <a:latin typeface="Times New Roman" panose="02020603050405020304" pitchFamily="18" charset="0"/>
+                <a:cs typeface="Times New Roman" panose="02020603050405020304" pitchFamily="18" charset="0"/>
+              </a:rPr>
+              <a:t>VOSA – </a:t>
+            </a:r>
+            <a:r>
+              <a:rPr lang="ru-RU" dirty="0" smtClean="0">
+                <a:latin typeface="Times New Roman" panose="02020603050405020304" pitchFamily="18" charset="0"/>
+                <a:cs typeface="Times New Roman" panose="02020603050405020304" pitchFamily="18" charset="0"/>
+              </a:rPr>
+              <a:t>40 звёзд горячее 7000 отброшены.</a:t>
+            </a:r>
+          </a:p>
+          <a:p>
+            <a:r>
+              <a:rPr lang="ru-RU" dirty="0" smtClean="0">
+                <a:latin typeface="Times New Roman" panose="02020603050405020304" pitchFamily="18" charset="0"/>
+                <a:cs typeface="Times New Roman" panose="02020603050405020304" pitchFamily="18" charset="0"/>
+              </a:rPr>
+              <a:t>Нет измерений в </a:t>
+            </a:r>
+            <a:r>
+              <a:rPr lang="en-US" dirty="0" smtClean="0">
+                <a:latin typeface="Times New Roman" panose="02020603050405020304" pitchFamily="18" charset="0"/>
+                <a:cs typeface="Times New Roman" panose="02020603050405020304" pitchFamily="18" charset="0"/>
+              </a:rPr>
+              <a:t>FUV</a:t>
+            </a:r>
+            <a:endParaRPr lang="en-US" dirty="0">
+              <a:latin typeface="Times New Roman" panose="02020603050405020304" pitchFamily="18" charset="0"/>
+              <a:cs typeface="Times New Roman" panose="02020603050405020304" pitchFamily="18" charset="0"/>
+            </a:endParaRPr>
+          </a:p>
+        </p:txBody>
+      </p:sp>
+      <p:sp>
+        <p:nvSpPr>
           <p:cNvPr id="4" name="Заголовок 1"/>
           <p:cNvSpPr>
             <a:spLocks noGrp="1"/>
@@ -5419,11 +5777,11 @@
           <a:lstStyle/>
           <a:p>
             <a:r>
-              <a:rPr lang="en-US" dirty="0" smtClean="0">
-                <a:latin typeface="Times New Roman" panose="02020603050405020304" pitchFamily="18" charset="0"/>
-                <a:cs typeface="Times New Roman" panose="02020603050405020304" pitchFamily="18" charset="0"/>
-              </a:rPr>
-              <a:t>SED</a:t>
+              <a:rPr lang="ru-RU" dirty="0" smtClean="0">
+                <a:latin typeface="Times New Roman" panose="02020603050405020304" pitchFamily="18" charset="0"/>
+                <a:cs typeface="Times New Roman" panose="02020603050405020304" pitchFamily="18" charset="0"/>
+              </a:rPr>
+              <a:t>Улучшение списка</a:t>
             </a:r>
             <a:endParaRPr lang="ru-RU" dirty="0">
               <a:latin typeface="Times New Roman" panose="02020603050405020304" pitchFamily="18" charset="0"/>
@@ -5432,130 +5790,10 @@
           </a:p>
         </p:txBody>
       </p:sp>
-      <p:pic>
-        <p:nvPicPr>
-          <p:cNvPr id="5" name="Рисунок 4"/>
-          <p:cNvPicPr>
-            <a:picLocks noChangeAspect="1"/>
-          </p:cNvPicPr>
-          <p:nvPr/>
-        </p:nvPicPr>
-        <p:blipFill>
-          <a:blip r:embed="rId2">
-            <a:extLst>
-              <a:ext uri="{28A0092B-C50C-407E-A947-70E740481C1C}">
-                <a14:useLocalDpi xmlns:a14="http://schemas.microsoft.com/office/drawing/2010/main" val="0"/>
-              </a:ext>
-            </a:extLst>
-          </a:blip>
-          <a:stretch>
-            <a:fillRect/>
-          </a:stretch>
-        </p:blipFill>
-        <p:spPr>
-          <a:xfrm>
-            <a:off x="5964053" y="3823291"/>
-            <a:ext cx="5028946" cy="3034709"/>
-          </a:xfrm>
-          <a:prstGeom prst="rect">
-            <a:avLst/>
-          </a:prstGeom>
-        </p:spPr>
-      </p:pic>
-      <p:pic>
-        <p:nvPicPr>
-          <p:cNvPr id="7" name="Рисунок 6"/>
-          <p:cNvPicPr>
-            <a:picLocks noChangeAspect="1"/>
-          </p:cNvPicPr>
-          <p:nvPr/>
-        </p:nvPicPr>
-        <p:blipFill>
-          <a:blip r:embed="rId3">
-            <a:extLst>
-              <a:ext uri="{28A0092B-C50C-407E-A947-70E740481C1C}">
-                <a14:useLocalDpi xmlns:a14="http://schemas.microsoft.com/office/drawing/2010/main" val="0"/>
-              </a:ext>
-            </a:extLst>
-          </a:blip>
-          <a:stretch>
-            <a:fillRect/>
-          </a:stretch>
-        </p:blipFill>
-        <p:spPr>
-          <a:xfrm>
-            <a:off x="5964053" y="983015"/>
-            <a:ext cx="5028946" cy="3034709"/>
-          </a:xfrm>
-          <a:prstGeom prst="rect">
-            <a:avLst/>
-          </a:prstGeom>
-        </p:spPr>
-      </p:pic>
-      <p:pic>
-        <p:nvPicPr>
-          <p:cNvPr id="8" name="Рисунок 7"/>
-          <p:cNvPicPr>
-            <a:picLocks noChangeAspect="1"/>
-          </p:cNvPicPr>
-          <p:nvPr/>
-        </p:nvPicPr>
-        <p:blipFill>
-          <a:blip r:embed="rId4">
-            <a:extLst>
-              <a:ext uri="{28A0092B-C50C-407E-A947-70E740481C1C}">
-                <a14:useLocalDpi xmlns:a14="http://schemas.microsoft.com/office/drawing/2010/main" val="0"/>
-              </a:ext>
-            </a:extLst>
-          </a:blip>
-          <a:stretch>
-            <a:fillRect/>
-          </a:stretch>
-        </p:blipFill>
-        <p:spPr>
-          <a:xfrm>
-            <a:off x="1225110" y="983015"/>
-            <a:ext cx="5028946" cy="3034709"/>
-          </a:xfrm>
-          <a:prstGeom prst="rect">
-            <a:avLst/>
-          </a:prstGeom>
-        </p:spPr>
-      </p:pic>
-      <p:pic>
-        <p:nvPicPr>
-          <p:cNvPr id="6" name="Рисунок 5"/>
-          <p:cNvPicPr>
-            <a:picLocks noChangeAspect="1"/>
-          </p:cNvPicPr>
-          <p:nvPr/>
-        </p:nvPicPr>
-        <p:blipFill>
-          <a:blip r:embed="rId5">
-            <a:extLst>
-              <a:ext uri="{28A0092B-C50C-407E-A947-70E740481C1C}">
-                <a14:useLocalDpi xmlns:a14="http://schemas.microsoft.com/office/drawing/2010/main" val="0"/>
-              </a:ext>
-            </a:extLst>
-          </a:blip>
-          <a:stretch>
-            <a:fillRect/>
-          </a:stretch>
-        </p:blipFill>
-        <p:spPr>
-          <a:xfrm>
-            <a:off x="1225110" y="3823291"/>
-            <a:ext cx="5028946" cy="3034709"/>
-          </a:xfrm>
-          <a:prstGeom prst="rect">
-            <a:avLst/>
-          </a:prstGeom>
-        </p:spPr>
-      </p:pic>
     </p:spTree>
     <p:extLst>
       <p:ext uri="{BB962C8B-B14F-4D97-AF65-F5344CB8AC3E}">
-        <p14:creationId xmlns:p14="http://schemas.microsoft.com/office/powerpoint/2010/main" val="389787418"/>
+        <p14:creationId xmlns:p14="http://schemas.microsoft.com/office/powerpoint/2010/main" val="1269330394"/>
       </p:ext>
     </p:extLst>
   </p:cSld>

--- a/presentation/stars.pptx
+++ b/presentation/stars.pptx
@@ -2,26 +2,25 @@
 <file path=ppt/presentation.xml><?xml version="1.0" encoding="utf-8"?>
 <p:presentation xmlns:a="http://schemas.openxmlformats.org/drawingml/2006/main" xmlns:r="http://schemas.openxmlformats.org/officeDocument/2006/relationships" xmlns:p="http://schemas.openxmlformats.org/presentationml/2006/main" saveSubsetFonts="1">
   <p:sldMasterIdLst>
-    <p:sldMasterId id="2147483648" r:id="rId1"/>
+    <p:sldMasterId id="2147483660" r:id="rId1"/>
   </p:sldMasterIdLst>
   <p:notesMasterIdLst>
-    <p:notesMasterId r:id="rId14"/>
+    <p:notesMasterId r:id="rId13"/>
   </p:notesMasterIdLst>
   <p:sldIdLst>
     <p:sldId id="256" r:id="rId2"/>
-    <p:sldId id="257" r:id="rId3"/>
+    <p:sldId id="268" r:id="rId3"/>
     <p:sldId id="259" r:id="rId4"/>
-    <p:sldId id="258" r:id="rId5"/>
-    <p:sldId id="260" r:id="rId6"/>
+    <p:sldId id="257" r:id="rId5"/>
+    <p:sldId id="258" r:id="rId6"/>
     <p:sldId id="267" r:id="rId7"/>
     <p:sldId id="261" r:id="rId8"/>
     <p:sldId id="262" r:id="rId9"/>
     <p:sldId id="263" r:id="rId10"/>
-    <p:sldId id="264" r:id="rId11"/>
-    <p:sldId id="265" r:id="rId12"/>
-    <p:sldId id="266" r:id="rId13"/>
+    <p:sldId id="265" r:id="rId11"/>
+    <p:sldId id="266" r:id="rId12"/>
   </p:sldIdLst>
-  <p:sldSz cx="12192000" cy="6858000"/>
+  <p:sldSz cx="9144000" cy="6858000" type="screen4x3"/>
   <p:notesSz cx="6858000" cy="9144000"/>
   <p:defaultTextStyle>
     <a:defPPr>
@@ -208,7 +207,7 @@
           <a:p>
             <a:fld id="{B6613FA9-9E16-42B5-A84A-34A70FE45BCA}" type="datetimeFigureOut">
               <a:rPr lang="ru-RU" smtClean="0"/>
-              <a:t>29.06.2015</a:t>
+              <a:t>30.06.2015</a:t>
             </a:fld>
             <a:endParaRPr lang="ru-RU"/>
           </a:p>
@@ -226,8 +225,8 @@
         </p:nvSpPr>
         <p:spPr>
           <a:xfrm>
-            <a:off x="685800" y="1143000"/>
-            <a:ext cx="5486400" cy="3086100"/>
+            <a:off x="1371600" y="1143000"/>
+            <a:ext cx="4114800" cy="3086100"/>
           </a:xfrm>
           <a:prstGeom prst="rect">
             <a:avLst/>
@@ -550,7 +549,7 @@
     </p:spTree>
     <p:extLst>
       <p:ext uri="{BB962C8B-B14F-4D97-AF65-F5344CB8AC3E}">
-        <p14:creationId xmlns:p14="http://schemas.microsoft.com/office/powerpoint/2010/main" val="964011178"/>
+        <p14:creationId xmlns:p14="http://schemas.microsoft.com/office/powerpoint/2010/main" val="3755818354"/>
       </p:ext>
     </p:extLst>
   </p:cSld>
@@ -587,7 +586,12 @@
             <p:ph type="sldImg"/>
           </p:nvPr>
         </p:nvSpPr>
-        <p:spPr/>
+        <p:spPr>
+          <a:xfrm>
+            <a:off x="1371600" y="1143000"/>
+            <a:ext cx="4114800" cy="3086100"/>
+          </a:xfrm>
+        </p:spPr>
       </p:sp>
       <p:sp>
         <p:nvSpPr>
@@ -625,7 +629,7 @@
           <a:p>
             <a:fld id="{C7088645-3EF7-43DE-8C5B-F50ECBB7D4A1}" type="slidenum">
               <a:rPr lang="ru-RU" smtClean="0"/>
-              <a:t>11</a:t>
+              <a:t>10</a:t>
             </a:fld>
             <a:endParaRPr lang="ru-RU"/>
           </a:p>
@@ -663,7 +667,7 @@
       </p:grpSpPr>
       <p:sp>
         <p:nvSpPr>
-          <p:cNvPr id="2" name="Заголовок 1"/>
+          <p:cNvPr id="2" name="Title 1"/>
           <p:cNvSpPr>
             <a:spLocks noGrp="1"/>
           </p:cNvSpPr>
@@ -673,8 +677,8 @@
         </p:nvSpPr>
         <p:spPr>
           <a:xfrm>
-            <a:off x="1524000" y="1122363"/>
-            <a:ext cx="9144000" cy="2387600"/>
+            <a:off x="685800" y="1122363"/>
+            <a:ext cx="7772400" cy="2387600"/>
           </a:xfrm>
         </p:spPr>
         <p:txBody>
@@ -689,13 +693,13 @@
               <a:rPr lang="ru-RU" smtClean="0"/>
               <a:t>Образец заголовка</a:t>
             </a:r>
-            <a:endParaRPr lang="ru-RU"/>
-          </a:p>
-        </p:txBody>
-      </p:sp>
-      <p:sp>
-        <p:nvSpPr>
-          <p:cNvPr id="3" name="Подзаголовок 2"/>
+            <a:endParaRPr lang="en-US" dirty="0"/>
+          </a:p>
+        </p:txBody>
+      </p:sp>
+      <p:sp>
+        <p:nvSpPr>
+          <p:cNvPr id="3" name="Subtitle 2"/>
           <p:cNvSpPr>
             <a:spLocks noGrp="1"/>
           </p:cNvSpPr>
@@ -705,8 +709,8 @@
         </p:nvSpPr>
         <p:spPr>
           <a:xfrm>
-            <a:off x="1524000" y="3602038"/>
-            <a:ext cx="9144000" cy="1655762"/>
+            <a:off x="1143000" y="3602038"/>
+            <a:ext cx="6858000" cy="1655762"/>
           </a:xfrm>
         </p:spPr>
         <p:txBody>
@@ -754,13 +758,13 @@
               <a:rPr lang="ru-RU" smtClean="0"/>
               <a:t>Образец подзаголовка</a:t>
             </a:r>
-            <a:endParaRPr lang="ru-RU"/>
-          </a:p>
-        </p:txBody>
-      </p:sp>
-      <p:sp>
-        <p:nvSpPr>
-          <p:cNvPr id="4" name="Дата 3"/>
+            <a:endParaRPr lang="en-US" dirty="0"/>
+          </a:p>
+        </p:txBody>
+      </p:sp>
+      <p:sp>
+        <p:nvSpPr>
+          <p:cNvPr id="4" name="Date Placeholder 3"/>
           <p:cNvSpPr>
             <a:spLocks noGrp="1"/>
           </p:cNvSpPr>
@@ -775,7 +779,7 @@
           <a:p>
             <a:fld id="{5C242D29-A0A5-44C5-B821-AE8E81D5544C}" type="datetimeFigureOut">
               <a:rPr lang="ru-RU" smtClean="0"/>
-              <a:t>29.06.2015</a:t>
+              <a:t>30.06.2015</a:t>
             </a:fld>
             <a:endParaRPr lang="ru-RU"/>
           </a:p>
@@ -783,7 +787,7 @@
       </p:sp>
       <p:sp>
         <p:nvSpPr>
-          <p:cNvPr id="5" name="Нижний колонтитул 4"/>
+          <p:cNvPr id="5" name="Footer Placeholder 4"/>
           <p:cNvSpPr>
             <a:spLocks noGrp="1"/>
           </p:cNvSpPr>
@@ -802,7 +806,7 @@
       </p:sp>
       <p:sp>
         <p:nvSpPr>
-          <p:cNvPr id="6" name="Номер слайда 5"/>
+          <p:cNvPr id="6" name="Slide Number Placeholder 5"/>
           <p:cNvSpPr>
             <a:spLocks noGrp="1"/>
           </p:cNvSpPr>
@@ -826,7 +830,7 @@
     </p:spTree>
     <p:extLst>
       <p:ext uri="{BB962C8B-B14F-4D97-AF65-F5344CB8AC3E}">
-        <p14:creationId xmlns:p14="http://schemas.microsoft.com/office/powerpoint/2010/main" val="2983184212"/>
+        <p14:creationId xmlns:p14="http://schemas.microsoft.com/office/powerpoint/2010/main" val="4162262378"/>
       </p:ext>
     </p:extLst>
   </p:cSld>
@@ -855,7 +859,7 @@
       </p:grpSpPr>
       <p:sp>
         <p:nvSpPr>
-          <p:cNvPr id="2" name="Заголовок 1"/>
+          <p:cNvPr id="2" name="Title 1"/>
           <p:cNvSpPr>
             <a:spLocks noGrp="1"/>
           </p:cNvSpPr>
@@ -872,13 +876,13 @@
               <a:rPr lang="ru-RU" smtClean="0"/>
               <a:t>Образец заголовка</a:t>
             </a:r>
-            <a:endParaRPr lang="ru-RU"/>
-          </a:p>
-        </p:txBody>
-      </p:sp>
-      <p:sp>
-        <p:nvSpPr>
-          <p:cNvPr id="3" name="Вертикальный текст 2"/>
+            <a:endParaRPr lang="en-US" dirty="0"/>
+          </a:p>
+        </p:txBody>
+      </p:sp>
+      <p:sp>
+        <p:nvSpPr>
+          <p:cNvPr id="3" name="Vertical Text Placeholder 2"/>
           <p:cNvSpPr>
             <a:spLocks noGrp="1"/>
           </p:cNvSpPr>
@@ -924,13 +928,13 @@
               <a:rPr lang="ru-RU" smtClean="0"/>
               <a:t>Пятый уровень</a:t>
             </a:r>
-            <a:endParaRPr lang="ru-RU"/>
-          </a:p>
-        </p:txBody>
-      </p:sp>
-      <p:sp>
-        <p:nvSpPr>
-          <p:cNvPr id="4" name="Дата 3"/>
+            <a:endParaRPr lang="en-US" dirty="0"/>
+          </a:p>
+        </p:txBody>
+      </p:sp>
+      <p:sp>
+        <p:nvSpPr>
+          <p:cNvPr id="4" name="Date Placeholder 3"/>
           <p:cNvSpPr>
             <a:spLocks noGrp="1"/>
           </p:cNvSpPr>
@@ -945,7 +949,7 @@
           <a:p>
             <a:fld id="{5C242D29-A0A5-44C5-B821-AE8E81D5544C}" type="datetimeFigureOut">
               <a:rPr lang="ru-RU" smtClean="0"/>
-              <a:t>29.06.2015</a:t>
+              <a:t>30.06.2015</a:t>
             </a:fld>
             <a:endParaRPr lang="ru-RU"/>
           </a:p>
@@ -953,7 +957,7 @@
       </p:sp>
       <p:sp>
         <p:nvSpPr>
-          <p:cNvPr id="5" name="Нижний колонтитул 4"/>
+          <p:cNvPr id="5" name="Footer Placeholder 4"/>
           <p:cNvSpPr>
             <a:spLocks noGrp="1"/>
           </p:cNvSpPr>
@@ -972,7 +976,7 @@
       </p:sp>
       <p:sp>
         <p:nvSpPr>
-          <p:cNvPr id="6" name="Номер слайда 5"/>
+          <p:cNvPr id="6" name="Slide Number Placeholder 5"/>
           <p:cNvSpPr>
             <a:spLocks noGrp="1"/>
           </p:cNvSpPr>
@@ -996,7 +1000,7 @@
     </p:spTree>
     <p:extLst>
       <p:ext uri="{BB962C8B-B14F-4D97-AF65-F5344CB8AC3E}">
-        <p14:creationId xmlns:p14="http://schemas.microsoft.com/office/powerpoint/2010/main" val="760449965"/>
+        <p14:creationId xmlns:p14="http://schemas.microsoft.com/office/powerpoint/2010/main" val="2275539207"/>
       </p:ext>
     </p:extLst>
   </p:cSld>
@@ -1025,7 +1029,7 @@
       </p:grpSpPr>
       <p:sp>
         <p:nvSpPr>
-          <p:cNvPr id="2" name="Вертикальный заголовок 1"/>
+          <p:cNvPr id="2" name="Vertical Title 1"/>
           <p:cNvSpPr>
             <a:spLocks noGrp="1"/>
           </p:cNvSpPr>
@@ -1035,8 +1039,8 @@
         </p:nvSpPr>
         <p:spPr>
           <a:xfrm>
-            <a:off x="8724900" y="365125"/>
-            <a:ext cx="2628900" cy="5811838"/>
+            <a:off x="6543675" y="365125"/>
+            <a:ext cx="1971675" cy="5811838"/>
           </a:xfrm>
         </p:spPr>
         <p:txBody>
@@ -1047,13 +1051,13 @@
               <a:rPr lang="ru-RU" smtClean="0"/>
               <a:t>Образец заголовка</a:t>
             </a:r>
-            <a:endParaRPr lang="ru-RU"/>
-          </a:p>
-        </p:txBody>
-      </p:sp>
-      <p:sp>
-        <p:nvSpPr>
-          <p:cNvPr id="3" name="Вертикальный текст 2"/>
+            <a:endParaRPr lang="en-US" dirty="0"/>
+          </a:p>
+        </p:txBody>
+      </p:sp>
+      <p:sp>
+        <p:nvSpPr>
+          <p:cNvPr id="3" name="Vertical Text Placeholder 2"/>
           <p:cNvSpPr>
             <a:spLocks noGrp="1"/>
           </p:cNvSpPr>
@@ -1063,8 +1067,8 @@
         </p:nvSpPr>
         <p:spPr>
           <a:xfrm>
-            <a:off x="838200" y="365125"/>
-            <a:ext cx="7734300" cy="5811838"/>
+            <a:off x="628650" y="365125"/>
+            <a:ext cx="5800725" cy="5811838"/>
           </a:xfrm>
         </p:spPr>
         <p:txBody>
@@ -1104,13 +1108,13 @@
               <a:rPr lang="ru-RU" smtClean="0"/>
               <a:t>Пятый уровень</a:t>
             </a:r>
-            <a:endParaRPr lang="ru-RU"/>
-          </a:p>
-        </p:txBody>
-      </p:sp>
-      <p:sp>
-        <p:nvSpPr>
-          <p:cNvPr id="4" name="Дата 3"/>
+            <a:endParaRPr lang="en-US" dirty="0"/>
+          </a:p>
+        </p:txBody>
+      </p:sp>
+      <p:sp>
+        <p:nvSpPr>
+          <p:cNvPr id="4" name="Date Placeholder 3"/>
           <p:cNvSpPr>
             <a:spLocks noGrp="1"/>
           </p:cNvSpPr>
@@ -1125,7 +1129,7 @@
           <a:p>
             <a:fld id="{5C242D29-A0A5-44C5-B821-AE8E81D5544C}" type="datetimeFigureOut">
               <a:rPr lang="ru-RU" smtClean="0"/>
-              <a:t>29.06.2015</a:t>
+              <a:t>30.06.2015</a:t>
             </a:fld>
             <a:endParaRPr lang="ru-RU"/>
           </a:p>
@@ -1133,7 +1137,7 @@
       </p:sp>
       <p:sp>
         <p:nvSpPr>
-          <p:cNvPr id="5" name="Нижний колонтитул 4"/>
+          <p:cNvPr id="5" name="Footer Placeholder 4"/>
           <p:cNvSpPr>
             <a:spLocks noGrp="1"/>
           </p:cNvSpPr>
@@ -1152,7 +1156,7 @@
       </p:sp>
       <p:sp>
         <p:nvSpPr>
-          <p:cNvPr id="6" name="Номер слайда 5"/>
+          <p:cNvPr id="6" name="Slide Number Placeholder 5"/>
           <p:cNvSpPr>
             <a:spLocks noGrp="1"/>
           </p:cNvSpPr>
@@ -1176,7 +1180,7 @@
     </p:spTree>
     <p:extLst>
       <p:ext uri="{BB962C8B-B14F-4D97-AF65-F5344CB8AC3E}">
-        <p14:creationId xmlns:p14="http://schemas.microsoft.com/office/powerpoint/2010/main" val="925958277"/>
+        <p14:creationId xmlns:p14="http://schemas.microsoft.com/office/powerpoint/2010/main" val="1222355022"/>
       </p:ext>
     </p:extLst>
   </p:cSld>
@@ -1205,7 +1209,7 @@
       </p:grpSpPr>
       <p:sp>
         <p:nvSpPr>
-          <p:cNvPr id="2" name="Заголовок 1"/>
+          <p:cNvPr id="2" name="Title 1"/>
           <p:cNvSpPr>
             <a:spLocks noGrp="1"/>
           </p:cNvSpPr>
@@ -1222,13 +1226,13 @@
               <a:rPr lang="ru-RU" smtClean="0"/>
               <a:t>Образец заголовка</a:t>
             </a:r>
-            <a:endParaRPr lang="ru-RU"/>
-          </a:p>
-        </p:txBody>
-      </p:sp>
-      <p:sp>
-        <p:nvSpPr>
-          <p:cNvPr id="3" name="Объект 2"/>
+            <a:endParaRPr lang="en-US" dirty="0"/>
+          </a:p>
+        </p:txBody>
+      </p:sp>
+      <p:sp>
+        <p:nvSpPr>
+          <p:cNvPr id="3" name="Content Placeholder 2"/>
           <p:cNvSpPr>
             <a:spLocks noGrp="1"/>
           </p:cNvSpPr>
@@ -1274,13 +1278,13 @@
               <a:rPr lang="ru-RU" smtClean="0"/>
               <a:t>Пятый уровень</a:t>
             </a:r>
-            <a:endParaRPr lang="ru-RU"/>
-          </a:p>
-        </p:txBody>
-      </p:sp>
-      <p:sp>
-        <p:nvSpPr>
-          <p:cNvPr id="4" name="Дата 3"/>
+            <a:endParaRPr lang="en-US" dirty="0"/>
+          </a:p>
+        </p:txBody>
+      </p:sp>
+      <p:sp>
+        <p:nvSpPr>
+          <p:cNvPr id="4" name="Date Placeholder 3"/>
           <p:cNvSpPr>
             <a:spLocks noGrp="1"/>
           </p:cNvSpPr>
@@ -1295,7 +1299,7 @@
           <a:p>
             <a:fld id="{5C242D29-A0A5-44C5-B821-AE8E81D5544C}" type="datetimeFigureOut">
               <a:rPr lang="ru-RU" smtClean="0"/>
-              <a:t>29.06.2015</a:t>
+              <a:t>30.06.2015</a:t>
             </a:fld>
             <a:endParaRPr lang="ru-RU"/>
           </a:p>
@@ -1303,7 +1307,7 @@
       </p:sp>
       <p:sp>
         <p:nvSpPr>
-          <p:cNvPr id="5" name="Нижний колонтитул 4"/>
+          <p:cNvPr id="5" name="Footer Placeholder 4"/>
           <p:cNvSpPr>
             <a:spLocks noGrp="1"/>
           </p:cNvSpPr>
@@ -1322,7 +1326,7 @@
       </p:sp>
       <p:sp>
         <p:nvSpPr>
-          <p:cNvPr id="6" name="Номер слайда 5"/>
+          <p:cNvPr id="6" name="Slide Number Placeholder 5"/>
           <p:cNvSpPr>
             <a:spLocks noGrp="1"/>
           </p:cNvSpPr>
@@ -1346,7 +1350,7 @@
     </p:spTree>
     <p:extLst>
       <p:ext uri="{BB962C8B-B14F-4D97-AF65-F5344CB8AC3E}">
-        <p14:creationId xmlns:p14="http://schemas.microsoft.com/office/powerpoint/2010/main" val="495082942"/>
+        <p14:creationId xmlns:p14="http://schemas.microsoft.com/office/powerpoint/2010/main" val="245689576"/>
       </p:ext>
     </p:extLst>
   </p:cSld>
@@ -1375,7 +1379,7 @@
       </p:grpSpPr>
       <p:sp>
         <p:nvSpPr>
-          <p:cNvPr id="2" name="Заголовок 1"/>
+          <p:cNvPr id="2" name="Title 1"/>
           <p:cNvSpPr>
             <a:spLocks noGrp="1"/>
           </p:cNvSpPr>
@@ -1385,8 +1389,8 @@
         </p:nvSpPr>
         <p:spPr>
           <a:xfrm>
-            <a:off x="831850" y="1709738"/>
-            <a:ext cx="10515600" cy="2852737"/>
+            <a:off x="623888" y="1709739"/>
+            <a:ext cx="7886700" cy="2852737"/>
           </a:xfrm>
         </p:spPr>
         <p:txBody>
@@ -1401,13 +1405,13 @@
               <a:rPr lang="ru-RU" smtClean="0"/>
               <a:t>Образец заголовка</a:t>
             </a:r>
-            <a:endParaRPr lang="ru-RU"/>
-          </a:p>
-        </p:txBody>
-      </p:sp>
-      <p:sp>
-        <p:nvSpPr>
-          <p:cNvPr id="3" name="Текст 2"/>
+            <a:endParaRPr lang="en-US" dirty="0"/>
+          </a:p>
+        </p:txBody>
+      </p:sp>
+      <p:sp>
+        <p:nvSpPr>
+          <p:cNvPr id="3" name="Text Placeholder 2"/>
           <p:cNvSpPr>
             <a:spLocks noGrp="1"/>
           </p:cNvSpPr>
@@ -1417,8 +1421,8 @@
         </p:nvSpPr>
         <p:spPr>
           <a:xfrm>
-            <a:off x="831850" y="4589463"/>
-            <a:ext cx="10515600" cy="1500187"/>
+            <a:off x="623888" y="4589464"/>
+            <a:ext cx="7886700" cy="1500187"/>
           </a:xfrm>
         </p:spPr>
         <p:txBody>
@@ -1428,9 +1432,7 @@
               <a:buNone/>
               <a:defRPr sz="2400">
                 <a:solidFill>
-                  <a:schemeClr val="tx1">
-                    <a:tint val="75000"/>
-                  </a:schemeClr>
+                  <a:schemeClr val="tx1"/>
                 </a:solidFill>
               </a:defRPr>
             </a:lvl1pPr>
@@ -1526,7 +1528,7 @@
       </p:sp>
       <p:sp>
         <p:nvSpPr>
-          <p:cNvPr id="4" name="Дата 3"/>
+          <p:cNvPr id="4" name="Date Placeholder 3"/>
           <p:cNvSpPr>
             <a:spLocks noGrp="1"/>
           </p:cNvSpPr>
@@ -1541,7 +1543,7 @@
           <a:p>
             <a:fld id="{5C242D29-A0A5-44C5-B821-AE8E81D5544C}" type="datetimeFigureOut">
               <a:rPr lang="ru-RU" smtClean="0"/>
-              <a:t>29.06.2015</a:t>
+              <a:t>30.06.2015</a:t>
             </a:fld>
             <a:endParaRPr lang="ru-RU"/>
           </a:p>
@@ -1549,7 +1551,7 @@
       </p:sp>
       <p:sp>
         <p:nvSpPr>
-          <p:cNvPr id="5" name="Нижний колонтитул 4"/>
+          <p:cNvPr id="5" name="Footer Placeholder 4"/>
           <p:cNvSpPr>
             <a:spLocks noGrp="1"/>
           </p:cNvSpPr>
@@ -1568,7 +1570,7 @@
       </p:sp>
       <p:sp>
         <p:nvSpPr>
-          <p:cNvPr id="6" name="Номер слайда 5"/>
+          <p:cNvPr id="6" name="Slide Number Placeholder 5"/>
           <p:cNvSpPr>
             <a:spLocks noGrp="1"/>
           </p:cNvSpPr>
@@ -1592,7 +1594,7 @@
     </p:spTree>
     <p:extLst>
       <p:ext uri="{BB962C8B-B14F-4D97-AF65-F5344CB8AC3E}">
-        <p14:creationId xmlns:p14="http://schemas.microsoft.com/office/powerpoint/2010/main" val="2332013130"/>
+        <p14:creationId xmlns:p14="http://schemas.microsoft.com/office/powerpoint/2010/main" val="1650114751"/>
       </p:ext>
     </p:extLst>
   </p:cSld>
@@ -1621,7 +1623,7 @@
       </p:grpSpPr>
       <p:sp>
         <p:nvSpPr>
-          <p:cNvPr id="2" name="Заголовок 1"/>
+          <p:cNvPr id="2" name="Title 1"/>
           <p:cNvSpPr>
             <a:spLocks noGrp="1"/>
           </p:cNvSpPr>
@@ -1638,13 +1640,13 @@
               <a:rPr lang="ru-RU" smtClean="0"/>
               <a:t>Образец заголовка</a:t>
             </a:r>
-            <a:endParaRPr lang="ru-RU"/>
-          </a:p>
-        </p:txBody>
-      </p:sp>
-      <p:sp>
-        <p:nvSpPr>
-          <p:cNvPr id="3" name="Объект 2"/>
+            <a:endParaRPr lang="en-US" dirty="0"/>
+          </a:p>
+        </p:txBody>
+      </p:sp>
+      <p:sp>
+        <p:nvSpPr>
+          <p:cNvPr id="3" name="Content Placeholder 2"/>
           <p:cNvSpPr>
             <a:spLocks noGrp="1"/>
           </p:cNvSpPr>
@@ -1654,8 +1656,8 @@
         </p:nvSpPr>
         <p:spPr>
           <a:xfrm>
-            <a:off x="838200" y="1825625"/>
-            <a:ext cx="5181600" cy="4351338"/>
+            <a:off x="628650" y="1825625"/>
+            <a:ext cx="3886200" cy="4351338"/>
           </a:xfrm>
         </p:spPr>
         <p:txBody>
@@ -1695,13 +1697,13 @@
               <a:rPr lang="ru-RU" smtClean="0"/>
               <a:t>Пятый уровень</a:t>
             </a:r>
-            <a:endParaRPr lang="ru-RU"/>
-          </a:p>
-        </p:txBody>
-      </p:sp>
-      <p:sp>
-        <p:nvSpPr>
-          <p:cNvPr id="4" name="Объект 3"/>
+            <a:endParaRPr lang="en-US" dirty="0"/>
+          </a:p>
+        </p:txBody>
+      </p:sp>
+      <p:sp>
+        <p:nvSpPr>
+          <p:cNvPr id="4" name="Content Placeholder 3"/>
           <p:cNvSpPr>
             <a:spLocks noGrp="1"/>
           </p:cNvSpPr>
@@ -1711,8 +1713,8 @@
         </p:nvSpPr>
         <p:spPr>
           <a:xfrm>
-            <a:off x="6172200" y="1825625"/>
-            <a:ext cx="5181600" cy="4351338"/>
+            <a:off x="4629150" y="1825625"/>
+            <a:ext cx="3886200" cy="4351338"/>
           </a:xfrm>
         </p:spPr>
         <p:txBody>
@@ -1752,13 +1754,13 @@
               <a:rPr lang="ru-RU" smtClean="0"/>
               <a:t>Пятый уровень</a:t>
             </a:r>
-            <a:endParaRPr lang="ru-RU"/>
-          </a:p>
-        </p:txBody>
-      </p:sp>
-      <p:sp>
-        <p:nvSpPr>
-          <p:cNvPr id="5" name="Дата 4"/>
+            <a:endParaRPr lang="en-US" dirty="0"/>
+          </a:p>
+        </p:txBody>
+      </p:sp>
+      <p:sp>
+        <p:nvSpPr>
+          <p:cNvPr id="5" name="Date Placeholder 4"/>
           <p:cNvSpPr>
             <a:spLocks noGrp="1"/>
           </p:cNvSpPr>
@@ -1773,7 +1775,7 @@
           <a:p>
             <a:fld id="{5C242D29-A0A5-44C5-B821-AE8E81D5544C}" type="datetimeFigureOut">
               <a:rPr lang="ru-RU" smtClean="0"/>
-              <a:t>29.06.2015</a:t>
+              <a:t>30.06.2015</a:t>
             </a:fld>
             <a:endParaRPr lang="ru-RU"/>
           </a:p>
@@ -1781,7 +1783,7 @@
       </p:sp>
       <p:sp>
         <p:nvSpPr>
-          <p:cNvPr id="6" name="Нижний колонтитул 5"/>
+          <p:cNvPr id="6" name="Footer Placeholder 5"/>
           <p:cNvSpPr>
             <a:spLocks noGrp="1"/>
           </p:cNvSpPr>
@@ -1800,7 +1802,7 @@
       </p:sp>
       <p:sp>
         <p:nvSpPr>
-          <p:cNvPr id="7" name="Номер слайда 6"/>
+          <p:cNvPr id="7" name="Slide Number Placeholder 6"/>
           <p:cNvSpPr>
             <a:spLocks noGrp="1"/>
           </p:cNvSpPr>
@@ -1824,7 +1826,7 @@
     </p:spTree>
     <p:extLst>
       <p:ext uri="{BB962C8B-B14F-4D97-AF65-F5344CB8AC3E}">
-        <p14:creationId xmlns:p14="http://schemas.microsoft.com/office/powerpoint/2010/main" val="3826895389"/>
+        <p14:creationId xmlns:p14="http://schemas.microsoft.com/office/powerpoint/2010/main" val="2103769078"/>
       </p:ext>
     </p:extLst>
   </p:cSld>
@@ -1853,7 +1855,7 @@
       </p:grpSpPr>
       <p:sp>
         <p:nvSpPr>
-          <p:cNvPr id="2" name="Заголовок 1"/>
+          <p:cNvPr id="2" name="Title 1"/>
           <p:cNvSpPr>
             <a:spLocks noGrp="1"/>
           </p:cNvSpPr>
@@ -1863,8 +1865,8 @@
         </p:nvSpPr>
         <p:spPr>
           <a:xfrm>
-            <a:off x="839788" y="365125"/>
-            <a:ext cx="10515600" cy="1325563"/>
+            <a:off x="629841" y="365126"/>
+            <a:ext cx="7886700" cy="1325563"/>
           </a:xfrm>
         </p:spPr>
         <p:txBody>
@@ -1875,13 +1877,13 @@
               <a:rPr lang="ru-RU" smtClean="0"/>
               <a:t>Образец заголовка</a:t>
             </a:r>
-            <a:endParaRPr lang="ru-RU"/>
-          </a:p>
-        </p:txBody>
-      </p:sp>
-      <p:sp>
-        <p:nvSpPr>
-          <p:cNvPr id="3" name="Текст 2"/>
+            <a:endParaRPr lang="en-US" dirty="0"/>
+          </a:p>
+        </p:txBody>
+      </p:sp>
+      <p:sp>
+        <p:nvSpPr>
+          <p:cNvPr id="3" name="Text Placeholder 2"/>
           <p:cNvSpPr>
             <a:spLocks noGrp="1"/>
           </p:cNvSpPr>
@@ -1891,8 +1893,8 @@
         </p:nvSpPr>
         <p:spPr>
           <a:xfrm>
-            <a:off x="839788" y="1681163"/>
-            <a:ext cx="5157787" cy="823912"/>
+            <a:off x="629842" y="1681163"/>
+            <a:ext cx="3868340" cy="823912"/>
           </a:xfrm>
         </p:spPr>
         <p:txBody>
@@ -1946,7 +1948,7 @@
       </p:sp>
       <p:sp>
         <p:nvSpPr>
-          <p:cNvPr id="4" name="Объект 3"/>
+          <p:cNvPr id="4" name="Content Placeholder 3"/>
           <p:cNvSpPr>
             <a:spLocks noGrp="1"/>
           </p:cNvSpPr>
@@ -1956,8 +1958,8 @@
         </p:nvSpPr>
         <p:spPr>
           <a:xfrm>
-            <a:off x="839788" y="2505075"/>
-            <a:ext cx="5157787" cy="3684588"/>
+            <a:off x="629842" y="2505075"/>
+            <a:ext cx="3868340" cy="3684588"/>
           </a:xfrm>
         </p:spPr>
         <p:txBody>
@@ -1997,13 +1999,13 @@
               <a:rPr lang="ru-RU" smtClean="0"/>
               <a:t>Пятый уровень</a:t>
             </a:r>
-            <a:endParaRPr lang="ru-RU"/>
-          </a:p>
-        </p:txBody>
-      </p:sp>
-      <p:sp>
-        <p:nvSpPr>
-          <p:cNvPr id="5" name="Текст 4"/>
+            <a:endParaRPr lang="en-US" dirty="0"/>
+          </a:p>
+        </p:txBody>
+      </p:sp>
+      <p:sp>
+        <p:nvSpPr>
+          <p:cNvPr id="5" name="Text Placeholder 4"/>
           <p:cNvSpPr>
             <a:spLocks noGrp="1"/>
           </p:cNvSpPr>
@@ -2013,8 +2015,8 @@
         </p:nvSpPr>
         <p:spPr>
           <a:xfrm>
-            <a:off x="6172200" y="1681163"/>
-            <a:ext cx="5183188" cy="823912"/>
+            <a:off x="4629150" y="1681163"/>
+            <a:ext cx="3887391" cy="823912"/>
           </a:xfrm>
         </p:spPr>
         <p:txBody>
@@ -2068,7 +2070,7 @@
       </p:sp>
       <p:sp>
         <p:nvSpPr>
-          <p:cNvPr id="6" name="Объект 5"/>
+          <p:cNvPr id="6" name="Content Placeholder 5"/>
           <p:cNvSpPr>
             <a:spLocks noGrp="1"/>
           </p:cNvSpPr>
@@ -2078,8 +2080,8 @@
         </p:nvSpPr>
         <p:spPr>
           <a:xfrm>
-            <a:off x="6172200" y="2505075"/>
-            <a:ext cx="5183188" cy="3684588"/>
+            <a:off x="4629150" y="2505075"/>
+            <a:ext cx="3887391" cy="3684588"/>
           </a:xfrm>
         </p:spPr>
         <p:txBody>
@@ -2119,13 +2121,13 @@
               <a:rPr lang="ru-RU" smtClean="0"/>
               <a:t>Пятый уровень</a:t>
             </a:r>
-            <a:endParaRPr lang="ru-RU"/>
-          </a:p>
-        </p:txBody>
-      </p:sp>
-      <p:sp>
-        <p:nvSpPr>
-          <p:cNvPr id="7" name="Дата 6"/>
+            <a:endParaRPr lang="en-US" dirty="0"/>
+          </a:p>
+        </p:txBody>
+      </p:sp>
+      <p:sp>
+        <p:nvSpPr>
+          <p:cNvPr id="7" name="Date Placeholder 6"/>
           <p:cNvSpPr>
             <a:spLocks noGrp="1"/>
           </p:cNvSpPr>
@@ -2140,7 +2142,7 @@
           <a:p>
             <a:fld id="{5C242D29-A0A5-44C5-B821-AE8E81D5544C}" type="datetimeFigureOut">
               <a:rPr lang="ru-RU" smtClean="0"/>
-              <a:t>29.06.2015</a:t>
+              <a:t>30.06.2015</a:t>
             </a:fld>
             <a:endParaRPr lang="ru-RU"/>
           </a:p>
@@ -2148,7 +2150,7 @@
       </p:sp>
       <p:sp>
         <p:nvSpPr>
-          <p:cNvPr id="8" name="Нижний колонтитул 7"/>
+          <p:cNvPr id="8" name="Footer Placeholder 7"/>
           <p:cNvSpPr>
             <a:spLocks noGrp="1"/>
           </p:cNvSpPr>
@@ -2167,7 +2169,7 @@
       </p:sp>
       <p:sp>
         <p:nvSpPr>
-          <p:cNvPr id="9" name="Номер слайда 8"/>
+          <p:cNvPr id="9" name="Slide Number Placeholder 8"/>
           <p:cNvSpPr>
             <a:spLocks noGrp="1"/>
           </p:cNvSpPr>
@@ -2191,7 +2193,7 @@
     </p:spTree>
     <p:extLst>
       <p:ext uri="{BB962C8B-B14F-4D97-AF65-F5344CB8AC3E}">
-        <p14:creationId xmlns:p14="http://schemas.microsoft.com/office/powerpoint/2010/main" val="2116269506"/>
+        <p14:creationId xmlns:p14="http://schemas.microsoft.com/office/powerpoint/2010/main" val="3179669897"/>
       </p:ext>
     </p:extLst>
   </p:cSld>
@@ -2220,7 +2222,7 @@
       </p:grpSpPr>
       <p:sp>
         <p:nvSpPr>
-          <p:cNvPr id="2" name="Заголовок 1"/>
+          <p:cNvPr id="2" name="Title 1"/>
           <p:cNvSpPr>
             <a:spLocks noGrp="1"/>
           </p:cNvSpPr>
@@ -2237,13 +2239,13 @@
               <a:rPr lang="ru-RU" smtClean="0"/>
               <a:t>Образец заголовка</a:t>
             </a:r>
-            <a:endParaRPr lang="ru-RU"/>
-          </a:p>
-        </p:txBody>
-      </p:sp>
-      <p:sp>
-        <p:nvSpPr>
-          <p:cNvPr id="3" name="Дата 2"/>
+            <a:endParaRPr lang="en-US" dirty="0"/>
+          </a:p>
+        </p:txBody>
+      </p:sp>
+      <p:sp>
+        <p:nvSpPr>
+          <p:cNvPr id="3" name="Date Placeholder 2"/>
           <p:cNvSpPr>
             <a:spLocks noGrp="1"/>
           </p:cNvSpPr>
@@ -2258,7 +2260,7 @@
           <a:p>
             <a:fld id="{5C242D29-A0A5-44C5-B821-AE8E81D5544C}" type="datetimeFigureOut">
               <a:rPr lang="ru-RU" smtClean="0"/>
-              <a:t>29.06.2015</a:t>
+              <a:t>30.06.2015</a:t>
             </a:fld>
             <a:endParaRPr lang="ru-RU"/>
           </a:p>
@@ -2266,7 +2268,7 @@
       </p:sp>
       <p:sp>
         <p:nvSpPr>
-          <p:cNvPr id="4" name="Нижний колонтитул 3"/>
+          <p:cNvPr id="4" name="Footer Placeholder 3"/>
           <p:cNvSpPr>
             <a:spLocks noGrp="1"/>
           </p:cNvSpPr>
@@ -2285,7 +2287,7 @@
       </p:sp>
       <p:sp>
         <p:nvSpPr>
-          <p:cNvPr id="5" name="Номер слайда 4"/>
+          <p:cNvPr id="5" name="Slide Number Placeholder 4"/>
           <p:cNvSpPr>
             <a:spLocks noGrp="1"/>
           </p:cNvSpPr>
@@ -2309,7 +2311,7 @@
     </p:spTree>
     <p:extLst>
       <p:ext uri="{BB962C8B-B14F-4D97-AF65-F5344CB8AC3E}">
-        <p14:creationId xmlns:p14="http://schemas.microsoft.com/office/powerpoint/2010/main" val="3658796824"/>
+        <p14:creationId xmlns:p14="http://schemas.microsoft.com/office/powerpoint/2010/main" val="3294372989"/>
       </p:ext>
     </p:extLst>
   </p:cSld>
@@ -2338,7 +2340,7 @@
       </p:grpSpPr>
       <p:sp>
         <p:nvSpPr>
-          <p:cNvPr id="2" name="Дата 1"/>
+          <p:cNvPr id="2" name="Date Placeholder 1"/>
           <p:cNvSpPr>
             <a:spLocks noGrp="1"/>
           </p:cNvSpPr>
@@ -2353,7 +2355,7 @@
           <a:p>
             <a:fld id="{5C242D29-A0A5-44C5-B821-AE8E81D5544C}" type="datetimeFigureOut">
               <a:rPr lang="ru-RU" smtClean="0"/>
-              <a:t>29.06.2015</a:t>
+              <a:t>30.06.2015</a:t>
             </a:fld>
             <a:endParaRPr lang="ru-RU"/>
           </a:p>
@@ -2361,7 +2363,7 @@
       </p:sp>
       <p:sp>
         <p:nvSpPr>
-          <p:cNvPr id="3" name="Нижний колонтитул 2"/>
+          <p:cNvPr id="3" name="Footer Placeholder 2"/>
           <p:cNvSpPr>
             <a:spLocks noGrp="1"/>
           </p:cNvSpPr>
@@ -2380,7 +2382,7 @@
       </p:sp>
       <p:sp>
         <p:nvSpPr>
-          <p:cNvPr id="4" name="Номер слайда 3"/>
+          <p:cNvPr id="4" name="Slide Number Placeholder 3"/>
           <p:cNvSpPr>
             <a:spLocks noGrp="1"/>
           </p:cNvSpPr>
@@ -2404,7 +2406,7 @@
     </p:spTree>
     <p:extLst>
       <p:ext uri="{BB962C8B-B14F-4D97-AF65-F5344CB8AC3E}">
-        <p14:creationId xmlns:p14="http://schemas.microsoft.com/office/powerpoint/2010/main" val="4111889942"/>
+        <p14:creationId xmlns:p14="http://schemas.microsoft.com/office/powerpoint/2010/main" val="3690280724"/>
       </p:ext>
     </p:extLst>
   </p:cSld>
@@ -2433,7 +2435,7 @@
       </p:grpSpPr>
       <p:sp>
         <p:nvSpPr>
-          <p:cNvPr id="2" name="Заголовок 1"/>
+          <p:cNvPr id="2" name="Title 1"/>
           <p:cNvSpPr>
             <a:spLocks noGrp="1"/>
           </p:cNvSpPr>
@@ -2443,8 +2445,8 @@
         </p:nvSpPr>
         <p:spPr>
           <a:xfrm>
-            <a:off x="839788" y="457200"/>
-            <a:ext cx="3932237" cy="1600200"/>
+            <a:off x="629841" y="457200"/>
+            <a:ext cx="2949178" cy="1600200"/>
           </a:xfrm>
         </p:spPr>
         <p:txBody>
@@ -2459,13 +2461,13 @@
               <a:rPr lang="ru-RU" smtClean="0"/>
               <a:t>Образец заголовка</a:t>
             </a:r>
-            <a:endParaRPr lang="ru-RU"/>
-          </a:p>
-        </p:txBody>
-      </p:sp>
-      <p:sp>
-        <p:nvSpPr>
-          <p:cNvPr id="3" name="Объект 2"/>
+            <a:endParaRPr lang="en-US" dirty="0"/>
+          </a:p>
+        </p:txBody>
+      </p:sp>
+      <p:sp>
+        <p:nvSpPr>
+          <p:cNvPr id="3" name="Content Placeholder 2"/>
           <p:cNvSpPr>
             <a:spLocks noGrp="1"/>
           </p:cNvSpPr>
@@ -2475,8 +2477,8 @@
         </p:nvSpPr>
         <p:spPr>
           <a:xfrm>
-            <a:off x="5183188" y="987425"/>
-            <a:ext cx="6172200" cy="4873625"/>
+            <a:off x="3887391" y="987426"/>
+            <a:ext cx="4629150" cy="4873625"/>
           </a:xfrm>
         </p:spPr>
         <p:txBody>
@@ -2544,13 +2546,13 @@
               <a:rPr lang="ru-RU" smtClean="0"/>
               <a:t>Пятый уровень</a:t>
             </a:r>
-            <a:endParaRPr lang="ru-RU"/>
-          </a:p>
-        </p:txBody>
-      </p:sp>
-      <p:sp>
-        <p:nvSpPr>
-          <p:cNvPr id="4" name="Текст 3"/>
+            <a:endParaRPr lang="en-US" dirty="0"/>
+          </a:p>
+        </p:txBody>
+      </p:sp>
+      <p:sp>
+        <p:nvSpPr>
+          <p:cNvPr id="4" name="Text Placeholder 3"/>
           <p:cNvSpPr>
             <a:spLocks noGrp="1"/>
           </p:cNvSpPr>
@@ -2560,8 +2562,8 @@
         </p:nvSpPr>
         <p:spPr>
           <a:xfrm>
-            <a:off x="839788" y="2057400"/>
-            <a:ext cx="3932237" cy="3811588"/>
+            <a:off x="629841" y="2057400"/>
+            <a:ext cx="2949178" cy="3811588"/>
           </a:xfrm>
         </p:spPr>
         <p:txBody>
@@ -2615,7 +2617,7 @@
       </p:sp>
       <p:sp>
         <p:nvSpPr>
-          <p:cNvPr id="5" name="Дата 4"/>
+          <p:cNvPr id="5" name="Date Placeholder 4"/>
           <p:cNvSpPr>
             <a:spLocks noGrp="1"/>
           </p:cNvSpPr>
@@ -2630,7 +2632,7 @@
           <a:p>
             <a:fld id="{5C242D29-A0A5-44C5-B821-AE8E81D5544C}" type="datetimeFigureOut">
               <a:rPr lang="ru-RU" smtClean="0"/>
-              <a:t>29.06.2015</a:t>
+              <a:t>30.06.2015</a:t>
             </a:fld>
             <a:endParaRPr lang="ru-RU"/>
           </a:p>
@@ -2638,7 +2640,7 @@
       </p:sp>
       <p:sp>
         <p:nvSpPr>
-          <p:cNvPr id="6" name="Нижний колонтитул 5"/>
+          <p:cNvPr id="6" name="Footer Placeholder 5"/>
           <p:cNvSpPr>
             <a:spLocks noGrp="1"/>
           </p:cNvSpPr>
@@ -2657,7 +2659,7 @@
       </p:sp>
       <p:sp>
         <p:nvSpPr>
-          <p:cNvPr id="7" name="Номер слайда 6"/>
+          <p:cNvPr id="7" name="Slide Number Placeholder 6"/>
           <p:cNvSpPr>
             <a:spLocks noGrp="1"/>
           </p:cNvSpPr>
@@ -2681,7 +2683,7 @@
     </p:spTree>
     <p:extLst>
       <p:ext uri="{BB962C8B-B14F-4D97-AF65-F5344CB8AC3E}">
-        <p14:creationId xmlns:p14="http://schemas.microsoft.com/office/powerpoint/2010/main" val="3975866120"/>
+        <p14:creationId xmlns:p14="http://schemas.microsoft.com/office/powerpoint/2010/main" val="192525255"/>
       </p:ext>
     </p:extLst>
   </p:cSld>
@@ -2710,7 +2712,7 @@
       </p:grpSpPr>
       <p:sp>
         <p:nvSpPr>
-          <p:cNvPr id="2" name="Заголовок 1"/>
+          <p:cNvPr id="2" name="Title 1"/>
           <p:cNvSpPr>
             <a:spLocks noGrp="1"/>
           </p:cNvSpPr>
@@ -2720,8 +2722,8 @@
         </p:nvSpPr>
         <p:spPr>
           <a:xfrm>
-            <a:off x="839788" y="457200"/>
-            <a:ext cx="3932237" cy="1600200"/>
+            <a:off x="629841" y="457200"/>
+            <a:ext cx="2949178" cy="1600200"/>
           </a:xfrm>
         </p:spPr>
         <p:txBody>
@@ -2736,15 +2738,15 @@
               <a:rPr lang="ru-RU" smtClean="0"/>
               <a:t>Образец заголовка</a:t>
             </a:r>
-            <a:endParaRPr lang="ru-RU"/>
-          </a:p>
-        </p:txBody>
-      </p:sp>
-      <p:sp>
-        <p:nvSpPr>
-          <p:cNvPr id="3" name="Рисунок 2"/>
-          <p:cNvSpPr>
-            <a:spLocks noGrp="1"/>
+            <a:endParaRPr lang="en-US" dirty="0"/>
+          </a:p>
+        </p:txBody>
+      </p:sp>
+      <p:sp>
+        <p:nvSpPr>
+          <p:cNvPr id="3" name="Picture Placeholder 2"/>
+          <p:cNvSpPr>
+            <a:spLocks noGrp="1" noChangeAspect="1"/>
           </p:cNvSpPr>
           <p:nvPr>
             <p:ph type="pic" idx="1"/>
@@ -2752,8 +2754,73 @@
         </p:nvSpPr>
         <p:spPr>
           <a:xfrm>
-            <a:off x="5183188" y="987425"/>
-            <a:ext cx="6172200" cy="4873625"/>
+            <a:off x="3887391" y="987426"/>
+            <a:ext cx="4629150" cy="4873625"/>
+          </a:xfrm>
+        </p:spPr>
+        <p:txBody>
+          <a:bodyPr anchor="t"/>
+          <a:lstStyle>
+            <a:lvl1pPr marL="0" indent="0">
+              <a:buNone/>
+              <a:defRPr sz="3200"/>
+            </a:lvl1pPr>
+            <a:lvl2pPr marL="457200" indent="0">
+              <a:buNone/>
+              <a:defRPr sz="2800"/>
+            </a:lvl2pPr>
+            <a:lvl3pPr marL="914400" indent="0">
+              <a:buNone/>
+              <a:defRPr sz="2400"/>
+            </a:lvl3pPr>
+            <a:lvl4pPr marL="1371600" indent="0">
+              <a:buNone/>
+              <a:defRPr sz="2000"/>
+            </a:lvl4pPr>
+            <a:lvl5pPr marL="1828800" indent="0">
+              <a:buNone/>
+              <a:defRPr sz="2000"/>
+            </a:lvl5pPr>
+            <a:lvl6pPr marL="2286000" indent="0">
+              <a:buNone/>
+              <a:defRPr sz="2000"/>
+            </a:lvl6pPr>
+            <a:lvl7pPr marL="2743200" indent="0">
+              <a:buNone/>
+              <a:defRPr sz="2000"/>
+            </a:lvl7pPr>
+            <a:lvl8pPr marL="3200400" indent="0">
+              <a:buNone/>
+              <a:defRPr sz="2000"/>
+            </a:lvl8pPr>
+            <a:lvl9pPr marL="3657600" indent="0">
+              <a:buNone/>
+              <a:defRPr sz="2000"/>
+            </a:lvl9pPr>
+          </a:lstStyle>
+          <a:p>
+            <a:r>
+              <a:rPr lang="ru-RU" smtClean="0"/>
+              <a:t>Вставка рисунка</a:t>
+            </a:r>
+            <a:endParaRPr lang="en-US" dirty="0"/>
+          </a:p>
+        </p:txBody>
+      </p:sp>
+      <p:sp>
+        <p:nvSpPr>
+          <p:cNvPr id="4" name="Text Placeholder 3"/>
+          <p:cNvSpPr>
+            <a:spLocks noGrp="1"/>
+          </p:cNvSpPr>
+          <p:nvPr>
+            <p:ph type="body" sz="half" idx="2"/>
+          </p:nvPr>
+        </p:nvSpPr>
+        <p:spPr>
+          <a:xfrm>
+            <a:off x="629841" y="2057400"/>
+            <a:ext cx="2949178" cy="3811588"/>
           </a:xfrm>
         </p:spPr>
         <p:txBody>
@@ -2761,67 +2828,6 @@
           <a:lstStyle>
             <a:lvl1pPr marL="0" indent="0">
               <a:buNone/>
-              <a:defRPr sz="3200"/>
-            </a:lvl1pPr>
-            <a:lvl2pPr marL="457200" indent="0">
-              <a:buNone/>
-              <a:defRPr sz="2800"/>
-            </a:lvl2pPr>
-            <a:lvl3pPr marL="914400" indent="0">
-              <a:buNone/>
-              <a:defRPr sz="2400"/>
-            </a:lvl3pPr>
-            <a:lvl4pPr marL="1371600" indent="0">
-              <a:buNone/>
-              <a:defRPr sz="2000"/>
-            </a:lvl4pPr>
-            <a:lvl5pPr marL="1828800" indent="0">
-              <a:buNone/>
-              <a:defRPr sz="2000"/>
-            </a:lvl5pPr>
-            <a:lvl6pPr marL="2286000" indent="0">
-              <a:buNone/>
-              <a:defRPr sz="2000"/>
-            </a:lvl6pPr>
-            <a:lvl7pPr marL="2743200" indent="0">
-              <a:buNone/>
-              <a:defRPr sz="2000"/>
-            </a:lvl7pPr>
-            <a:lvl8pPr marL="3200400" indent="0">
-              <a:buNone/>
-              <a:defRPr sz="2000"/>
-            </a:lvl8pPr>
-            <a:lvl9pPr marL="3657600" indent="0">
-              <a:buNone/>
-              <a:defRPr sz="2000"/>
-            </a:lvl9pPr>
-          </a:lstStyle>
-          <a:p>
-            <a:endParaRPr lang="ru-RU"/>
-          </a:p>
-        </p:txBody>
-      </p:sp>
-      <p:sp>
-        <p:nvSpPr>
-          <p:cNvPr id="4" name="Текст 3"/>
-          <p:cNvSpPr>
-            <a:spLocks noGrp="1"/>
-          </p:cNvSpPr>
-          <p:nvPr>
-            <p:ph type="body" sz="half" idx="2"/>
-          </p:nvPr>
-        </p:nvSpPr>
-        <p:spPr>
-          <a:xfrm>
-            <a:off x="839788" y="2057400"/>
-            <a:ext cx="3932237" cy="3811588"/>
-          </a:xfrm>
-        </p:spPr>
-        <p:txBody>
-          <a:bodyPr/>
-          <a:lstStyle>
-            <a:lvl1pPr marL="0" indent="0">
-              <a:buNone/>
               <a:defRPr sz="1600"/>
             </a:lvl1pPr>
             <a:lvl2pPr marL="457200" indent="0">
@@ -2868,7 +2874,7 @@
       </p:sp>
       <p:sp>
         <p:nvSpPr>
-          <p:cNvPr id="5" name="Дата 4"/>
+          <p:cNvPr id="5" name="Date Placeholder 4"/>
           <p:cNvSpPr>
             <a:spLocks noGrp="1"/>
           </p:cNvSpPr>
@@ -2883,7 +2889,7 @@
           <a:p>
             <a:fld id="{5C242D29-A0A5-44C5-B821-AE8E81D5544C}" type="datetimeFigureOut">
               <a:rPr lang="ru-RU" smtClean="0"/>
-              <a:t>29.06.2015</a:t>
+              <a:t>30.06.2015</a:t>
             </a:fld>
             <a:endParaRPr lang="ru-RU"/>
           </a:p>
@@ -2891,7 +2897,7 @@
       </p:sp>
       <p:sp>
         <p:nvSpPr>
-          <p:cNvPr id="6" name="Нижний колонтитул 5"/>
+          <p:cNvPr id="6" name="Footer Placeholder 5"/>
           <p:cNvSpPr>
             <a:spLocks noGrp="1"/>
           </p:cNvSpPr>
@@ -2910,7 +2916,7 @@
       </p:sp>
       <p:sp>
         <p:nvSpPr>
-          <p:cNvPr id="7" name="Номер слайда 6"/>
+          <p:cNvPr id="7" name="Slide Number Placeholder 6"/>
           <p:cNvSpPr>
             <a:spLocks noGrp="1"/>
           </p:cNvSpPr>
@@ -2934,7 +2940,7 @@
     </p:spTree>
     <p:extLst>
       <p:ext uri="{BB962C8B-B14F-4D97-AF65-F5344CB8AC3E}">
-        <p14:creationId xmlns:p14="http://schemas.microsoft.com/office/powerpoint/2010/main" val="3781641372"/>
+        <p14:creationId xmlns:p14="http://schemas.microsoft.com/office/powerpoint/2010/main" val="3990316940"/>
       </p:ext>
     </p:extLst>
   </p:cSld>
@@ -2968,7 +2974,7 @@
       </p:grpSpPr>
       <p:sp>
         <p:nvSpPr>
-          <p:cNvPr id="2" name="Заголовок 1"/>
+          <p:cNvPr id="2" name="Title Placeholder 1"/>
           <p:cNvSpPr>
             <a:spLocks noGrp="1"/>
           </p:cNvSpPr>
@@ -2978,8 +2984,8 @@
         </p:nvSpPr>
         <p:spPr>
           <a:xfrm>
-            <a:off x="838200" y="365125"/>
-            <a:ext cx="10515600" cy="1325563"/>
+            <a:off x="628650" y="365126"/>
+            <a:ext cx="7886700" cy="1325563"/>
           </a:xfrm>
           <a:prstGeom prst="rect">
             <a:avLst/>
@@ -2995,13 +3001,13 @@
               <a:rPr lang="ru-RU" smtClean="0"/>
               <a:t>Образец заголовка</a:t>
             </a:r>
-            <a:endParaRPr lang="ru-RU"/>
-          </a:p>
-        </p:txBody>
-      </p:sp>
-      <p:sp>
-        <p:nvSpPr>
-          <p:cNvPr id="3" name="Текст 2"/>
+            <a:endParaRPr lang="en-US" dirty="0"/>
+          </a:p>
+        </p:txBody>
+      </p:sp>
+      <p:sp>
+        <p:nvSpPr>
+          <p:cNvPr id="3" name="Text Placeholder 2"/>
           <p:cNvSpPr>
             <a:spLocks noGrp="1"/>
           </p:cNvSpPr>
@@ -3011,8 +3017,8 @@
         </p:nvSpPr>
         <p:spPr>
           <a:xfrm>
-            <a:off x="838200" y="1825625"/>
-            <a:ext cx="10515600" cy="4351338"/>
+            <a:off x="628650" y="1825625"/>
+            <a:ext cx="7886700" cy="4351338"/>
           </a:xfrm>
           <a:prstGeom prst="rect">
             <a:avLst/>
@@ -3057,13 +3063,13 @@
               <a:rPr lang="ru-RU" smtClean="0"/>
               <a:t>Пятый уровень</a:t>
             </a:r>
-            <a:endParaRPr lang="ru-RU"/>
-          </a:p>
-        </p:txBody>
-      </p:sp>
-      <p:sp>
-        <p:nvSpPr>
-          <p:cNvPr id="4" name="Дата 3"/>
+            <a:endParaRPr lang="en-US" dirty="0"/>
+          </a:p>
+        </p:txBody>
+      </p:sp>
+      <p:sp>
+        <p:nvSpPr>
+          <p:cNvPr id="4" name="Date Placeholder 3"/>
           <p:cNvSpPr>
             <a:spLocks noGrp="1"/>
           </p:cNvSpPr>
@@ -3073,8 +3079,8 @@
         </p:nvSpPr>
         <p:spPr>
           <a:xfrm>
-            <a:off x="838200" y="6356350"/>
-            <a:ext cx="2743200" cy="365125"/>
+            <a:off x="628650" y="6356351"/>
+            <a:ext cx="2057400" cy="365125"/>
           </a:xfrm>
           <a:prstGeom prst="rect">
             <a:avLst/>
@@ -3096,7 +3102,7 @@
           <a:p>
             <a:fld id="{5C242D29-A0A5-44C5-B821-AE8E81D5544C}" type="datetimeFigureOut">
               <a:rPr lang="ru-RU" smtClean="0"/>
-              <a:t>29.06.2015</a:t>
+              <a:t>30.06.2015</a:t>
             </a:fld>
             <a:endParaRPr lang="ru-RU"/>
           </a:p>
@@ -3104,7 +3110,7 @@
       </p:sp>
       <p:sp>
         <p:nvSpPr>
-          <p:cNvPr id="5" name="Нижний колонтитул 4"/>
+          <p:cNvPr id="5" name="Footer Placeholder 4"/>
           <p:cNvSpPr>
             <a:spLocks noGrp="1"/>
           </p:cNvSpPr>
@@ -3114,8 +3120,8 @@
         </p:nvSpPr>
         <p:spPr>
           <a:xfrm>
-            <a:off x="4038600" y="6356350"/>
-            <a:ext cx="4114800" cy="365125"/>
+            <a:off x="3028950" y="6356351"/>
+            <a:ext cx="3086100" cy="365125"/>
           </a:xfrm>
           <a:prstGeom prst="rect">
             <a:avLst/>
@@ -3141,7 +3147,7 @@
       </p:sp>
       <p:sp>
         <p:nvSpPr>
-          <p:cNvPr id="6" name="Номер слайда 5"/>
+          <p:cNvPr id="6" name="Slide Number Placeholder 5"/>
           <p:cNvSpPr>
             <a:spLocks noGrp="1"/>
           </p:cNvSpPr>
@@ -3151,8 +3157,8 @@
         </p:nvSpPr>
         <p:spPr>
           <a:xfrm>
-            <a:off x="8610600" y="6356350"/>
-            <a:ext cx="2743200" cy="365125"/>
+            <a:off x="6457950" y="6356351"/>
+            <a:ext cx="2057400" cy="365125"/>
           </a:xfrm>
           <a:prstGeom prst="rect">
             <a:avLst/>
@@ -3183,23 +3189,23 @@
     </p:spTree>
     <p:extLst>
       <p:ext uri="{BB962C8B-B14F-4D97-AF65-F5344CB8AC3E}">
-        <p14:creationId xmlns:p14="http://schemas.microsoft.com/office/powerpoint/2010/main" val="2077644157"/>
+        <p14:creationId xmlns:p14="http://schemas.microsoft.com/office/powerpoint/2010/main" val="1337528115"/>
       </p:ext>
     </p:extLst>
   </p:cSld>
   <p:clrMap bg1="lt1" tx1="dk1" bg2="lt2" tx2="dk2" accent1="accent1" accent2="accent2" accent3="accent3" accent4="accent4" accent5="accent5" accent6="accent6" hlink="hlink" folHlink="folHlink"/>
   <p:sldLayoutIdLst>
-    <p:sldLayoutId id="2147483649" r:id="rId1"/>
-    <p:sldLayoutId id="2147483650" r:id="rId2"/>
-    <p:sldLayoutId id="2147483651" r:id="rId3"/>
-    <p:sldLayoutId id="2147483652" r:id="rId4"/>
-    <p:sldLayoutId id="2147483653" r:id="rId5"/>
-    <p:sldLayoutId id="2147483654" r:id="rId6"/>
-    <p:sldLayoutId id="2147483655" r:id="rId7"/>
-    <p:sldLayoutId id="2147483656" r:id="rId8"/>
-    <p:sldLayoutId id="2147483657" r:id="rId9"/>
-    <p:sldLayoutId id="2147483658" r:id="rId10"/>
-    <p:sldLayoutId id="2147483659" r:id="rId11"/>
+    <p:sldLayoutId id="2147483661" r:id="rId1"/>
+    <p:sldLayoutId id="2147483662" r:id="rId2"/>
+    <p:sldLayoutId id="2147483663" r:id="rId3"/>
+    <p:sldLayoutId id="2147483664" r:id="rId4"/>
+    <p:sldLayoutId id="2147483665" r:id="rId5"/>
+    <p:sldLayoutId id="2147483666" r:id="rId6"/>
+    <p:sldLayoutId id="2147483667" r:id="rId7"/>
+    <p:sldLayoutId id="2147483668" r:id="rId8"/>
+    <p:sldLayoutId id="2147483669" r:id="rId9"/>
+    <p:sldLayoutId id="2147483670" r:id="rId10"/>
+    <p:sldLayoutId id="2147483671" r:id="rId11"/>
   </p:sldLayoutIdLst>
   <p:txStyles>
     <p:titleStyle>
@@ -3387,7 +3393,7 @@
     </p:bodyStyle>
     <p:otherStyle>
       <a:defPPr>
-        <a:defRPr lang="ru-RU"/>
+        <a:defRPr lang="en-US"/>
       </a:defPPr>
       <a:lvl1pPr marL="0" algn="l" defTabSz="914400" rtl="0" eaLnBrk="1" latinLnBrk="0" hangingPunct="1">
         <a:defRPr sz="1800" kern="1200">
@@ -3511,19 +3517,69 @@
             <p:ph type="ctrTitle"/>
           </p:nvPr>
         </p:nvSpPr>
-        <p:spPr/>
+        <p:spPr>
+          <a:xfrm>
+            <a:off x="685800" y="671788"/>
+            <a:ext cx="7772400" cy="2387600"/>
+          </a:xfrm>
+        </p:spPr>
         <p:txBody>
           <a:bodyPr>
-            <a:normAutofit fontScale="90000"/>
+            <a:normAutofit/>
           </a:bodyPr>
           <a:lstStyle/>
           <a:p>
             <a:r>
+              <a:rPr lang="ru-RU" sz="4800" dirty="0" smtClean="0">
+                <a:latin typeface="Times New Roman" panose="02020603050405020304" pitchFamily="18" charset="0"/>
+                <a:cs typeface="Times New Roman" panose="02020603050405020304" pitchFamily="18" charset="0"/>
+              </a:rPr>
+              <a:t>Отбор кандидатов в звёзды типа Т Тельца в созвездии Змеи</a:t>
+            </a:r>
+            <a:endParaRPr lang="ru-RU" sz="4800" dirty="0">
+              <a:latin typeface="Times New Roman" panose="02020603050405020304" pitchFamily="18" charset="0"/>
+              <a:cs typeface="Times New Roman" panose="02020603050405020304" pitchFamily="18" charset="0"/>
+            </a:endParaRPr>
+          </a:p>
+        </p:txBody>
+      </p:sp>
+      <p:sp>
+        <p:nvSpPr>
+          <p:cNvPr id="3" name="Подзаголовок 2"/>
+          <p:cNvSpPr>
+            <a:spLocks noGrp="1"/>
+          </p:cNvSpPr>
+          <p:nvPr>
+            <p:ph type="subTitle" idx="1"/>
+          </p:nvPr>
+        </p:nvSpPr>
+        <p:spPr>
+          <a:xfrm>
+            <a:off x="1143000" y="3496022"/>
+            <a:ext cx="6858000" cy="1655762"/>
+          </a:xfrm>
+        </p:spPr>
+        <p:txBody>
+          <a:bodyPr>
+            <a:normAutofit/>
+          </a:bodyPr>
+          <a:lstStyle/>
+          <a:p>
+            <a:r>
               <a:rPr lang="ru-RU" dirty="0" smtClean="0">
                 <a:latin typeface="Times New Roman" panose="02020603050405020304" pitchFamily="18" charset="0"/>
                 <a:cs typeface="Times New Roman" panose="02020603050405020304" pitchFamily="18" charset="0"/>
               </a:rPr>
-              <a:t>Отбор кандидатов в звёзды типа Т Тельца в созвездии Змеи</a:t>
+              <a:t>Тамара Молярова</a:t>
+            </a:r>
+          </a:p>
+          <a:p>
+            <a:r>
+              <a:rPr lang="ru-RU" dirty="0" smtClean="0">
+                <a:latin typeface="Times New Roman" panose="02020603050405020304" pitchFamily="18" charset="0"/>
+                <a:cs typeface="Times New Roman" panose="02020603050405020304" pitchFamily="18" charset="0"/>
+              </a:rPr>
+              <a:t>Научный руководитель: М. Е. Сачков</a:t>
             </a:r>
             <a:endParaRPr lang="ru-RU" dirty="0">
               <a:latin typeface="Times New Roman" panose="02020603050405020304" pitchFamily="18" charset="0"/>
@@ -3534,51 +3590,13 @@
       </p:sp>
       <p:sp>
         <p:nvSpPr>
-          <p:cNvPr id="3" name="Подзаголовок 2"/>
-          <p:cNvSpPr>
-            <a:spLocks noGrp="1"/>
-          </p:cNvSpPr>
-          <p:nvPr>
-            <p:ph type="subTitle" idx="1"/>
-          </p:nvPr>
-        </p:nvSpPr>
-        <p:spPr/>
-        <p:txBody>
-          <a:bodyPr/>
-          <a:lstStyle/>
-          <a:p>
-            <a:r>
-              <a:rPr lang="ru-RU" dirty="0" smtClean="0">
-                <a:latin typeface="Times New Roman" panose="02020603050405020304" pitchFamily="18" charset="0"/>
-                <a:cs typeface="Times New Roman" panose="02020603050405020304" pitchFamily="18" charset="0"/>
-              </a:rPr>
-              <a:t>Тамара Молярова</a:t>
-            </a:r>
-          </a:p>
-          <a:p>
-            <a:r>
-              <a:rPr lang="ru-RU" dirty="0" smtClean="0">
-                <a:latin typeface="Times New Roman" panose="02020603050405020304" pitchFamily="18" charset="0"/>
-                <a:cs typeface="Times New Roman" panose="02020603050405020304" pitchFamily="18" charset="0"/>
-              </a:rPr>
-              <a:t>Научный руководитель: М. Е. Сачков</a:t>
-            </a:r>
-            <a:endParaRPr lang="ru-RU" dirty="0">
-              <a:latin typeface="Times New Roman" panose="02020603050405020304" pitchFamily="18" charset="0"/>
-              <a:cs typeface="Times New Roman" panose="02020603050405020304" pitchFamily="18" charset="0"/>
-            </a:endParaRPr>
-          </a:p>
-        </p:txBody>
-      </p:sp>
-      <p:sp>
-        <p:nvSpPr>
           <p:cNvPr id="4" name="TextBox 3"/>
           <p:cNvSpPr txBox="1"/>
           <p:nvPr/>
         </p:nvSpPr>
         <p:spPr>
           <a:xfrm>
-            <a:off x="5373756" y="5658678"/>
+            <a:off x="3849757" y="5658678"/>
             <a:ext cx="1444487" cy="707886"/>
           </a:xfrm>
           <a:prstGeom prst="rect">
@@ -3594,7 +3612,7 @@
           <a:p>
             <a:pPr algn="ctr"/>
             <a:r>
-              <a:rPr lang="ru-RU" sz="2000" dirty="0" smtClean="0">
+              <a:rPr lang="ru-RU" sz="2000" dirty="0">
                 <a:latin typeface="Times New Roman" panose="02020603050405020304" pitchFamily="18" charset="0"/>
                 <a:cs typeface="Times New Roman" panose="02020603050405020304" pitchFamily="18" charset="0"/>
               </a:rPr>
@@ -3604,7 +3622,7 @@
           <a:p>
             <a:pPr algn="ctr"/>
             <a:r>
-              <a:rPr lang="ru-RU" sz="2000" dirty="0" smtClean="0">
+              <a:rPr lang="ru-RU" sz="2000" dirty="0">
                 <a:latin typeface="Times New Roman" panose="02020603050405020304" pitchFamily="18" charset="0"/>
                 <a:cs typeface="Times New Roman" panose="02020603050405020304" pitchFamily="18" charset="0"/>
               </a:rPr>
@@ -3650,50 +3668,18 @@
           <a:chExt cx="0" cy="0"/>
         </a:xfrm>
       </p:grpSpPr>
-      <p:sp>
-        <p:nvSpPr>
-          <p:cNvPr id="4" name="Заголовок 1"/>
-          <p:cNvSpPr>
-            <a:spLocks noGrp="1"/>
-          </p:cNvSpPr>
-          <p:nvPr>
-            <p:ph type="title"/>
-          </p:nvPr>
-        </p:nvSpPr>
-        <p:spPr>
-          <a:xfrm>
-            <a:off x="1225110" y="113333"/>
-            <a:ext cx="8398565" cy="1325563"/>
-          </a:xfrm>
-        </p:spPr>
-        <p:txBody>
-          <a:bodyPr/>
-          <a:lstStyle/>
-          <a:p>
-            <a:r>
-              <a:rPr lang="en-US" dirty="0" smtClean="0">
-                <a:latin typeface="Times New Roman" panose="02020603050405020304" pitchFamily="18" charset="0"/>
-                <a:cs typeface="Times New Roman" panose="02020603050405020304" pitchFamily="18" charset="0"/>
-              </a:rPr>
-              <a:t>SED</a:t>
-            </a:r>
-            <a:endParaRPr lang="ru-RU" dirty="0">
-              <a:latin typeface="Times New Roman" panose="02020603050405020304" pitchFamily="18" charset="0"/>
-              <a:cs typeface="Times New Roman" panose="02020603050405020304" pitchFamily="18" charset="0"/>
-            </a:endParaRPr>
-          </a:p>
-        </p:txBody>
-      </p:sp>
       <p:pic>
         <p:nvPicPr>
-          <p:cNvPr id="5" name="Рисунок 4"/>
+          <p:cNvPr id="5" name="Объект 4"/>
           <p:cNvPicPr>
-            <a:picLocks noChangeAspect="1"/>
+            <a:picLocks noGrp="1" noChangeAspect="1"/>
           </p:cNvPicPr>
-          <p:nvPr/>
+          <p:nvPr>
+            <p:ph idx="1"/>
+          </p:nvPr>
         </p:nvPicPr>
         <p:blipFill>
-          <a:blip r:embed="rId2">
+          <a:blip r:embed="rId3" cstate="print">
             <a:extLst>
               <a:ext uri="{28A0092B-C50C-407E-A947-70E740481C1C}">
                 <a14:useLocalDpi xmlns:a14="http://schemas.microsoft.com/office/drawing/2010/main" val="0"/>
@@ -3706,108 +3692,253 @@
         </p:blipFill>
         <p:spPr>
           <a:xfrm>
-            <a:off x="5964053" y="3823291"/>
-            <a:ext cx="5028946" cy="3034709"/>
+            <a:off x="3978539" y="1438897"/>
+            <a:ext cx="5165459" cy="4351338"/>
+          </a:xfrm>
+        </p:spPr>
+      </p:pic>
+      <p:sp>
+        <p:nvSpPr>
+          <p:cNvPr id="6" name="TextBox 5"/>
+          <p:cNvSpPr txBox="1"/>
+          <p:nvPr/>
+        </p:nvSpPr>
+        <p:spPr>
+          <a:xfrm>
+            <a:off x="1111533" y="2096916"/>
+            <a:ext cx="3723857" cy="2462213"/>
+          </a:xfrm>
+          <a:prstGeom prst="rect">
+            <a:avLst/>
+          </a:prstGeom>
+          <a:noFill/>
+        </p:spPr>
+        <p:txBody>
+          <a:bodyPr wrap="square" rtlCol="0">
+            <a:spAutoFit/>
+          </a:bodyPr>
+          <a:lstStyle/>
+          <a:p>
+            <a:r>
+              <a:rPr lang="ru-RU" sz="2200" dirty="0" smtClean="0">
+                <a:latin typeface="Times New Roman" panose="02020603050405020304" pitchFamily="18" charset="0"/>
+                <a:cs typeface="Times New Roman" panose="02020603050405020304" pitchFamily="18" charset="0"/>
+              </a:rPr>
+              <a:t>Из </a:t>
+            </a:r>
+            <a:r>
+              <a:rPr lang="en-US" sz="2200" dirty="0" smtClean="0">
+                <a:latin typeface="Times New Roman" panose="02020603050405020304" pitchFamily="18" charset="0"/>
+                <a:cs typeface="Times New Roman" panose="02020603050405020304" pitchFamily="18" charset="0"/>
+              </a:rPr>
+              <a:t>206 </a:t>
+            </a:r>
+            <a:r>
+              <a:rPr lang="ru-RU" sz="2200" dirty="0">
+                <a:latin typeface="Times New Roman" panose="02020603050405020304" pitchFamily="18" charset="0"/>
+                <a:cs typeface="Times New Roman" panose="02020603050405020304" pitchFamily="18" charset="0"/>
+              </a:rPr>
+              <a:t>кандидатов в итоговом </a:t>
+            </a:r>
+            <a:r>
+              <a:rPr lang="ru-RU" sz="2200" dirty="0" smtClean="0">
+                <a:latin typeface="Times New Roman" panose="02020603050405020304" pitchFamily="18" charset="0"/>
+                <a:cs typeface="Times New Roman" panose="02020603050405020304" pitchFamily="18" charset="0"/>
+              </a:rPr>
+              <a:t>списке</a:t>
+            </a:r>
+            <a:endParaRPr lang="ru-RU" sz="2200" dirty="0">
+              <a:latin typeface="Times New Roman" panose="02020603050405020304" pitchFamily="18" charset="0"/>
+              <a:cs typeface="Times New Roman" panose="02020603050405020304" pitchFamily="18" charset="0"/>
+            </a:endParaRPr>
+          </a:p>
+          <a:p>
+            <a:pPr marL="285750" indent="-285750">
+              <a:lnSpc>
+                <a:spcPct val="150000"/>
+              </a:lnSpc>
+              <a:buFont typeface="Arial" panose="020B0604020202020204" pitchFamily="34" charset="0"/>
+              <a:buChar char="•"/>
+            </a:pPr>
+            <a:r>
+              <a:rPr lang="ru-RU" sz="2200" dirty="0">
+                <a:latin typeface="Times New Roman" panose="02020603050405020304" pitchFamily="18" charset="0"/>
+                <a:cs typeface="Times New Roman" panose="02020603050405020304" pitchFamily="18" charset="0"/>
+              </a:rPr>
+              <a:t>80 </a:t>
+            </a:r>
+            <a:r>
+              <a:rPr lang="en-US" sz="2200" dirty="0">
+                <a:latin typeface="Times New Roman" panose="02020603050405020304" pitchFamily="18" charset="0"/>
+                <a:cs typeface="Times New Roman" panose="02020603050405020304" pitchFamily="18" charset="0"/>
+              </a:rPr>
+              <a:t>WTTS</a:t>
+            </a:r>
+          </a:p>
+          <a:p>
+            <a:pPr marL="285750" indent="-285750">
+              <a:lnSpc>
+                <a:spcPct val="150000"/>
+              </a:lnSpc>
+              <a:buFont typeface="Arial" panose="020B0604020202020204" pitchFamily="34" charset="0"/>
+              <a:buChar char="•"/>
+            </a:pPr>
+            <a:r>
+              <a:rPr lang="en-US" sz="2200" dirty="0">
+                <a:latin typeface="Times New Roman" panose="02020603050405020304" pitchFamily="18" charset="0"/>
+                <a:cs typeface="Times New Roman" panose="02020603050405020304" pitchFamily="18" charset="0"/>
+              </a:rPr>
+              <a:t>57 CTTS</a:t>
+            </a:r>
+          </a:p>
+          <a:p>
+            <a:pPr marL="285750" indent="-285750">
+              <a:buFont typeface="Arial" panose="020B0604020202020204" pitchFamily="34" charset="0"/>
+              <a:buChar char="•"/>
+            </a:pPr>
+            <a:r>
+              <a:rPr lang="en-US" sz="2200" dirty="0">
+                <a:latin typeface="Times New Roman" panose="02020603050405020304" pitchFamily="18" charset="0"/>
+                <a:cs typeface="Times New Roman" panose="02020603050405020304" pitchFamily="18" charset="0"/>
+              </a:rPr>
+              <a:t>60 </a:t>
+            </a:r>
+            <a:r>
+              <a:rPr lang="ru-RU" sz="2200" dirty="0">
+                <a:latin typeface="Times New Roman" panose="02020603050405020304" pitchFamily="18" charset="0"/>
+                <a:cs typeface="Times New Roman" panose="02020603050405020304" pitchFamily="18" charset="0"/>
+              </a:rPr>
+              <a:t>не имеют </a:t>
+            </a:r>
+            <a:r>
+              <a:rPr lang="en-US" sz="2200" dirty="0">
+                <a:latin typeface="Times New Roman" panose="02020603050405020304" pitchFamily="18" charset="0"/>
+                <a:cs typeface="Times New Roman" panose="02020603050405020304" pitchFamily="18" charset="0"/>
+              </a:rPr>
+              <a:t>FUV </a:t>
+            </a:r>
+            <a:r>
+              <a:rPr lang="ru-RU" sz="2200" dirty="0">
+                <a:latin typeface="Times New Roman" panose="02020603050405020304" pitchFamily="18" charset="0"/>
+                <a:cs typeface="Times New Roman" panose="02020603050405020304" pitchFamily="18" charset="0"/>
+              </a:rPr>
+              <a:t>измерений</a:t>
+            </a:r>
+            <a:endParaRPr lang="ru-RU" sz="2200" dirty="0">
+              <a:latin typeface="Times New Roman" panose="02020603050405020304" pitchFamily="18" charset="0"/>
+              <a:cs typeface="Times New Roman" panose="02020603050405020304" pitchFamily="18" charset="0"/>
+            </a:endParaRPr>
+          </a:p>
+        </p:txBody>
+      </p:sp>
+      <p:sp>
+        <p:nvSpPr>
+          <p:cNvPr id="7" name="TextBox 6"/>
+          <p:cNvSpPr txBox="1"/>
+          <p:nvPr/>
+        </p:nvSpPr>
+        <p:spPr>
+          <a:xfrm>
+            <a:off x="4838485" y="5790234"/>
+            <a:ext cx="3445565" cy="646331"/>
+          </a:xfrm>
+          <a:prstGeom prst="rect">
+            <a:avLst/>
+          </a:prstGeom>
+          <a:noFill/>
+        </p:spPr>
+        <p:txBody>
+          <a:bodyPr wrap="square" rtlCol="0">
+            <a:spAutoFit/>
+          </a:bodyPr>
+          <a:lstStyle/>
+          <a:p>
+            <a:pPr algn="ctr"/>
+            <a:r>
+              <a:rPr lang="ru-RU" dirty="0"/>
+              <a:t>Синими штриховыми линиями отмечено положение </a:t>
+            </a:r>
+            <a:r>
+              <a:rPr lang="en-US" dirty="0"/>
+              <a:t>WTTS</a:t>
+            </a:r>
+            <a:endParaRPr lang="ru-RU" dirty="0"/>
+          </a:p>
+        </p:txBody>
+      </p:sp>
+      <p:sp>
+        <p:nvSpPr>
+          <p:cNvPr id="11" name="Заголовок 1"/>
+          <p:cNvSpPr txBox="1">
+            <a:spLocks/>
+          </p:cNvSpPr>
+          <p:nvPr/>
+        </p:nvSpPr>
+        <p:spPr>
+          <a:xfrm>
+            <a:off x="636108" y="113334"/>
+            <a:ext cx="8398565" cy="1325563"/>
           </a:xfrm>
           <a:prstGeom prst="rect">
             <a:avLst/>
           </a:prstGeom>
         </p:spPr>
-      </p:pic>
-      <p:pic>
-        <p:nvPicPr>
-          <p:cNvPr id="7" name="Рисунок 6"/>
-          <p:cNvPicPr>
-            <a:picLocks noChangeAspect="1"/>
-          </p:cNvPicPr>
-          <p:nvPr/>
-        </p:nvPicPr>
-        <p:blipFill>
-          <a:blip r:embed="rId3">
-            <a:extLst>
-              <a:ext uri="{28A0092B-C50C-407E-A947-70E740481C1C}">
-                <a14:useLocalDpi xmlns:a14="http://schemas.microsoft.com/office/drawing/2010/main" val="0"/>
-              </a:ext>
-            </a:extLst>
-          </a:blip>
-          <a:stretch>
-            <a:fillRect/>
-          </a:stretch>
-        </p:blipFill>
-        <p:spPr>
-          <a:xfrm>
-            <a:off x="5964053" y="983015"/>
-            <a:ext cx="5028946" cy="3034709"/>
-          </a:xfrm>
-          <a:prstGeom prst="rect">
-            <a:avLst/>
-          </a:prstGeom>
-        </p:spPr>
-      </p:pic>
-      <p:pic>
-        <p:nvPicPr>
-          <p:cNvPr id="8" name="Рисунок 7"/>
-          <p:cNvPicPr>
-            <a:picLocks noChangeAspect="1"/>
-          </p:cNvPicPr>
-          <p:nvPr/>
-        </p:nvPicPr>
-        <p:blipFill>
-          <a:blip r:embed="rId4">
-            <a:extLst>
-              <a:ext uri="{28A0092B-C50C-407E-A947-70E740481C1C}">
-                <a14:useLocalDpi xmlns:a14="http://schemas.microsoft.com/office/drawing/2010/main" val="0"/>
-              </a:ext>
-            </a:extLst>
-          </a:blip>
-          <a:stretch>
-            <a:fillRect/>
-          </a:stretch>
-        </p:blipFill>
-        <p:spPr>
-          <a:xfrm>
-            <a:off x="1225110" y="983015"/>
-            <a:ext cx="5028946" cy="3034709"/>
-          </a:xfrm>
-          <a:prstGeom prst="rect">
-            <a:avLst/>
-          </a:prstGeom>
-        </p:spPr>
-      </p:pic>
-      <p:pic>
-        <p:nvPicPr>
-          <p:cNvPr id="6" name="Рисунок 5"/>
-          <p:cNvPicPr>
-            <a:picLocks noChangeAspect="1"/>
-          </p:cNvPicPr>
-          <p:nvPr/>
-        </p:nvPicPr>
-        <p:blipFill>
-          <a:blip r:embed="rId5">
-            <a:extLst>
-              <a:ext uri="{28A0092B-C50C-407E-A947-70E740481C1C}">
-                <a14:useLocalDpi xmlns:a14="http://schemas.microsoft.com/office/drawing/2010/main" val="0"/>
-              </a:ext>
-            </a:extLst>
-          </a:blip>
-          <a:stretch>
-            <a:fillRect/>
-          </a:stretch>
-        </p:blipFill>
-        <p:spPr>
-          <a:xfrm>
-            <a:off x="1225110" y="3823291"/>
-            <a:ext cx="5028946" cy="3034709"/>
-          </a:xfrm>
-          <a:prstGeom prst="rect">
-            <a:avLst/>
-          </a:prstGeom>
-        </p:spPr>
-      </p:pic>
+        <p:txBody>
+          <a:bodyPr vert="horz" lIns="91440" tIns="45720" rIns="91440" bIns="45720" rtlCol="0" anchor="ctr">
+            <a:normAutofit/>
+          </a:bodyPr>
+          <a:lstStyle>
+            <a:lvl1pPr algn="l" defTabSz="914400" rtl="0" eaLnBrk="1" latinLnBrk="0" hangingPunct="1">
+              <a:lnSpc>
+                <a:spcPct val="90000"/>
+              </a:lnSpc>
+              <a:spcBef>
+                <a:spcPct val="0"/>
+              </a:spcBef>
+              <a:buNone/>
+              <a:defRPr sz="4400" kern="1200">
+                <a:solidFill>
+                  <a:schemeClr val="tx1"/>
+                </a:solidFill>
+                <a:latin typeface="+mj-lt"/>
+                <a:ea typeface="+mj-ea"/>
+                <a:cs typeface="+mj-cs"/>
+              </a:defRPr>
+            </a:lvl1pPr>
+          </a:lstStyle>
+          <a:p>
+            <a:r>
+              <a:rPr lang="en-US" dirty="0">
+                <a:latin typeface="Times New Roman" panose="02020603050405020304" pitchFamily="18" charset="0"/>
+                <a:cs typeface="Times New Roman" panose="02020603050405020304" pitchFamily="18" charset="0"/>
+              </a:rPr>
+              <a:t>WTTS </a:t>
+            </a:r>
+            <a:r>
+              <a:rPr lang="ru-RU" dirty="0">
+                <a:latin typeface="Times New Roman" panose="02020603050405020304" pitchFamily="18" charset="0"/>
+                <a:cs typeface="Times New Roman" panose="02020603050405020304" pitchFamily="18" charset="0"/>
+              </a:rPr>
+              <a:t>и</a:t>
+            </a:r>
+            <a:r>
+              <a:rPr lang="en-US" dirty="0">
+                <a:latin typeface="Times New Roman" panose="02020603050405020304" pitchFamily="18" charset="0"/>
+                <a:cs typeface="Times New Roman" panose="02020603050405020304" pitchFamily="18" charset="0"/>
+              </a:rPr>
+              <a:t> CTTS</a:t>
+            </a:r>
+            <a:endParaRPr lang="ru-RU" b="1" dirty="0">
+              <a:latin typeface="Times New Roman" panose="02020603050405020304" pitchFamily="18" charset="0"/>
+              <a:cs typeface="Times New Roman" panose="02020603050405020304" pitchFamily="18" charset="0"/>
+            </a:endParaRPr>
+          </a:p>
+        </p:txBody>
+      </p:sp>
     </p:spTree>
     <p:extLst>
       <p:ext uri="{BB962C8B-B14F-4D97-AF65-F5344CB8AC3E}">
-        <p14:creationId xmlns:p14="http://schemas.microsoft.com/office/powerpoint/2010/main" val="389787418"/>
+        <p14:creationId xmlns:p14="http://schemas.microsoft.com/office/powerpoint/2010/main" val="644635051"/>
       </p:ext>
     </p:extLst>
   </p:cSld>
@@ -3843,278 +3974,6 @@
       </p:grpSpPr>
       <p:pic>
         <p:nvPicPr>
-          <p:cNvPr id="5" name="Объект 4"/>
-          <p:cNvPicPr>
-            <a:picLocks noGrp="1" noChangeAspect="1"/>
-          </p:cNvPicPr>
-          <p:nvPr>
-            <p:ph idx="1"/>
-          </p:nvPr>
-        </p:nvPicPr>
-        <p:blipFill>
-          <a:blip r:embed="rId3" cstate="print">
-            <a:extLst>
-              <a:ext uri="{28A0092B-C50C-407E-A947-70E740481C1C}">
-                <a14:useLocalDpi xmlns:a14="http://schemas.microsoft.com/office/drawing/2010/main" val="0"/>
-              </a:ext>
-            </a:extLst>
-          </a:blip>
-          <a:stretch>
-            <a:fillRect/>
-          </a:stretch>
-        </p:blipFill>
-        <p:spPr>
-          <a:xfrm>
-            <a:off x="6640783" y="1438896"/>
-            <a:ext cx="5165459" cy="4351338"/>
-          </a:xfrm>
-        </p:spPr>
-      </p:pic>
-      <p:sp>
-        <p:nvSpPr>
-          <p:cNvPr id="4" name="Заголовок 1"/>
-          <p:cNvSpPr>
-            <a:spLocks noGrp="1"/>
-          </p:cNvSpPr>
-          <p:nvPr>
-            <p:ph type="title"/>
-          </p:nvPr>
-        </p:nvSpPr>
-        <p:spPr>
-          <a:xfrm>
-            <a:off x="1225110" y="113333"/>
-            <a:ext cx="8398565" cy="1325563"/>
-          </a:xfrm>
-        </p:spPr>
-        <p:txBody>
-          <a:bodyPr/>
-          <a:lstStyle/>
-          <a:p>
-            <a:r>
-              <a:rPr lang="en-US" dirty="0" smtClean="0">
-                <a:latin typeface="Times New Roman" panose="02020603050405020304" pitchFamily="18" charset="0"/>
-                <a:cs typeface="Times New Roman" panose="02020603050405020304" pitchFamily="18" charset="0"/>
-              </a:rPr>
-              <a:t>WTTS </a:t>
-            </a:r>
-            <a:r>
-              <a:rPr lang="ru-RU" dirty="0" smtClean="0">
-                <a:latin typeface="Times New Roman" panose="02020603050405020304" pitchFamily="18" charset="0"/>
-                <a:cs typeface="Times New Roman" panose="02020603050405020304" pitchFamily="18" charset="0"/>
-              </a:rPr>
-              <a:t>и</a:t>
-            </a:r>
-            <a:r>
-              <a:rPr lang="en-US" dirty="0" smtClean="0">
-                <a:latin typeface="Times New Roman" panose="02020603050405020304" pitchFamily="18" charset="0"/>
-                <a:cs typeface="Times New Roman" panose="02020603050405020304" pitchFamily="18" charset="0"/>
-              </a:rPr>
-              <a:t> CTTS</a:t>
-            </a:r>
-            <a:endParaRPr lang="ru-RU" dirty="0">
-              <a:latin typeface="Times New Roman" panose="02020603050405020304" pitchFamily="18" charset="0"/>
-              <a:cs typeface="Times New Roman" panose="02020603050405020304" pitchFamily="18" charset="0"/>
-            </a:endParaRPr>
-          </a:p>
-        </p:txBody>
-      </p:sp>
-      <p:sp>
-        <p:nvSpPr>
-          <p:cNvPr id="6" name="TextBox 5"/>
-          <p:cNvSpPr txBox="1"/>
-          <p:nvPr/>
-        </p:nvSpPr>
-        <p:spPr>
-          <a:xfrm>
-            <a:off x="1225110" y="2168015"/>
-            <a:ext cx="5415673" cy="2893100"/>
-          </a:xfrm>
-          <a:prstGeom prst="rect">
-            <a:avLst/>
-          </a:prstGeom>
-          <a:noFill/>
-        </p:spPr>
-        <p:txBody>
-          <a:bodyPr wrap="square" rtlCol="0">
-            <a:spAutoFit/>
-          </a:bodyPr>
-          <a:lstStyle/>
-          <a:p>
-            <a:pPr marL="285750" indent="-285750">
-              <a:buFont typeface="Arial" panose="020B0604020202020204" pitchFamily="34" charset="0"/>
-              <a:buChar char="•"/>
-            </a:pPr>
-            <a:r>
-              <a:rPr lang="en-US" sz="2800" dirty="0" smtClean="0">
-                <a:latin typeface="Times New Roman" panose="02020603050405020304" pitchFamily="18" charset="0"/>
-                <a:cs typeface="Times New Roman" panose="02020603050405020304" pitchFamily="18" charset="0"/>
-              </a:rPr>
-              <a:t>206 </a:t>
-            </a:r>
-            <a:r>
-              <a:rPr lang="ru-RU" sz="2800" dirty="0" smtClean="0">
-                <a:latin typeface="Times New Roman" panose="02020603050405020304" pitchFamily="18" charset="0"/>
-                <a:cs typeface="Times New Roman" panose="02020603050405020304" pitchFamily="18" charset="0"/>
-              </a:rPr>
-              <a:t>кандидатов в итоговом списке</a:t>
-            </a:r>
-          </a:p>
-          <a:p>
-            <a:pPr marL="285750" indent="-285750">
-              <a:lnSpc>
-                <a:spcPct val="150000"/>
-              </a:lnSpc>
-              <a:buFont typeface="Arial" panose="020B0604020202020204" pitchFamily="34" charset="0"/>
-              <a:buChar char="•"/>
-            </a:pPr>
-            <a:r>
-              <a:rPr lang="ru-RU" sz="2800" dirty="0" smtClean="0">
-                <a:latin typeface="Times New Roman" panose="02020603050405020304" pitchFamily="18" charset="0"/>
-                <a:cs typeface="Times New Roman" panose="02020603050405020304" pitchFamily="18" charset="0"/>
-              </a:rPr>
-              <a:t>80 </a:t>
-            </a:r>
-            <a:r>
-              <a:rPr lang="en-US" sz="2800" dirty="0" smtClean="0">
-                <a:latin typeface="Times New Roman" panose="02020603050405020304" pitchFamily="18" charset="0"/>
-                <a:cs typeface="Times New Roman" panose="02020603050405020304" pitchFamily="18" charset="0"/>
-              </a:rPr>
-              <a:t>WTTS</a:t>
-            </a:r>
-          </a:p>
-          <a:p>
-            <a:pPr marL="285750" indent="-285750">
-              <a:lnSpc>
-                <a:spcPct val="150000"/>
-              </a:lnSpc>
-              <a:buFont typeface="Arial" panose="020B0604020202020204" pitchFamily="34" charset="0"/>
-              <a:buChar char="•"/>
-            </a:pPr>
-            <a:r>
-              <a:rPr lang="en-US" sz="2800" dirty="0" smtClean="0">
-                <a:latin typeface="Times New Roman" panose="02020603050405020304" pitchFamily="18" charset="0"/>
-                <a:cs typeface="Times New Roman" panose="02020603050405020304" pitchFamily="18" charset="0"/>
-              </a:rPr>
-              <a:t>57 CTTS</a:t>
-            </a:r>
-          </a:p>
-          <a:p>
-            <a:pPr marL="285750" indent="-285750">
-              <a:lnSpc>
-                <a:spcPct val="150000"/>
-              </a:lnSpc>
-              <a:buFont typeface="Arial" panose="020B0604020202020204" pitchFamily="34" charset="0"/>
-              <a:buChar char="•"/>
-            </a:pPr>
-            <a:r>
-              <a:rPr lang="en-US" sz="2800" dirty="0" smtClean="0">
-                <a:latin typeface="Times New Roman" panose="02020603050405020304" pitchFamily="18" charset="0"/>
-                <a:cs typeface="Times New Roman" panose="02020603050405020304" pitchFamily="18" charset="0"/>
-              </a:rPr>
-              <a:t>60 </a:t>
-            </a:r>
-            <a:r>
-              <a:rPr lang="ru-RU" sz="2800" dirty="0" smtClean="0">
-                <a:latin typeface="Times New Roman" panose="02020603050405020304" pitchFamily="18" charset="0"/>
-                <a:cs typeface="Times New Roman" panose="02020603050405020304" pitchFamily="18" charset="0"/>
-              </a:rPr>
-              <a:t>не имеют </a:t>
-            </a:r>
-            <a:r>
-              <a:rPr lang="en-US" sz="2800" dirty="0" smtClean="0">
-                <a:latin typeface="Times New Roman" panose="02020603050405020304" pitchFamily="18" charset="0"/>
-                <a:cs typeface="Times New Roman" panose="02020603050405020304" pitchFamily="18" charset="0"/>
-              </a:rPr>
-              <a:t>FUV </a:t>
-            </a:r>
-            <a:r>
-              <a:rPr lang="ru-RU" sz="2800" dirty="0" smtClean="0">
-                <a:latin typeface="Times New Roman" panose="02020603050405020304" pitchFamily="18" charset="0"/>
-                <a:cs typeface="Times New Roman" panose="02020603050405020304" pitchFamily="18" charset="0"/>
-              </a:rPr>
-              <a:t>измерений</a:t>
-            </a:r>
-            <a:endParaRPr lang="ru-RU" sz="2800" dirty="0">
-              <a:latin typeface="Times New Roman" panose="02020603050405020304" pitchFamily="18" charset="0"/>
-              <a:cs typeface="Times New Roman" panose="02020603050405020304" pitchFamily="18" charset="0"/>
-            </a:endParaRPr>
-          </a:p>
-        </p:txBody>
-      </p:sp>
-      <p:sp>
-        <p:nvSpPr>
-          <p:cNvPr id="7" name="TextBox 6"/>
-          <p:cNvSpPr txBox="1"/>
-          <p:nvPr/>
-        </p:nvSpPr>
-        <p:spPr>
-          <a:xfrm>
-            <a:off x="7500729" y="5790234"/>
-            <a:ext cx="3445565" cy="646331"/>
-          </a:xfrm>
-          <a:prstGeom prst="rect">
-            <a:avLst/>
-          </a:prstGeom>
-          <a:noFill/>
-        </p:spPr>
-        <p:txBody>
-          <a:bodyPr wrap="square" rtlCol="0">
-            <a:spAutoFit/>
-          </a:bodyPr>
-          <a:lstStyle/>
-          <a:p>
-            <a:pPr algn="ctr"/>
-            <a:r>
-              <a:rPr lang="ru-RU" dirty="0" smtClean="0"/>
-              <a:t>Синими штриховыми линиями отмечено положение </a:t>
-            </a:r>
-            <a:r>
-              <a:rPr lang="en-US" dirty="0" smtClean="0"/>
-              <a:t>WTTS</a:t>
-            </a:r>
-            <a:endParaRPr lang="ru-RU" dirty="0"/>
-          </a:p>
-        </p:txBody>
-      </p:sp>
-    </p:spTree>
-    <p:extLst>
-      <p:ext uri="{BB962C8B-B14F-4D97-AF65-F5344CB8AC3E}">
-        <p14:creationId xmlns:p14="http://schemas.microsoft.com/office/powerpoint/2010/main" val="644635051"/>
-      </p:ext>
-    </p:extLst>
-  </p:cSld>
-  <p:clrMapOvr>
-    <a:masterClrMapping/>
-  </p:clrMapOvr>
-  <p:timing>
-    <p:tnLst>
-      <p:par>
-        <p:cTn id="1" dur="indefinite" restart="never" nodeType="tmRoot"/>
-      </p:par>
-    </p:tnLst>
-  </p:timing>
-</p:sld>
-</file>
-
-<file path=ppt/slides/slide12.xml><?xml version="1.0" encoding="utf-8"?>
-<p:sld xmlns:a="http://schemas.openxmlformats.org/drawingml/2006/main" xmlns:r="http://schemas.openxmlformats.org/officeDocument/2006/relationships" xmlns:p="http://schemas.openxmlformats.org/presentationml/2006/main">
-  <p:cSld>
-    <p:spTree>
-      <p:nvGrpSpPr>
-        <p:cNvPr id="1" name=""/>
-        <p:cNvGrpSpPr/>
-        <p:nvPr/>
-      </p:nvGrpSpPr>
-      <p:grpSpPr>
-        <a:xfrm>
-          <a:off x="0" y="0"/>
-          <a:ext cx="0" cy="0"/>
-          <a:chOff x="0" y="0"/>
-          <a:chExt cx="0" cy="0"/>
-        </a:xfrm>
-      </p:grpSpPr>
-      <p:pic>
-        <p:nvPicPr>
           <p:cNvPr id="4" name="Объект 3"/>
           <p:cNvPicPr>
             <a:picLocks noGrp="1" noChangeAspect="1"/>
@@ -4137,8 +3996,8 @@
         </p:blipFill>
         <p:spPr>
           <a:xfrm>
-            <a:off x="0" y="-1227565"/>
-            <a:ext cx="12714700" cy="8185088"/>
+            <a:off x="-1179445" y="-102290"/>
+            <a:ext cx="10812101" cy="6960290"/>
           </a:xfrm>
         </p:spPr>
       </p:pic>
@@ -4150,8 +4009,8 @@
         </p:nvSpPr>
         <p:spPr>
           <a:xfrm>
-            <a:off x="5247862" y="5348971"/>
-            <a:ext cx="6944138" cy="923330"/>
+            <a:off x="3127515" y="4832136"/>
+            <a:ext cx="6944138" cy="769441"/>
           </a:xfrm>
           <a:prstGeom prst="rect">
             <a:avLst/>
@@ -4165,7 +4024,7 @@
           <a:lstStyle/>
           <a:p>
             <a:r>
-              <a:rPr lang="ru-RU" sz="5400" dirty="0" smtClean="0">
+              <a:rPr lang="ru-RU" sz="4400" dirty="0">
                 <a:ln w="0"/>
                 <a:solidFill>
                   <a:schemeClr val="accent1"/>
@@ -4186,7 +4045,7 @@
               </a:rPr>
               <a:t>Спасибо за внимание</a:t>
             </a:r>
-            <a:endParaRPr lang="ru-RU" sz="5400" dirty="0">
+            <a:endParaRPr lang="ru-RU" sz="4400" dirty="0">
               <a:ln w="0"/>
               <a:solidFill>
                 <a:schemeClr val="accent1"/>
@@ -4247,136 +4106,140 @@
       </p:grpSpPr>
       <p:sp>
         <p:nvSpPr>
-          <p:cNvPr id="2" name="Заголовок 1"/>
-          <p:cNvSpPr>
-            <a:spLocks noGrp="1"/>
-          </p:cNvSpPr>
-          <p:nvPr>
-            <p:ph type="title"/>
+          <p:cNvPr id="3" name="Объект 2"/>
+          <p:cNvSpPr>
+            <a:spLocks noGrp="1"/>
+          </p:cNvSpPr>
+          <p:nvPr>
+            <p:ph idx="1"/>
           </p:nvPr>
         </p:nvSpPr>
         <p:spPr>
           <a:xfrm>
-            <a:off x="1219204" y="113334"/>
-            <a:ext cx="8398565" cy="1325563"/>
+            <a:off x="628650" y="1825625"/>
+            <a:ext cx="7812985" cy="4351338"/>
           </a:xfrm>
         </p:spPr>
         <p:txBody>
-          <a:bodyPr/>
+          <a:bodyPr>
+            <a:normAutofit/>
+          </a:bodyPr>
           <a:lstStyle/>
           <a:p>
             <a:r>
-              <a:rPr lang="ru-RU" dirty="0" smtClean="0">
-                <a:latin typeface="Times New Roman" panose="02020603050405020304" pitchFamily="18" charset="0"/>
-                <a:cs typeface="Times New Roman" panose="02020603050405020304" pitchFamily="18" charset="0"/>
-              </a:rPr>
-              <a:t>Изучаемая область</a:t>
-            </a:r>
-            <a:endParaRPr lang="ru-RU" dirty="0">
+              <a:rPr lang="en-US" sz="2200" dirty="0" smtClean="0">
+                <a:latin typeface="Times New Roman" panose="02020603050405020304" pitchFamily="18" charset="0"/>
+                <a:cs typeface="Times New Roman" panose="02020603050405020304" pitchFamily="18" charset="0"/>
+              </a:rPr>
+              <a:t>T </a:t>
+            </a:r>
+            <a:r>
+              <a:rPr lang="en-US" sz="2200" dirty="0" err="1" smtClean="0">
+                <a:latin typeface="Times New Roman" panose="02020603050405020304" pitchFamily="18" charset="0"/>
+                <a:cs typeface="Times New Roman" panose="02020603050405020304" pitchFamily="18" charset="0"/>
+              </a:rPr>
+              <a:t>Tauri</a:t>
+            </a:r>
+            <a:r>
+              <a:rPr lang="en-US" sz="2200" dirty="0" smtClean="0">
+                <a:latin typeface="Times New Roman" panose="02020603050405020304" pitchFamily="18" charset="0"/>
+                <a:cs typeface="Times New Roman" panose="02020603050405020304" pitchFamily="18" charset="0"/>
+              </a:rPr>
+              <a:t> </a:t>
+            </a:r>
+            <a:r>
+              <a:rPr lang="ru-RU" sz="2200" dirty="0" smtClean="0">
+                <a:latin typeface="Times New Roman" panose="02020603050405020304" pitchFamily="18" charset="0"/>
+                <a:cs typeface="Times New Roman" panose="02020603050405020304" pitchFamily="18" charset="0"/>
+              </a:rPr>
+              <a:t>звёзды являются интересными объектами для изучения звёздной эволюции как предшественники звёзд главной последовательности;</a:t>
+            </a:r>
+          </a:p>
+          <a:p>
+            <a:r>
+              <a:rPr lang="ru-RU" sz="2200" dirty="0" smtClean="0">
+                <a:latin typeface="Times New Roman" panose="02020603050405020304" pitchFamily="18" charset="0"/>
+                <a:cs typeface="Times New Roman" panose="02020603050405020304" pitchFamily="18" charset="0"/>
+              </a:rPr>
+              <a:t>В рассматриваемой области неба поиск кандидатов ещё не проводился;</a:t>
+            </a:r>
+          </a:p>
+          <a:p>
+            <a:r>
+              <a:rPr lang="ru-RU" sz="2200" dirty="0" smtClean="0">
+                <a:latin typeface="Times New Roman" panose="02020603050405020304" pitchFamily="18" charset="0"/>
+                <a:cs typeface="Times New Roman" panose="02020603050405020304" pitchFamily="18" charset="0"/>
+              </a:rPr>
+              <a:t>Найденные кандидаты могут стать объектами наблюдения космического телескопа Спектр-УФ.</a:t>
+            </a:r>
+            <a:endParaRPr lang="ru-RU" sz="2200" dirty="0">
               <a:latin typeface="Times New Roman" panose="02020603050405020304" pitchFamily="18" charset="0"/>
               <a:cs typeface="Times New Roman" panose="02020603050405020304" pitchFamily="18" charset="0"/>
             </a:endParaRPr>
           </a:p>
         </p:txBody>
       </p:sp>
-      <p:pic>
-        <p:nvPicPr>
-          <p:cNvPr id="4" name="Объект 3"/>
-          <p:cNvPicPr>
-            <a:picLocks noGrp="1" noChangeAspect="1"/>
-          </p:cNvPicPr>
-          <p:nvPr>
-            <p:ph idx="1"/>
-          </p:nvPr>
-        </p:nvPicPr>
-        <p:blipFill>
-          <a:blip r:embed="rId2">
-            <a:extLst>
-              <a:ext uri="{28A0092B-C50C-407E-A947-70E740481C1C}">
-                <a14:useLocalDpi xmlns:a14="http://schemas.microsoft.com/office/drawing/2010/main" val="0"/>
-              </a:ext>
-            </a:extLst>
-          </a:blip>
-          <a:stretch>
-            <a:fillRect/>
-          </a:stretch>
-        </p:blipFill>
+      <p:sp>
+        <p:nvSpPr>
+          <p:cNvPr id="4" name="Заголовок 1"/>
+          <p:cNvSpPr txBox="1">
+            <a:spLocks/>
+          </p:cNvSpPr>
+          <p:nvPr/>
+        </p:nvSpPr>
         <p:spPr>
           <a:xfrm>
-            <a:off x="5022578" y="1438897"/>
-            <a:ext cx="5897213" cy="5095650"/>
-          </a:xfrm>
-        </p:spPr>
-      </p:pic>
-      <p:sp>
-        <p:nvSpPr>
-          <p:cNvPr id="5" name="TextBox 4"/>
-          <p:cNvSpPr txBox="1"/>
-          <p:nvPr/>
-        </p:nvSpPr>
-        <p:spPr>
-          <a:xfrm>
-            <a:off x="1311970" y="3386557"/>
-            <a:ext cx="3180522" cy="1200329"/>
+            <a:off x="636108" y="113334"/>
+            <a:ext cx="8398565" cy="1325563"/>
           </a:xfrm>
           <a:prstGeom prst="rect">
             <a:avLst/>
           </a:prstGeom>
-          <a:noFill/>
         </p:spPr>
         <p:txBody>
-          <a:bodyPr wrap="square" rtlCol="0">
-            <a:spAutoFit/>
+          <a:bodyPr vert="horz" lIns="91440" tIns="45720" rIns="91440" bIns="45720" rtlCol="0" anchor="ctr">
+            <a:normAutofit/>
           </a:bodyPr>
-          <a:lstStyle/>
+          <a:lstStyle>
+            <a:lvl1pPr algn="l" defTabSz="914400" rtl="0" eaLnBrk="1" latinLnBrk="0" hangingPunct="1">
+              <a:lnSpc>
+                <a:spcPct val="90000"/>
+              </a:lnSpc>
+              <a:spcBef>
+                <a:spcPct val="0"/>
+              </a:spcBef>
+              <a:buNone/>
+              <a:defRPr sz="4400" kern="1200">
+                <a:solidFill>
+                  <a:schemeClr val="tx1"/>
+                </a:solidFill>
+                <a:latin typeface="+mj-lt"/>
+                <a:ea typeface="+mj-ea"/>
+                <a:cs typeface="+mj-cs"/>
+              </a:defRPr>
+            </a:lvl1pPr>
+          </a:lstStyle>
           <a:p>
             <a:r>
               <a:rPr lang="ru-RU" dirty="0" smtClean="0">
                 <a:latin typeface="Times New Roman" panose="02020603050405020304" pitchFamily="18" charset="0"/>
                 <a:cs typeface="Times New Roman" panose="02020603050405020304" pitchFamily="18" charset="0"/>
               </a:rPr>
-              <a:t>Молекулярное облако в созвездиях Змея и Орёл – область </a:t>
-            </a:r>
-            <a:r>
-              <a:rPr lang="ru-RU" dirty="0" err="1" smtClean="0">
-                <a:latin typeface="Times New Roman" panose="02020603050405020304" pitchFamily="18" charset="0"/>
-                <a:cs typeface="Times New Roman" panose="02020603050405020304" pitchFamily="18" charset="0"/>
-              </a:rPr>
-              <a:t>звездообразования</a:t>
-            </a:r>
-            <a:r>
-              <a:rPr lang="ru-RU" dirty="0" smtClean="0">
-                <a:latin typeface="Times New Roman" panose="02020603050405020304" pitchFamily="18" charset="0"/>
-                <a:cs typeface="Times New Roman" panose="02020603050405020304" pitchFamily="18" charset="0"/>
-              </a:rPr>
-              <a:t>.</a:t>
-            </a:r>
-          </a:p>
-          <a:p>
-            <a:endParaRPr lang="ru-RU" dirty="0">
-              <a:latin typeface="Times New Roman" panose="02020603050405020304" pitchFamily="18" charset="0"/>
-              <a:cs typeface="Times New Roman" panose="02020603050405020304" pitchFamily="18" charset="0"/>
-            </a:endParaRPr>
+              <a:t>Актуальность</a:t>
+            </a:r>
           </a:p>
         </p:txBody>
       </p:sp>
     </p:spTree>
     <p:extLst>
       <p:ext uri="{BB962C8B-B14F-4D97-AF65-F5344CB8AC3E}">
-        <p14:creationId xmlns:p14="http://schemas.microsoft.com/office/powerpoint/2010/main" val="3422481875"/>
+        <p14:creationId xmlns:p14="http://schemas.microsoft.com/office/powerpoint/2010/main" val="2673530624"/>
       </p:ext>
     </p:extLst>
   </p:cSld>
   <p:clrMapOvr>
     <a:masterClrMapping/>
   </p:clrMapOvr>
-  <p:timing>
-    <p:tnLst>
-      <p:par>
-        <p:cTn id="1" dur="indefinite" restart="never" nodeType="tmRoot"/>
-      </p:par>
-    </p:tnLst>
-  </p:timing>
 </p:sld>
 </file>
 
@@ -4409,8 +4272,8 @@
         </p:nvSpPr>
         <p:spPr>
           <a:xfrm>
-            <a:off x="838200" y="1825625"/>
-            <a:ext cx="9684026" cy="4351338"/>
+            <a:off x="702368" y="1876216"/>
+            <a:ext cx="6573074" cy="4180025"/>
           </a:xfrm>
         </p:spPr>
         <p:txBody>
@@ -4425,14 +4288,14 @@
               </a:lnSpc>
             </a:pPr>
             <a:r>
-              <a:rPr lang="ru-RU" dirty="0" err="1" smtClean="0">
+              <a:rPr lang="ru-RU" sz="2200" dirty="0" err="1" smtClean="0">
                 <a:latin typeface="Times New Roman" panose="02020603050405020304" pitchFamily="18" charset="0"/>
                 <a:cs typeface="Times New Roman" panose="02020603050405020304" pitchFamily="18" charset="0"/>
               </a:rPr>
               <a:t>Маломассивны</a:t>
             </a:r>
             <a:r>
-              <a:rPr lang="ru-RU" dirty="0" smtClean="0">
+              <a:rPr lang="ru-RU" sz="2200" dirty="0" smtClean="0">
                 <a:latin typeface="Times New Roman" panose="02020603050405020304" pitchFamily="18" charset="0"/>
                 <a:cs typeface="Times New Roman" panose="02020603050405020304" pitchFamily="18" charset="0"/>
               </a:rPr>
@@ -4442,163 +4305,169 @@
           <a:p>
             <a:pPr>
               <a:lnSpc>
-                <a:spcPct val="150000"/>
+                <a:spcPct val="100000"/>
               </a:lnSpc>
             </a:pPr>
             <a:r>
-              <a:rPr lang="ru-RU" dirty="0" smtClean="0">
+              <a:rPr lang="ru-RU" sz="2200" dirty="0" smtClean="0">
                 <a:latin typeface="Times New Roman" panose="02020603050405020304" pitchFamily="18" charset="0"/>
                 <a:cs typeface="Times New Roman" panose="02020603050405020304" pitchFamily="18" charset="0"/>
               </a:rPr>
               <a:t>Наличие аккреционного диска;</a:t>
             </a:r>
-            <a:endParaRPr lang="ru-RU" dirty="0" smtClean="0">
+          </a:p>
+          <a:p>
+            <a:pPr>
+              <a:lnSpc>
+                <a:spcPct val="100000"/>
+              </a:lnSpc>
+            </a:pPr>
+            <a:r>
+              <a:rPr lang="ru-RU" sz="2200" b="1" dirty="0" smtClean="0">
+                <a:latin typeface="Times New Roman" panose="02020603050405020304" pitchFamily="18" charset="0"/>
+                <a:cs typeface="Times New Roman" panose="02020603050405020304" pitchFamily="18" charset="0"/>
+              </a:rPr>
+              <a:t>Избыток излучения в УФ и ИК диапазонах:</a:t>
+            </a:r>
+          </a:p>
+          <a:p>
+            <a:pPr>
+              <a:lnSpc>
+                <a:spcPct val="100000"/>
+              </a:lnSpc>
+            </a:pPr>
+            <a:r>
+              <a:rPr lang="ru-RU" sz="2200" dirty="0" smtClean="0">
+                <a:latin typeface="Times New Roman" panose="02020603050405020304" pitchFamily="18" charset="0"/>
+                <a:cs typeface="Times New Roman" panose="02020603050405020304" pitchFamily="18" charset="0"/>
+              </a:rPr>
+              <a:t>Классические </a:t>
+            </a:r>
+            <a:r>
+              <a:rPr lang="ru-RU" sz="2200" dirty="0" smtClean="0">
+                <a:latin typeface="Times New Roman" panose="02020603050405020304" pitchFamily="18" charset="0"/>
+                <a:cs typeface="Times New Roman" panose="02020603050405020304" pitchFamily="18" charset="0"/>
+              </a:rPr>
+              <a:t>(</a:t>
+            </a:r>
+            <a:r>
+              <a:rPr lang="en-US" sz="2200" dirty="0" smtClean="0">
+                <a:latin typeface="Times New Roman" panose="02020603050405020304" pitchFamily="18" charset="0"/>
+                <a:cs typeface="Times New Roman" panose="02020603050405020304" pitchFamily="18" charset="0"/>
+              </a:rPr>
+              <a:t>CTTS) </a:t>
+            </a:r>
+            <a:r>
+              <a:rPr lang="ru-RU" sz="2200" dirty="0" smtClean="0">
+                <a:latin typeface="Times New Roman" panose="02020603050405020304" pitchFamily="18" charset="0"/>
+                <a:cs typeface="Times New Roman" panose="02020603050405020304" pitchFamily="18" charset="0"/>
+              </a:rPr>
+              <a:t>и со слабыми линиями (</a:t>
+            </a:r>
+            <a:r>
+              <a:rPr lang="en-US" sz="2200" dirty="0" smtClean="0">
+                <a:latin typeface="Times New Roman" panose="02020603050405020304" pitchFamily="18" charset="0"/>
+                <a:cs typeface="Times New Roman" panose="02020603050405020304" pitchFamily="18" charset="0"/>
+              </a:rPr>
+              <a:t>WTTS</a:t>
+            </a:r>
+            <a:r>
+              <a:rPr lang="ru-RU" sz="2200" dirty="0" smtClean="0">
+                <a:latin typeface="Times New Roman" panose="02020603050405020304" pitchFamily="18" charset="0"/>
+                <a:cs typeface="Times New Roman" panose="02020603050405020304" pitchFamily="18" charset="0"/>
+              </a:rPr>
+              <a:t>)</a:t>
+            </a:r>
+            <a:r>
+              <a:rPr lang="en-US" sz="2200" dirty="0">
+                <a:latin typeface="Times New Roman" panose="02020603050405020304" pitchFamily="18" charset="0"/>
+                <a:cs typeface="Times New Roman" panose="02020603050405020304" pitchFamily="18" charset="0"/>
+              </a:rPr>
+              <a:t>.</a:t>
+            </a:r>
+            <a:r>
+              <a:rPr lang="en-US" sz="2200" dirty="0" smtClean="0">
+                <a:latin typeface="Times New Roman" panose="02020603050405020304" pitchFamily="18" charset="0"/>
+                <a:cs typeface="Times New Roman" panose="02020603050405020304" pitchFamily="18" charset="0"/>
+              </a:rPr>
+              <a:t> </a:t>
+            </a:r>
+            <a:endParaRPr lang="ru-RU" sz="2200" dirty="0">
               <a:latin typeface="Times New Roman" panose="02020603050405020304" pitchFamily="18" charset="0"/>
               <a:cs typeface="Times New Roman" panose="02020603050405020304" pitchFamily="18" charset="0"/>
             </a:endParaRPr>
           </a:p>
-          <a:p>
-            <a:pPr>
-              <a:lnSpc>
-                <a:spcPct val="150000"/>
-              </a:lnSpc>
-            </a:pPr>
-            <a:r>
-              <a:rPr lang="ru-RU" b="1" dirty="0" smtClean="0">
-                <a:latin typeface="Times New Roman" panose="02020603050405020304" pitchFamily="18" charset="0"/>
-                <a:cs typeface="Times New Roman" panose="02020603050405020304" pitchFamily="18" charset="0"/>
-              </a:rPr>
-              <a:t>Избыток </a:t>
-            </a:r>
-            <a:r>
-              <a:rPr lang="ru-RU" b="1" dirty="0" smtClean="0">
-                <a:latin typeface="Times New Roman" panose="02020603050405020304" pitchFamily="18" charset="0"/>
-                <a:cs typeface="Times New Roman" panose="02020603050405020304" pitchFamily="18" charset="0"/>
-              </a:rPr>
-              <a:t>излучения в УФ и ИК </a:t>
-            </a:r>
-            <a:r>
-              <a:rPr lang="ru-RU" b="1" dirty="0" smtClean="0">
-                <a:latin typeface="Times New Roman" panose="02020603050405020304" pitchFamily="18" charset="0"/>
-                <a:cs typeface="Times New Roman" panose="02020603050405020304" pitchFamily="18" charset="0"/>
-              </a:rPr>
-              <a:t>диапазонах:</a:t>
-            </a:r>
-          </a:p>
-          <a:p>
-            <a:pPr>
-              <a:lnSpc>
-                <a:spcPct val="150000"/>
-              </a:lnSpc>
-            </a:pPr>
-            <a:r>
-              <a:rPr lang="ru-RU" dirty="0" smtClean="0">
-                <a:latin typeface="Times New Roman" panose="02020603050405020304" pitchFamily="18" charset="0"/>
-                <a:cs typeface="Times New Roman" panose="02020603050405020304" pitchFamily="18" charset="0"/>
-              </a:rPr>
-              <a:t>Классические (</a:t>
-            </a:r>
-            <a:r>
-              <a:rPr lang="en-US" dirty="0" smtClean="0">
-                <a:latin typeface="Times New Roman" panose="02020603050405020304" pitchFamily="18" charset="0"/>
-                <a:cs typeface="Times New Roman" panose="02020603050405020304" pitchFamily="18" charset="0"/>
-              </a:rPr>
-              <a:t>CTTS) </a:t>
-            </a:r>
-            <a:r>
-              <a:rPr lang="ru-RU" dirty="0" smtClean="0">
-                <a:latin typeface="Times New Roman" panose="02020603050405020304" pitchFamily="18" charset="0"/>
-                <a:cs typeface="Times New Roman" panose="02020603050405020304" pitchFamily="18" charset="0"/>
-              </a:rPr>
-              <a:t>и со слабыми линиями (</a:t>
-            </a:r>
-            <a:r>
-              <a:rPr lang="en-US" dirty="0" smtClean="0">
-                <a:latin typeface="Times New Roman" panose="02020603050405020304" pitchFamily="18" charset="0"/>
-                <a:cs typeface="Times New Roman" panose="02020603050405020304" pitchFamily="18" charset="0"/>
-              </a:rPr>
-              <a:t>WTTS</a:t>
-            </a:r>
-            <a:r>
-              <a:rPr lang="ru-RU" dirty="0" smtClean="0">
-                <a:latin typeface="Times New Roman" panose="02020603050405020304" pitchFamily="18" charset="0"/>
-                <a:cs typeface="Times New Roman" panose="02020603050405020304" pitchFamily="18" charset="0"/>
-              </a:rPr>
-              <a:t>)</a:t>
-            </a:r>
-            <a:r>
-              <a:rPr lang="en-US" dirty="0">
-                <a:latin typeface="Times New Roman" panose="02020603050405020304" pitchFamily="18" charset="0"/>
-                <a:cs typeface="Times New Roman" panose="02020603050405020304" pitchFamily="18" charset="0"/>
-              </a:rPr>
-              <a:t>.</a:t>
-            </a:r>
-            <a:r>
-              <a:rPr lang="en-US" dirty="0" smtClean="0">
-                <a:latin typeface="Times New Roman" panose="02020603050405020304" pitchFamily="18" charset="0"/>
-                <a:cs typeface="Times New Roman" panose="02020603050405020304" pitchFamily="18" charset="0"/>
-              </a:rPr>
-              <a:t> </a:t>
-            </a:r>
-            <a:endParaRPr lang="ru-RU" dirty="0">
-              <a:latin typeface="Times New Roman" panose="02020603050405020304" pitchFamily="18" charset="0"/>
-              <a:cs typeface="Times New Roman" panose="02020603050405020304" pitchFamily="18" charset="0"/>
-            </a:endParaRPr>
-          </a:p>
-        </p:txBody>
-      </p:sp>
-      <p:sp>
-        <p:nvSpPr>
-          <p:cNvPr id="5" name="Заголовок 1"/>
-          <p:cNvSpPr>
-            <a:spLocks noGrp="1"/>
-          </p:cNvSpPr>
-          <p:nvPr>
-            <p:ph type="title"/>
-          </p:nvPr>
+        </p:txBody>
+      </p:sp>
+      <p:sp>
+        <p:nvSpPr>
+          <p:cNvPr id="4" name="Заголовок 1"/>
+          <p:cNvSpPr txBox="1">
+            <a:spLocks/>
+          </p:cNvSpPr>
+          <p:nvPr/>
         </p:nvSpPr>
         <p:spPr>
           <a:xfrm>
-            <a:off x="1219204" y="113334"/>
+            <a:off x="636108" y="113334"/>
             <a:ext cx="8398565" cy="1325563"/>
           </a:xfrm>
+          <a:prstGeom prst="rect">
+            <a:avLst/>
+          </a:prstGeom>
         </p:spPr>
         <p:txBody>
-          <a:bodyPr/>
-          <a:lstStyle/>
-          <a:p>
-            <a:r>
-              <a:rPr lang="en-US" dirty="0" smtClean="0">
+          <a:bodyPr vert="horz" lIns="91440" tIns="45720" rIns="91440" bIns="45720" rtlCol="0" anchor="ctr">
+            <a:normAutofit/>
+          </a:bodyPr>
+          <a:lstStyle>
+            <a:lvl1pPr algn="l" defTabSz="914400" rtl="0" eaLnBrk="1" latinLnBrk="0" hangingPunct="1">
+              <a:lnSpc>
+                <a:spcPct val="90000"/>
+              </a:lnSpc>
+              <a:spcBef>
+                <a:spcPct val="0"/>
+              </a:spcBef>
+              <a:buNone/>
+              <a:defRPr sz="4400" kern="1200">
+                <a:solidFill>
+                  <a:schemeClr val="tx1"/>
+                </a:solidFill>
+                <a:latin typeface="+mj-lt"/>
+                <a:ea typeface="+mj-ea"/>
+                <a:cs typeface="+mj-cs"/>
+              </a:defRPr>
+            </a:lvl1pPr>
+          </a:lstStyle>
+          <a:p>
+            <a:r>
+              <a:rPr lang="en-US" dirty="0">
                 <a:latin typeface="Times New Roman" panose="02020603050405020304" pitchFamily="18" charset="0"/>
                 <a:cs typeface="Times New Roman" panose="02020603050405020304" pitchFamily="18" charset="0"/>
               </a:rPr>
               <a:t>T </a:t>
             </a:r>
             <a:r>
-              <a:rPr lang="en-US" dirty="0" err="1" smtClean="0">
+              <a:rPr lang="en-US" dirty="0" err="1">
                 <a:latin typeface="Times New Roman" panose="02020603050405020304" pitchFamily="18" charset="0"/>
                 <a:cs typeface="Times New Roman" panose="02020603050405020304" pitchFamily="18" charset="0"/>
               </a:rPr>
               <a:t>Tauri</a:t>
             </a:r>
             <a:r>
-              <a:rPr lang="en-US" dirty="0" smtClean="0">
+              <a:rPr lang="en-US" dirty="0">
                 <a:latin typeface="Times New Roman" panose="02020603050405020304" pitchFamily="18" charset="0"/>
                 <a:cs typeface="Times New Roman" panose="02020603050405020304" pitchFamily="18" charset="0"/>
               </a:rPr>
               <a:t> </a:t>
             </a:r>
             <a:r>
-              <a:rPr lang="ru-RU" dirty="0" smtClean="0">
+              <a:rPr lang="ru-RU" dirty="0">
                 <a:latin typeface="Times New Roman" panose="02020603050405020304" pitchFamily="18" charset="0"/>
                 <a:cs typeface="Times New Roman" panose="02020603050405020304" pitchFamily="18" charset="0"/>
               </a:rPr>
               <a:t>звёзды</a:t>
             </a:r>
-            <a:endParaRPr lang="ru-RU" dirty="0">
-              <a:latin typeface="Times New Roman" panose="02020603050405020304" pitchFamily="18" charset="0"/>
-              <a:cs typeface="Times New Roman" panose="02020603050405020304" pitchFamily="18" charset="0"/>
-            </a:endParaRPr>
           </a:p>
         </p:txBody>
       </p:sp>
@@ -4641,7 +4510,7 @@
       </p:grpSpPr>
       <p:sp>
         <p:nvSpPr>
-          <p:cNvPr id="5" name="Заголовок 1"/>
+          <p:cNvPr id="2" name="Заголовок 1"/>
           <p:cNvSpPr>
             <a:spLocks noGrp="1"/>
           </p:cNvSpPr>
@@ -4651,7 +4520,7 @@
         </p:nvSpPr>
         <p:spPr>
           <a:xfrm>
-            <a:off x="1219204" y="113334"/>
+            <a:off x="636108" y="113334"/>
             <a:ext cx="8398565" cy="1325563"/>
           </a:xfrm>
         </p:spPr>
@@ -4660,11 +4529,11 @@
           <a:lstStyle/>
           <a:p>
             <a:r>
-              <a:rPr lang="en-US" dirty="0" smtClean="0">
-                <a:latin typeface="Times New Roman" panose="02020603050405020304" pitchFamily="18" charset="0"/>
-                <a:cs typeface="Times New Roman" panose="02020603050405020304" pitchFamily="18" charset="0"/>
-              </a:rPr>
-              <a:t>GALEX</a:t>
+              <a:rPr lang="ru-RU" dirty="0" smtClean="0">
+                <a:latin typeface="Times New Roman" panose="02020603050405020304" pitchFamily="18" charset="0"/>
+                <a:cs typeface="Times New Roman" panose="02020603050405020304" pitchFamily="18" charset="0"/>
+              </a:rPr>
+              <a:t>Изучаемая область</a:t>
             </a:r>
             <a:endParaRPr lang="ru-RU" dirty="0">
               <a:latin typeface="Times New Roman" panose="02020603050405020304" pitchFamily="18" charset="0"/>
@@ -4675,11 +4544,13 @@
       </p:sp>
       <p:pic>
         <p:nvPicPr>
-          <p:cNvPr id="8" name="Рисунок 7"/>
+          <p:cNvPr id="4" name="Объект 3"/>
           <p:cNvPicPr>
-            <a:picLocks noChangeAspect="1"/>
+            <a:picLocks noGrp="1" noChangeAspect="1"/>
           </p:cNvPicPr>
-          <p:nvPr/>
+          <p:nvPr>
+            <p:ph idx="1"/>
+          </p:nvPr>
         </p:nvPicPr>
         <p:blipFill>
           <a:blip r:embed="rId2">
@@ -4695,24 +4566,21 @@
         </p:blipFill>
         <p:spPr>
           <a:xfrm>
-            <a:off x="4586076" y="1438897"/>
-            <a:ext cx="6571429" cy="4876190"/>
+            <a:off x="3641750" y="1890083"/>
+            <a:ext cx="4852894" cy="4193277"/>
           </a:xfrm>
-          <a:prstGeom prst="rect">
-            <a:avLst/>
-          </a:prstGeom>
         </p:spPr>
       </p:pic>
       <p:sp>
         <p:nvSpPr>
-          <p:cNvPr id="9" name="TextBox 8"/>
+          <p:cNvPr id="5" name="TextBox 4"/>
           <p:cNvSpPr txBox="1"/>
           <p:nvPr/>
         </p:nvSpPr>
         <p:spPr>
           <a:xfrm>
-            <a:off x="1219204" y="1568668"/>
-            <a:ext cx="3829874" cy="4616648"/>
+            <a:off x="636108" y="4883031"/>
+            <a:ext cx="3180522" cy="1200329"/>
           </a:xfrm>
           <a:prstGeom prst="rect">
             <a:avLst/>
@@ -4725,102 +4593,40 @@
           </a:bodyPr>
           <a:lstStyle/>
           <a:p>
-            <a:pPr marL="285750" indent="-285750">
-              <a:buFont typeface="Arial" panose="020B0604020202020204" pitchFamily="34" charset="0"/>
-              <a:buChar char="•"/>
-            </a:pPr>
-            <a:r>
-              <a:rPr lang="ru-RU" sz="2800" dirty="0" smtClean="0">
-                <a:latin typeface="Times New Roman" panose="02020603050405020304" pitchFamily="18" charset="0"/>
-                <a:cs typeface="Times New Roman" panose="02020603050405020304" pitchFamily="18" charset="0"/>
-              </a:rPr>
-              <a:t>Фотометрические данные в фильтрах </a:t>
-            </a:r>
-            <a:r>
-              <a:rPr lang="en-US" sz="2800" dirty="0" smtClean="0">
-                <a:latin typeface="Times New Roman" panose="02020603050405020304" pitchFamily="18" charset="0"/>
-                <a:cs typeface="Times New Roman" panose="02020603050405020304" pitchFamily="18" charset="0"/>
-              </a:rPr>
-              <a:t>FUV </a:t>
-            </a:r>
-            <a:r>
-              <a:rPr lang="ru-RU" sz="2800" dirty="0" smtClean="0">
-                <a:latin typeface="Times New Roman" panose="02020603050405020304" pitchFamily="18" charset="0"/>
-                <a:cs typeface="Times New Roman" panose="02020603050405020304" pitchFamily="18" charset="0"/>
-              </a:rPr>
-              <a:t>и </a:t>
-            </a:r>
-            <a:r>
-              <a:rPr lang="en-US" sz="2800" dirty="0" smtClean="0">
-                <a:latin typeface="Times New Roman" panose="02020603050405020304" pitchFamily="18" charset="0"/>
-                <a:cs typeface="Times New Roman" panose="02020603050405020304" pitchFamily="18" charset="0"/>
-              </a:rPr>
-              <a:t>NUV</a:t>
-            </a:r>
-          </a:p>
-          <a:p>
-            <a:endParaRPr lang="en-US" sz="2800" dirty="0" smtClean="0">
+            <a:r>
+              <a:rPr lang="ru-RU" dirty="0">
+                <a:latin typeface="Times New Roman" panose="02020603050405020304" pitchFamily="18" charset="0"/>
+                <a:cs typeface="Times New Roman" panose="02020603050405020304" pitchFamily="18" charset="0"/>
+              </a:rPr>
+              <a:t>Молекулярное облако в созвездиях Змея и Орёл – область </a:t>
+            </a:r>
+            <a:r>
+              <a:rPr lang="ru-RU" dirty="0" err="1">
+                <a:latin typeface="Times New Roman" panose="02020603050405020304" pitchFamily="18" charset="0"/>
+                <a:cs typeface="Times New Roman" panose="02020603050405020304" pitchFamily="18" charset="0"/>
+              </a:rPr>
+              <a:t>звездообразования</a:t>
+            </a:r>
+            <a:r>
+              <a:rPr lang="ru-RU" dirty="0">
+                <a:latin typeface="Times New Roman" panose="02020603050405020304" pitchFamily="18" charset="0"/>
+                <a:cs typeface="Times New Roman" panose="02020603050405020304" pitchFamily="18" charset="0"/>
+              </a:rPr>
+              <a:t>.</a:t>
+            </a:r>
+          </a:p>
+          <a:p>
+            <a:endParaRPr lang="ru-RU" dirty="0">
               <a:latin typeface="Times New Roman" panose="02020603050405020304" pitchFamily="18" charset="0"/>
               <a:cs typeface="Times New Roman" panose="02020603050405020304" pitchFamily="18" charset="0"/>
             </a:endParaRPr>
           </a:p>
-          <a:p>
-            <a:pPr marL="285750" indent="-285750">
-              <a:buFont typeface="Arial" panose="020B0604020202020204" pitchFamily="34" charset="0"/>
-              <a:buChar char="•"/>
-            </a:pPr>
-            <a:r>
-              <a:rPr lang="ru-RU" sz="2800" dirty="0" smtClean="0">
-                <a:latin typeface="Times New Roman" panose="02020603050405020304" pitchFamily="18" charset="0"/>
-                <a:cs typeface="Times New Roman" panose="02020603050405020304" pitchFamily="18" charset="0"/>
-              </a:rPr>
-              <a:t>Звёздные величины от 9 и выше</a:t>
-            </a:r>
-            <a:endParaRPr lang="en-US" sz="2800" dirty="0" smtClean="0">
-              <a:latin typeface="Times New Roman" panose="02020603050405020304" pitchFamily="18" charset="0"/>
-              <a:cs typeface="Times New Roman" panose="02020603050405020304" pitchFamily="18" charset="0"/>
-            </a:endParaRPr>
-          </a:p>
-          <a:p>
-            <a:endParaRPr lang="ru-RU" sz="2800" dirty="0" smtClean="0">
-              <a:latin typeface="Times New Roman" panose="02020603050405020304" pitchFamily="18" charset="0"/>
-              <a:cs typeface="Times New Roman" panose="02020603050405020304" pitchFamily="18" charset="0"/>
-            </a:endParaRPr>
-          </a:p>
-          <a:p>
-            <a:pPr marL="285750" indent="-285750">
-              <a:buFont typeface="Arial" panose="020B0604020202020204" pitchFamily="34" charset="0"/>
-              <a:buChar char="•"/>
-            </a:pPr>
-            <a:r>
-              <a:rPr lang="ru-RU" sz="2800" dirty="0" smtClean="0">
-                <a:latin typeface="Times New Roman" panose="02020603050405020304" pitchFamily="18" charset="0"/>
-                <a:cs typeface="Times New Roman" panose="02020603050405020304" pitchFamily="18" charset="0"/>
-              </a:rPr>
-              <a:t>Чувствительные детекторы</a:t>
-            </a:r>
-            <a:endParaRPr lang="en-US" sz="2800" dirty="0" smtClean="0">
-              <a:latin typeface="Times New Roman" panose="02020603050405020304" pitchFamily="18" charset="0"/>
-              <a:cs typeface="Times New Roman" panose="02020603050405020304" pitchFamily="18" charset="0"/>
-            </a:endParaRPr>
-          </a:p>
-          <a:p>
-            <a:pPr>
-              <a:lnSpc>
-                <a:spcPct val="150000"/>
-              </a:lnSpc>
-            </a:pPr>
-            <a:endParaRPr lang="ru-RU" sz="2800" dirty="0">
-              <a:latin typeface="Times New Roman" panose="02020603050405020304" pitchFamily="18" charset="0"/>
-              <a:cs typeface="Times New Roman" panose="02020603050405020304" pitchFamily="18" charset="0"/>
-            </a:endParaRPr>
-          </a:p>
         </p:txBody>
       </p:sp>
     </p:spTree>
     <p:extLst>
       <p:ext uri="{BB962C8B-B14F-4D97-AF65-F5344CB8AC3E}">
-        <p14:creationId xmlns:p14="http://schemas.microsoft.com/office/powerpoint/2010/main" val="56520378"/>
+        <p14:creationId xmlns:p14="http://schemas.microsoft.com/office/powerpoint/2010/main" val="3422481875"/>
       </p:ext>
     </p:extLst>
   </p:cSld>
@@ -4854,203 +4660,527 @@
           <a:chExt cx="0" cy="0"/>
         </a:xfrm>
       </p:grpSpPr>
-      <p:sp>
-        <p:nvSpPr>
-          <p:cNvPr id="3" name="Объект 2"/>
-          <p:cNvSpPr>
-            <a:spLocks noGrp="1"/>
-          </p:cNvSpPr>
-          <p:nvPr>
-            <p:ph idx="1"/>
-          </p:nvPr>
-        </p:nvSpPr>
+      <p:pic>
+        <p:nvPicPr>
+          <p:cNvPr id="8" name="Рисунок 7"/>
+          <p:cNvPicPr>
+            <a:picLocks noChangeAspect="1"/>
+          </p:cNvPicPr>
+          <p:nvPr/>
+        </p:nvPicPr>
+        <p:blipFill>
+          <a:blip r:embed="rId3">
+            <a:extLst>
+              <a:ext uri="{28A0092B-C50C-407E-A947-70E740481C1C}">
+                <a14:useLocalDpi xmlns:a14="http://schemas.microsoft.com/office/drawing/2010/main" val="0"/>
+              </a:ext>
+            </a:extLst>
+          </a:blip>
+          <a:stretch>
+            <a:fillRect/>
+          </a:stretch>
+        </p:blipFill>
         <p:spPr>
           <a:xfrm>
-            <a:off x="838200" y="1825625"/>
-            <a:ext cx="8779569" cy="4351338"/>
+            <a:off x="4998721" y="1687938"/>
+            <a:ext cx="3238161" cy="2402809"/>
           </a:xfrm>
+          <a:prstGeom prst="rect">
+            <a:avLst/>
+          </a:prstGeom>
         </p:spPr>
-        <p:txBody>
-          <a:bodyPr/>
+      </p:pic>
+      <p:sp>
+        <p:nvSpPr>
+          <p:cNvPr id="9" name="TextBox 8"/>
+          <p:cNvSpPr txBox="1"/>
+          <p:nvPr/>
+        </p:nvSpPr>
+        <p:spPr>
+          <a:xfrm>
+            <a:off x="636108" y="1687938"/>
+            <a:ext cx="3949144" cy="2123658"/>
+          </a:xfrm>
+          <a:prstGeom prst="rect">
+            <a:avLst/>
+          </a:prstGeom>
+          <a:noFill/>
+        </p:spPr>
+        <p:txBody>
+          <a:bodyPr wrap="square" rtlCol="0">
+            <a:spAutoFit/>
+          </a:bodyPr>
           <a:lstStyle/>
           <a:p>
-            <a:pPr>
-              <a:lnSpc>
-                <a:spcPct val="150000"/>
-              </a:lnSpc>
-            </a:pPr>
-            <a:r>
-              <a:rPr lang="ru-RU" dirty="0" smtClean="0">
-                <a:latin typeface="Times New Roman" panose="02020603050405020304" pitchFamily="18" charset="0"/>
-                <a:cs typeface="Times New Roman" panose="02020603050405020304" pitchFamily="18" charset="0"/>
-              </a:rPr>
-              <a:t>Звёздные величины в фильтрах </a:t>
-            </a:r>
-            <a:r>
-              <a:rPr lang="en-US" dirty="0" smtClean="0">
-                <a:latin typeface="Times New Roman" panose="02020603050405020304" pitchFamily="18" charset="0"/>
-                <a:cs typeface="Times New Roman" panose="02020603050405020304" pitchFamily="18" charset="0"/>
-              </a:rPr>
-              <a:t>J, H, K </a:t>
-            </a:r>
-            <a:r>
-              <a:rPr lang="ru-RU" dirty="0" smtClean="0">
-                <a:latin typeface="Times New Roman" panose="02020603050405020304" pitchFamily="18" charset="0"/>
-                <a:cs typeface="Times New Roman" panose="02020603050405020304" pitchFamily="18" charset="0"/>
-              </a:rPr>
-              <a:t>и </a:t>
-            </a:r>
-            <a:r>
-              <a:rPr lang="en-US" dirty="0" smtClean="0">
-                <a:latin typeface="Times New Roman" panose="02020603050405020304" pitchFamily="18" charset="0"/>
-                <a:cs typeface="Times New Roman" panose="02020603050405020304" pitchFamily="18" charset="0"/>
-              </a:rPr>
-              <a:t>B, V, r, </a:t>
-            </a:r>
-            <a:r>
-              <a:rPr lang="en-US" dirty="0" err="1" smtClean="0">
-                <a:latin typeface="Times New Roman" panose="02020603050405020304" pitchFamily="18" charset="0"/>
-                <a:cs typeface="Times New Roman" panose="02020603050405020304" pitchFamily="18" charset="0"/>
-              </a:rPr>
-              <a:t>i</a:t>
-            </a:r>
-            <a:endParaRPr lang="ru-RU" dirty="0" smtClean="0">
+            <a:r>
+              <a:rPr lang="en-US" sz="2200" dirty="0" smtClean="0">
+                <a:latin typeface="Times New Roman" panose="02020603050405020304" pitchFamily="18" charset="0"/>
+                <a:cs typeface="Times New Roman" panose="02020603050405020304" pitchFamily="18" charset="0"/>
+              </a:rPr>
+              <a:t>GALEX</a:t>
+            </a:r>
+            <a:r>
+              <a:rPr lang="ru-RU" sz="2200" dirty="0" smtClean="0">
+                <a:latin typeface="Times New Roman" panose="02020603050405020304" pitchFamily="18" charset="0"/>
+                <a:cs typeface="Times New Roman" panose="02020603050405020304" pitchFamily="18" charset="0"/>
+              </a:rPr>
+              <a:t>:</a:t>
+            </a:r>
+            <a:endParaRPr lang="en-US" sz="2200" dirty="0" smtClean="0">
               <a:latin typeface="Times New Roman" panose="02020603050405020304" pitchFamily="18" charset="0"/>
               <a:cs typeface="Times New Roman" panose="02020603050405020304" pitchFamily="18" charset="0"/>
             </a:endParaRPr>
           </a:p>
           <a:p>
-            <a:pPr>
-              <a:lnSpc>
-                <a:spcPct val="150000"/>
-              </a:lnSpc>
+            <a:pPr marL="285750" indent="-285750">
+              <a:buFont typeface="Arial" panose="020B0604020202020204" pitchFamily="34" charset="0"/>
+              <a:buChar char="•"/>
             </a:pPr>
             <a:r>
-              <a:rPr lang="ru-RU" dirty="0" smtClean="0">
-                <a:latin typeface="Times New Roman" panose="02020603050405020304" pitchFamily="18" charset="0"/>
-                <a:cs typeface="Times New Roman" panose="02020603050405020304" pitchFamily="18" charset="0"/>
-              </a:rPr>
-              <a:t>Ложные источники не идентифицируются с 2</a:t>
-            </a:r>
-            <a:r>
-              <a:rPr lang="en-US" dirty="0" smtClean="0">
-                <a:latin typeface="Times New Roman" panose="02020603050405020304" pitchFamily="18" charset="0"/>
-                <a:cs typeface="Times New Roman" panose="02020603050405020304" pitchFamily="18" charset="0"/>
-              </a:rPr>
-              <a:t>MASS</a:t>
-            </a:r>
-          </a:p>
-          <a:p>
-            <a:pPr>
-              <a:lnSpc>
-                <a:spcPct val="150000"/>
-              </a:lnSpc>
-            </a:pPr>
-            <a:r>
-              <a:rPr lang="ru-RU" dirty="0" smtClean="0">
-                <a:latin typeface="Times New Roman" panose="02020603050405020304" pitchFamily="18" charset="0"/>
-                <a:cs typeface="Times New Roman" panose="02020603050405020304" pitchFamily="18" charset="0"/>
-              </a:rPr>
-              <a:t>Из 2968 осталось 726 объектов</a:t>
-            </a:r>
-          </a:p>
-          <a:p>
-            <a:pPr>
-              <a:lnSpc>
-                <a:spcPct val="150000"/>
-              </a:lnSpc>
-            </a:pPr>
-            <a:r>
-              <a:rPr lang="ru-RU" dirty="0" smtClean="0">
-                <a:latin typeface="Times New Roman" panose="02020603050405020304" pitchFamily="18" charset="0"/>
-                <a:cs typeface="Times New Roman" panose="02020603050405020304" pitchFamily="18" charset="0"/>
-              </a:rPr>
-              <a:t>458 совпадений с </a:t>
-            </a:r>
-            <a:r>
-              <a:rPr lang="en-US" dirty="0" smtClean="0">
-                <a:latin typeface="Times New Roman" panose="02020603050405020304" pitchFamily="18" charset="0"/>
-                <a:cs typeface="Times New Roman" panose="02020603050405020304" pitchFamily="18" charset="0"/>
-              </a:rPr>
-              <a:t>UCAC4</a:t>
-            </a:r>
-            <a:r>
-              <a:rPr lang="ru-RU" dirty="0" smtClean="0">
-                <a:latin typeface="Times New Roman" panose="02020603050405020304" pitchFamily="18" charset="0"/>
-                <a:cs typeface="Times New Roman" panose="02020603050405020304" pitchFamily="18" charset="0"/>
-              </a:rPr>
-              <a:t> </a:t>
-            </a:r>
-          </a:p>
-          <a:p>
-            <a:pPr>
-              <a:lnSpc>
-                <a:spcPct val="150000"/>
-              </a:lnSpc>
-            </a:pPr>
-            <a:endParaRPr lang="ru-RU" dirty="0" smtClean="0"/>
-          </a:p>
-        </p:txBody>
-      </p:sp>
-      <p:sp>
-        <p:nvSpPr>
-          <p:cNvPr id="4" name="Заголовок 1"/>
-          <p:cNvSpPr>
-            <a:spLocks noGrp="1"/>
-          </p:cNvSpPr>
-          <p:nvPr>
-            <p:ph type="title"/>
-          </p:nvPr>
-        </p:nvSpPr>
-        <p:spPr>
-          <a:xfrm>
-            <a:off x="1219204" y="113334"/>
-            <a:ext cx="8398565" cy="1325563"/>
-          </a:xfrm>
-        </p:spPr>
-        <p:txBody>
-          <a:bodyPr/>
-          <a:lstStyle/>
-          <a:p>
-            <a:r>
-              <a:rPr lang="ru-RU" dirty="0" smtClean="0">
-                <a:latin typeface="Times New Roman" panose="02020603050405020304" pitchFamily="18" charset="0"/>
-                <a:cs typeface="Times New Roman" panose="02020603050405020304" pitchFamily="18" charset="0"/>
-              </a:rPr>
-              <a:t>2</a:t>
-            </a:r>
-            <a:r>
-              <a:rPr lang="en-US" dirty="0" smtClean="0">
-                <a:latin typeface="Times New Roman" panose="02020603050405020304" pitchFamily="18" charset="0"/>
-                <a:cs typeface="Times New Roman" panose="02020603050405020304" pitchFamily="18" charset="0"/>
-              </a:rPr>
-              <a:t>MASS </a:t>
-            </a:r>
-            <a:r>
-              <a:rPr lang="ru-RU" dirty="0" smtClean="0">
+              <a:rPr lang="en-US" sz="2200" dirty="0" smtClean="0">
+                <a:latin typeface="Times New Roman" panose="02020603050405020304" pitchFamily="18" charset="0"/>
+                <a:cs typeface="Times New Roman" panose="02020603050405020304" pitchFamily="18" charset="0"/>
+              </a:rPr>
+              <a:t>FUV </a:t>
+            </a:r>
+            <a:r>
+              <a:rPr lang="ru-RU" sz="2200" dirty="0">
                 <a:latin typeface="Times New Roman" panose="02020603050405020304" pitchFamily="18" charset="0"/>
                 <a:cs typeface="Times New Roman" panose="02020603050405020304" pitchFamily="18" charset="0"/>
               </a:rPr>
               <a:t>и </a:t>
             </a:r>
             <a:r>
-              <a:rPr lang="en-US" dirty="0" smtClean="0">
-                <a:latin typeface="Times New Roman" panose="02020603050405020304" pitchFamily="18" charset="0"/>
-                <a:cs typeface="Times New Roman" panose="02020603050405020304" pitchFamily="18" charset="0"/>
-              </a:rPr>
-              <a:t>UCAC4</a:t>
-            </a:r>
-            <a:endParaRPr lang="ru-RU" dirty="0">
+              <a:rPr lang="en-US" sz="2200" dirty="0" smtClean="0">
+                <a:latin typeface="Times New Roman" panose="02020603050405020304" pitchFamily="18" charset="0"/>
+                <a:cs typeface="Times New Roman" panose="02020603050405020304" pitchFamily="18" charset="0"/>
+              </a:rPr>
+              <a:t>NUV </a:t>
+            </a:r>
+            <a:r>
+              <a:rPr lang="ru-RU" sz="2200" dirty="0" smtClean="0">
+                <a:latin typeface="Times New Roman" panose="02020603050405020304" pitchFamily="18" charset="0"/>
+                <a:cs typeface="Times New Roman" panose="02020603050405020304" pitchFamily="18" charset="0"/>
+              </a:rPr>
+              <a:t>фильтры</a:t>
+            </a:r>
+            <a:r>
+              <a:rPr lang="en-US" sz="2200" dirty="0" smtClean="0">
+                <a:latin typeface="Times New Roman" panose="02020603050405020304" pitchFamily="18" charset="0"/>
+                <a:cs typeface="Times New Roman" panose="02020603050405020304" pitchFamily="18" charset="0"/>
+              </a:rPr>
+              <a:t>;</a:t>
+            </a:r>
+            <a:endParaRPr lang="en-US" sz="2200" dirty="0">
               <a:latin typeface="Times New Roman" panose="02020603050405020304" pitchFamily="18" charset="0"/>
               <a:cs typeface="Times New Roman" panose="02020603050405020304" pitchFamily="18" charset="0"/>
             </a:endParaRPr>
           </a:p>
+          <a:p>
+            <a:pPr marL="285750" indent="-285750">
+              <a:buFont typeface="Arial" panose="020B0604020202020204" pitchFamily="34" charset="0"/>
+              <a:buChar char="•"/>
+            </a:pPr>
+            <a:r>
+              <a:rPr lang="ru-RU" sz="2200" dirty="0">
+                <a:latin typeface="Times New Roman" panose="02020603050405020304" pitchFamily="18" charset="0"/>
+                <a:cs typeface="Times New Roman" panose="02020603050405020304" pitchFamily="18" charset="0"/>
+              </a:rPr>
+              <a:t>Звёздные величины от 9 и </a:t>
+            </a:r>
+            <a:r>
+              <a:rPr lang="ru-RU" sz="2200" dirty="0" smtClean="0">
+                <a:latin typeface="Times New Roman" panose="02020603050405020304" pitchFamily="18" charset="0"/>
+                <a:cs typeface="Times New Roman" panose="02020603050405020304" pitchFamily="18" charset="0"/>
+              </a:rPr>
+              <a:t>выше</a:t>
+            </a:r>
+            <a:r>
+              <a:rPr lang="en-US" sz="2200" dirty="0" smtClean="0">
+                <a:latin typeface="Times New Roman" panose="02020603050405020304" pitchFamily="18" charset="0"/>
+                <a:cs typeface="Times New Roman" panose="02020603050405020304" pitchFamily="18" charset="0"/>
+              </a:rPr>
+              <a:t>;</a:t>
+            </a:r>
+            <a:endParaRPr lang="ru-RU" sz="2200" dirty="0">
+              <a:latin typeface="Times New Roman" panose="02020603050405020304" pitchFamily="18" charset="0"/>
+              <a:cs typeface="Times New Roman" panose="02020603050405020304" pitchFamily="18" charset="0"/>
+            </a:endParaRPr>
+          </a:p>
+          <a:p>
+            <a:pPr marL="285750" indent="-285750">
+              <a:buFont typeface="Arial" panose="020B0604020202020204" pitchFamily="34" charset="0"/>
+              <a:buChar char="•"/>
+            </a:pPr>
+            <a:r>
+              <a:rPr lang="ru-RU" sz="2200" dirty="0">
+                <a:latin typeface="Times New Roman" panose="02020603050405020304" pitchFamily="18" charset="0"/>
+                <a:cs typeface="Times New Roman" panose="02020603050405020304" pitchFamily="18" charset="0"/>
+              </a:rPr>
+              <a:t>Чувствительные </a:t>
+            </a:r>
+            <a:r>
+              <a:rPr lang="ru-RU" sz="2200" dirty="0" smtClean="0">
+                <a:latin typeface="Times New Roman" panose="02020603050405020304" pitchFamily="18" charset="0"/>
+                <a:cs typeface="Times New Roman" panose="02020603050405020304" pitchFamily="18" charset="0"/>
+              </a:rPr>
+              <a:t>детекторы</a:t>
+            </a:r>
+            <a:r>
+              <a:rPr lang="en-US" sz="2200" dirty="0" smtClean="0">
+                <a:latin typeface="Times New Roman" panose="02020603050405020304" pitchFamily="18" charset="0"/>
+                <a:cs typeface="Times New Roman" panose="02020603050405020304" pitchFamily="18" charset="0"/>
+              </a:rPr>
+              <a:t>;</a:t>
+            </a:r>
+            <a:endParaRPr lang="ru-RU" sz="2200" dirty="0">
+              <a:latin typeface="Times New Roman" panose="02020603050405020304" pitchFamily="18" charset="0"/>
+              <a:cs typeface="Times New Roman" panose="02020603050405020304" pitchFamily="18" charset="0"/>
+            </a:endParaRPr>
+          </a:p>
+          <a:p>
+            <a:pPr marL="285750" indent="-285750">
+              <a:buFont typeface="Arial" panose="020B0604020202020204" pitchFamily="34" charset="0"/>
+              <a:buChar char="•"/>
+            </a:pPr>
+            <a:r>
+              <a:rPr lang="ru-RU" sz="2200" dirty="0" smtClean="0">
+                <a:latin typeface="Times New Roman" panose="02020603050405020304" pitchFamily="18" charset="0"/>
+                <a:cs typeface="Times New Roman" panose="02020603050405020304" pitchFamily="18" charset="0"/>
+              </a:rPr>
+              <a:t>Неполное покрытие области</a:t>
+            </a:r>
+            <a:r>
+              <a:rPr lang="en-US" sz="2200" dirty="0" smtClean="0">
+                <a:latin typeface="Times New Roman" panose="02020603050405020304" pitchFamily="18" charset="0"/>
+                <a:cs typeface="Times New Roman" panose="02020603050405020304" pitchFamily="18" charset="0"/>
+              </a:rPr>
+              <a:t>;</a:t>
+            </a:r>
+            <a:endParaRPr lang="en-US" sz="2200" dirty="0">
+              <a:latin typeface="Times New Roman" panose="02020603050405020304" pitchFamily="18" charset="0"/>
+              <a:cs typeface="Times New Roman" panose="02020603050405020304" pitchFamily="18" charset="0"/>
+            </a:endParaRPr>
+          </a:p>
+        </p:txBody>
+      </p:sp>
+      <p:sp>
+        <p:nvSpPr>
+          <p:cNvPr id="6" name="Заголовок 1"/>
+          <p:cNvSpPr txBox="1">
+            <a:spLocks/>
+          </p:cNvSpPr>
+          <p:nvPr/>
+        </p:nvSpPr>
+        <p:spPr>
+          <a:xfrm>
+            <a:off x="636108" y="113334"/>
+            <a:ext cx="8398565" cy="1325563"/>
+          </a:xfrm>
+          <a:prstGeom prst="rect">
+            <a:avLst/>
+          </a:prstGeom>
+        </p:spPr>
+        <p:txBody>
+          <a:bodyPr vert="horz" lIns="91440" tIns="45720" rIns="91440" bIns="45720" rtlCol="0" anchor="ctr">
+            <a:normAutofit/>
+          </a:bodyPr>
+          <a:lstStyle>
+            <a:lvl1pPr algn="l" defTabSz="914400" rtl="0" eaLnBrk="1" latinLnBrk="0" hangingPunct="1">
+              <a:lnSpc>
+                <a:spcPct val="90000"/>
+              </a:lnSpc>
+              <a:spcBef>
+                <a:spcPct val="0"/>
+              </a:spcBef>
+              <a:buNone/>
+              <a:defRPr sz="4400" kern="1200">
+                <a:solidFill>
+                  <a:schemeClr val="tx1"/>
+                </a:solidFill>
+                <a:latin typeface="+mj-lt"/>
+                <a:ea typeface="+mj-ea"/>
+                <a:cs typeface="+mj-cs"/>
+              </a:defRPr>
+            </a:lvl1pPr>
+          </a:lstStyle>
+          <a:p>
+            <a:r>
+              <a:rPr lang="ru-RU" dirty="0" smtClean="0">
+                <a:latin typeface="Times New Roman" panose="02020603050405020304" pitchFamily="18" charset="0"/>
+                <a:cs typeface="Times New Roman" panose="02020603050405020304" pitchFamily="18" charset="0"/>
+              </a:rPr>
+              <a:t>Исходные данные</a:t>
+            </a:r>
+          </a:p>
+        </p:txBody>
+      </p:sp>
+      <p:sp>
+        <p:nvSpPr>
+          <p:cNvPr id="7" name="Объект 2"/>
+          <p:cNvSpPr>
+            <a:spLocks noGrp="1"/>
+          </p:cNvSpPr>
+          <p:nvPr>
+            <p:ph idx="1"/>
+          </p:nvPr>
+        </p:nvSpPr>
+        <p:spPr>
+          <a:xfrm>
+            <a:off x="636108" y="4090747"/>
+            <a:ext cx="7936396" cy="3342723"/>
+          </a:xfrm>
+        </p:spPr>
+        <p:txBody>
+          <a:bodyPr>
+            <a:noAutofit/>
+          </a:bodyPr>
+          <a:lstStyle/>
+          <a:p>
+            <a:pPr marL="0" indent="0">
+              <a:lnSpc>
+                <a:spcPct val="100000"/>
+              </a:lnSpc>
+              <a:buNone/>
+            </a:pPr>
+            <a:r>
+              <a:rPr lang="ru-RU" sz="2400" dirty="0">
+                <a:latin typeface="Times New Roman" panose="02020603050405020304" pitchFamily="18" charset="0"/>
+                <a:cs typeface="Times New Roman" panose="02020603050405020304" pitchFamily="18" charset="0"/>
+              </a:rPr>
+              <a:t>2</a:t>
+            </a:r>
+            <a:r>
+              <a:rPr lang="en-US" sz="2400" dirty="0">
+                <a:latin typeface="Times New Roman" panose="02020603050405020304" pitchFamily="18" charset="0"/>
+                <a:cs typeface="Times New Roman" panose="02020603050405020304" pitchFamily="18" charset="0"/>
+              </a:rPr>
+              <a:t>MASS </a:t>
+            </a:r>
+            <a:r>
+              <a:rPr lang="ru-RU" sz="2400" dirty="0">
+                <a:latin typeface="Times New Roman" panose="02020603050405020304" pitchFamily="18" charset="0"/>
+                <a:cs typeface="Times New Roman" panose="02020603050405020304" pitchFamily="18" charset="0"/>
+              </a:rPr>
+              <a:t>и </a:t>
+            </a:r>
+            <a:r>
+              <a:rPr lang="en-US" sz="2400" dirty="0" smtClean="0">
+                <a:latin typeface="Times New Roman" panose="02020603050405020304" pitchFamily="18" charset="0"/>
+                <a:cs typeface="Times New Roman" panose="02020603050405020304" pitchFamily="18" charset="0"/>
+              </a:rPr>
+              <a:t>UCAC4</a:t>
+            </a:r>
+            <a:r>
+              <a:rPr lang="ru-RU" sz="2400" dirty="0" smtClean="0">
+                <a:latin typeface="Times New Roman" panose="02020603050405020304" pitchFamily="18" charset="0"/>
+                <a:cs typeface="Times New Roman" panose="02020603050405020304" pitchFamily="18" charset="0"/>
+              </a:rPr>
+              <a:t>:</a:t>
+            </a:r>
+            <a:endParaRPr lang="ru-RU" sz="2200" dirty="0" smtClean="0">
+              <a:latin typeface="Times New Roman" panose="02020603050405020304" pitchFamily="18" charset="0"/>
+              <a:cs typeface="Times New Roman" panose="02020603050405020304" pitchFamily="18" charset="0"/>
+            </a:endParaRPr>
+          </a:p>
+          <a:p>
+            <a:pPr>
+              <a:lnSpc>
+                <a:spcPct val="100000"/>
+              </a:lnSpc>
+            </a:pPr>
+            <a:r>
+              <a:rPr lang="ru-RU" sz="2200" dirty="0" smtClean="0">
+                <a:latin typeface="Times New Roman" panose="02020603050405020304" pitchFamily="18" charset="0"/>
+                <a:cs typeface="Times New Roman" panose="02020603050405020304" pitchFamily="18" charset="0"/>
+              </a:rPr>
+              <a:t>Звёздные </a:t>
+            </a:r>
+            <a:r>
+              <a:rPr lang="ru-RU" sz="2200" dirty="0" smtClean="0">
+                <a:latin typeface="Times New Roman" panose="02020603050405020304" pitchFamily="18" charset="0"/>
+                <a:cs typeface="Times New Roman" panose="02020603050405020304" pitchFamily="18" charset="0"/>
+              </a:rPr>
+              <a:t>величины в фильтрах </a:t>
+            </a:r>
+            <a:r>
+              <a:rPr lang="en-US" sz="2200" dirty="0" smtClean="0">
+                <a:latin typeface="Times New Roman" panose="02020603050405020304" pitchFamily="18" charset="0"/>
+                <a:cs typeface="Times New Roman" panose="02020603050405020304" pitchFamily="18" charset="0"/>
+              </a:rPr>
+              <a:t>J, H, K </a:t>
+            </a:r>
+            <a:r>
+              <a:rPr lang="ru-RU" sz="2200" dirty="0" smtClean="0">
+                <a:latin typeface="Times New Roman" panose="02020603050405020304" pitchFamily="18" charset="0"/>
+                <a:cs typeface="Times New Roman" panose="02020603050405020304" pitchFamily="18" charset="0"/>
+              </a:rPr>
+              <a:t>и </a:t>
+            </a:r>
+            <a:r>
+              <a:rPr lang="en-US" sz="2200" dirty="0" smtClean="0">
+                <a:latin typeface="Times New Roman" panose="02020603050405020304" pitchFamily="18" charset="0"/>
+                <a:cs typeface="Times New Roman" panose="02020603050405020304" pitchFamily="18" charset="0"/>
+              </a:rPr>
+              <a:t>B, V, r, </a:t>
+            </a:r>
+            <a:r>
+              <a:rPr lang="en-US" sz="2200" dirty="0" err="1" smtClean="0">
+                <a:latin typeface="Times New Roman" panose="02020603050405020304" pitchFamily="18" charset="0"/>
+                <a:cs typeface="Times New Roman" panose="02020603050405020304" pitchFamily="18" charset="0"/>
+              </a:rPr>
+              <a:t>i</a:t>
+            </a:r>
+            <a:r>
+              <a:rPr lang="en-US" sz="2200" dirty="0" smtClean="0">
+                <a:latin typeface="Times New Roman" panose="02020603050405020304" pitchFamily="18" charset="0"/>
+                <a:cs typeface="Times New Roman" panose="02020603050405020304" pitchFamily="18" charset="0"/>
+              </a:rPr>
+              <a:t>;</a:t>
+            </a:r>
+            <a:endParaRPr lang="ru-RU" sz="2200" dirty="0" smtClean="0">
+              <a:latin typeface="Times New Roman" panose="02020603050405020304" pitchFamily="18" charset="0"/>
+              <a:cs typeface="Times New Roman" panose="02020603050405020304" pitchFamily="18" charset="0"/>
+            </a:endParaRPr>
+          </a:p>
+          <a:p>
+            <a:pPr>
+              <a:lnSpc>
+                <a:spcPct val="100000"/>
+              </a:lnSpc>
+            </a:pPr>
+            <a:r>
+              <a:rPr lang="ru-RU" sz="2200" dirty="0" smtClean="0">
+                <a:latin typeface="Times New Roman" panose="02020603050405020304" pitchFamily="18" charset="0"/>
+                <a:cs typeface="Times New Roman" panose="02020603050405020304" pitchFamily="18" charset="0"/>
+              </a:rPr>
+              <a:t>Ложные </a:t>
+            </a:r>
+            <a:r>
+              <a:rPr lang="ru-RU" sz="2200" dirty="0" smtClean="0">
+                <a:latin typeface="Times New Roman" panose="02020603050405020304" pitchFamily="18" charset="0"/>
+                <a:cs typeface="Times New Roman" panose="02020603050405020304" pitchFamily="18" charset="0"/>
+              </a:rPr>
+              <a:t>источники не </a:t>
+            </a:r>
+            <a:r>
+              <a:rPr lang="ru-RU" sz="2200" dirty="0" smtClean="0">
+                <a:latin typeface="Times New Roman" panose="02020603050405020304" pitchFamily="18" charset="0"/>
+                <a:cs typeface="Times New Roman" panose="02020603050405020304" pitchFamily="18" charset="0"/>
+              </a:rPr>
+              <a:t>идентифицируются</a:t>
+            </a:r>
+            <a:r>
+              <a:rPr lang="en-US" sz="2200" dirty="0" smtClean="0">
+                <a:latin typeface="Times New Roman" panose="02020603050405020304" pitchFamily="18" charset="0"/>
+                <a:cs typeface="Times New Roman" panose="02020603050405020304" pitchFamily="18" charset="0"/>
+              </a:rPr>
+              <a:t>;</a:t>
+            </a:r>
+            <a:endParaRPr lang="en-US" sz="2200" dirty="0" smtClean="0">
+              <a:latin typeface="Times New Roman" panose="02020603050405020304" pitchFamily="18" charset="0"/>
+              <a:cs typeface="Times New Roman" panose="02020603050405020304" pitchFamily="18" charset="0"/>
+            </a:endParaRPr>
+          </a:p>
+          <a:p>
+            <a:pPr>
+              <a:lnSpc>
+                <a:spcPct val="100000"/>
+              </a:lnSpc>
+            </a:pPr>
+            <a:r>
+              <a:rPr lang="ru-RU" sz="2200" dirty="0" smtClean="0">
+                <a:latin typeface="Times New Roman" panose="02020603050405020304" pitchFamily="18" charset="0"/>
+                <a:cs typeface="Times New Roman" panose="02020603050405020304" pitchFamily="18" charset="0"/>
+              </a:rPr>
+              <a:t>Из 2968 </a:t>
+            </a:r>
+            <a:r>
+              <a:rPr lang="ru-RU" sz="2200" dirty="0" smtClean="0">
+                <a:latin typeface="Times New Roman" panose="02020603050405020304" pitchFamily="18" charset="0"/>
+                <a:cs typeface="Times New Roman" panose="02020603050405020304" pitchFamily="18" charset="0"/>
+              </a:rPr>
+              <a:t>объектов</a:t>
+            </a:r>
+            <a:r>
+              <a:rPr lang="ru-RU" sz="2200" dirty="0" smtClean="0">
+                <a:latin typeface="Times New Roman" panose="02020603050405020304" pitchFamily="18" charset="0"/>
+                <a:cs typeface="Times New Roman" panose="02020603050405020304" pitchFamily="18" charset="0"/>
+              </a:rPr>
+              <a:t> </a:t>
+            </a:r>
+            <a:r>
+              <a:rPr lang="ru-RU" sz="2200" dirty="0" smtClean="0">
+                <a:latin typeface="Times New Roman" panose="02020603050405020304" pitchFamily="18" charset="0"/>
+                <a:cs typeface="Times New Roman" panose="02020603050405020304" pitchFamily="18" charset="0"/>
+              </a:rPr>
+              <a:t>726 </a:t>
+            </a:r>
+            <a:r>
+              <a:rPr lang="ru-RU" sz="2200" dirty="0" smtClean="0">
+                <a:latin typeface="Times New Roman" panose="02020603050405020304" pitchFamily="18" charset="0"/>
+                <a:cs typeface="Times New Roman" panose="02020603050405020304" pitchFamily="18" charset="0"/>
+              </a:rPr>
+              <a:t>обнаружены в </a:t>
+            </a:r>
+            <a:r>
+              <a:rPr lang="en-US" sz="2200" dirty="0" smtClean="0">
+                <a:latin typeface="Times New Roman" panose="02020603050405020304" pitchFamily="18" charset="0"/>
+                <a:cs typeface="Times New Roman" panose="02020603050405020304" pitchFamily="18" charset="0"/>
+              </a:rPr>
+              <a:t>2MASS;</a:t>
+            </a:r>
+            <a:endParaRPr lang="ru-RU" sz="2200" dirty="0" smtClean="0">
+              <a:latin typeface="Times New Roman" panose="02020603050405020304" pitchFamily="18" charset="0"/>
+              <a:cs typeface="Times New Roman" panose="02020603050405020304" pitchFamily="18" charset="0"/>
+            </a:endParaRPr>
+          </a:p>
+          <a:p>
+            <a:pPr>
+              <a:lnSpc>
+                <a:spcPct val="100000"/>
+              </a:lnSpc>
+            </a:pPr>
+            <a:r>
+              <a:rPr lang="ru-RU" sz="2200" dirty="0" smtClean="0">
+                <a:latin typeface="Times New Roman" panose="02020603050405020304" pitchFamily="18" charset="0"/>
+                <a:cs typeface="Times New Roman" panose="02020603050405020304" pitchFamily="18" charset="0"/>
+              </a:rPr>
+              <a:t>458 совпадений с </a:t>
+            </a:r>
+            <a:r>
+              <a:rPr lang="en-US" sz="2200" dirty="0" smtClean="0">
+                <a:latin typeface="Times New Roman" panose="02020603050405020304" pitchFamily="18" charset="0"/>
+                <a:cs typeface="Times New Roman" panose="02020603050405020304" pitchFamily="18" charset="0"/>
+              </a:rPr>
+              <a:t>UCAC4</a:t>
+            </a:r>
+            <a:r>
+              <a:rPr lang="en-US" sz="2200" dirty="0" smtClean="0">
+                <a:latin typeface="Times New Roman" panose="02020603050405020304" pitchFamily="18" charset="0"/>
+                <a:cs typeface="Times New Roman" panose="02020603050405020304" pitchFamily="18" charset="0"/>
+              </a:rPr>
+              <a:t>.</a:t>
+            </a:r>
+            <a:endParaRPr lang="ru-RU" sz="2200" dirty="0" smtClean="0">
+              <a:latin typeface="Times New Roman" panose="02020603050405020304" pitchFamily="18" charset="0"/>
+              <a:cs typeface="Times New Roman" panose="02020603050405020304" pitchFamily="18" charset="0"/>
+            </a:endParaRPr>
+          </a:p>
+          <a:p>
+            <a:pPr>
+              <a:lnSpc>
+                <a:spcPct val="100000"/>
+              </a:lnSpc>
+            </a:pPr>
+            <a:endParaRPr lang="ru-RU" sz="2200" dirty="0" smtClean="0"/>
+          </a:p>
         </p:txBody>
       </p:sp>
     </p:spTree>
     <p:extLst>
       <p:ext uri="{BB962C8B-B14F-4D97-AF65-F5344CB8AC3E}">
-        <p14:creationId xmlns:p14="http://schemas.microsoft.com/office/powerpoint/2010/main" val="1184470614"/>
+        <p14:creationId xmlns:p14="http://schemas.microsoft.com/office/powerpoint/2010/main" val="56520378"/>
       </p:ext>
     </p:extLst>
   </p:cSld>
@@ -5096,103 +5226,196 @@
         </p:nvSpPr>
         <p:spPr>
           <a:xfrm>
-            <a:off x="838200" y="1825625"/>
-            <a:ext cx="9564757" cy="2547592"/>
+            <a:off x="636108" y="1438897"/>
+            <a:ext cx="7779022" cy="2192199"/>
           </a:xfrm>
         </p:spPr>
         <p:txBody>
           <a:bodyPr>
-            <a:normAutofit lnSpcReduction="10000"/>
+            <a:normAutofit/>
           </a:bodyPr>
           <a:lstStyle/>
           <a:p>
             <a:r>
-              <a:rPr lang="ru-RU" dirty="0" smtClean="0"/>
+              <a:rPr lang="ru-RU" sz="2200" dirty="0" smtClean="0">
+                <a:latin typeface="Times New Roman" panose="02020603050405020304" pitchFamily="18" charset="0"/>
+                <a:cs typeface="Times New Roman" panose="02020603050405020304" pitchFamily="18" charset="0"/>
+              </a:rPr>
               <a:t>Выборка подтверждённых </a:t>
             </a:r>
             <a:r>
-              <a:rPr lang="en-US" dirty="0"/>
+              <a:rPr lang="en-US" sz="2200" dirty="0">
+                <a:latin typeface="Times New Roman" panose="02020603050405020304" pitchFamily="18" charset="0"/>
+                <a:cs typeface="Times New Roman" panose="02020603050405020304" pitchFamily="18" charset="0"/>
+              </a:rPr>
               <a:t>T </a:t>
             </a:r>
             <a:r>
-              <a:rPr lang="en-US" dirty="0" err="1"/>
+              <a:rPr lang="en-US" sz="2200" dirty="0" err="1">
+                <a:latin typeface="Times New Roman" panose="02020603050405020304" pitchFamily="18" charset="0"/>
+                <a:cs typeface="Times New Roman" panose="02020603050405020304" pitchFamily="18" charset="0"/>
+              </a:rPr>
               <a:t>Tauri</a:t>
             </a:r>
             <a:r>
-              <a:rPr lang="ru-RU" dirty="0"/>
+              <a:rPr lang="ru-RU" sz="2200" dirty="0">
+                <a:latin typeface="Times New Roman" panose="02020603050405020304" pitchFamily="18" charset="0"/>
+                <a:cs typeface="Times New Roman" panose="02020603050405020304" pitchFamily="18" charset="0"/>
+              </a:rPr>
               <a:t> </a:t>
             </a:r>
             <a:r>
-              <a:rPr lang="ru-RU" dirty="0" smtClean="0"/>
+              <a:rPr lang="ru-RU" sz="2200" dirty="0" smtClean="0">
+                <a:latin typeface="Times New Roman" panose="02020603050405020304" pitchFamily="18" charset="0"/>
+                <a:cs typeface="Times New Roman" panose="02020603050405020304" pitchFamily="18" charset="0"/>
+              </a:rPr>
               <a:t>звёзд, наблюдавшихся </a:t>
             </a:r>
             <a:r>
-              <a:rPr lang="en-US" dirty="0" smtClean="0"/>
+              <a:rPr lang="en-US" sz="2200" dirty="0" smtClean="0">
+                <a:latin typeface="Times New Roman" panose="02020603050405020304" pitchFamily="18" charset="0"/>
+                <a:cs typeface="Times New Roman" panose="02020603050405020304" pitchFamily="18" charset="0"/>
+              </a:rPr>
               <a:t>IUE</a:t>
             </a:r>
             <a:r>
-              <a:rPr lang="ru-RU" dirty="0" smtClean="0"/>
+              <a:rPr lang="ru-RU" sz="2200" dirty="0" smtClean="0">
+                <a:latin typeface="Times New Roman" panose="02020603050405020304" pitchFamily="18" charset="0"/>
+                <a:cs typeface="Times New Roman" panose="02020603050405020304" pitchFamily="18" charset="0"/>
+              </a:rPr>
               <a:t>, берётся за образец;</a:t>
             </a:r>
           </a:p>
           <a:p>
             <a:r>
-              <a:rPr lang="ru-RU" dirty="0" smtClean="0"/>
+              <a:rPr lang="ru-RU" sz="2200" dirty="0" smtClean="0">
+                <a:latin typeface="Times New Roman" panose="02020603050405020304" pitchFamily="18" charset="0"/>
+                <a:cs typeface="Times New Roman" panose="02020603050405020304" pitchFamily="18" charset="0"/>
+              </a:rPr>
               <a:t>Для эталонных </a:t>
             </a:r>
             <a:r>
-              <a:rPr lang="en-US" dirty="0" smtClean="0"/>
+              <a:rPr lang="en-US" sz="2200" dirty="0" smtClean="0">
+                <a:latin typeface="Times New Roman" panose="02020603050405020304" pitchFamily="18" charset="0"/>
+                <a:cs typeface="Times New Roman" panose="02020603050405020304" pitchFamily="18" charset="0"/>
+              </a:rPr>
               <a:t>T </a:t>
             </a:r>
             <a:r>
-              <a:rPr lang="en-US" dirty="0" err="1" smtClean="0"/>
+              <a:rPr lang="en-US" sz="2200" dirty="0" err="1" smtClean="0">
+                <a:latin typeface="Times New Roman" panose="02020603050405020304" pitchFamily="18" charset="0"/>
+                <a:cs typeface="Times New Roman" panose="02020603050405020304" pitchFamily="18" charset="0"/>
+              </a:rPr>
               <a:t>Tauri</a:t>
             </a:r>
             <a:r>
-              <a:rPr lang="ru-RU" dirty="0" smtClean="0"/>
+              <a:rPr lang="ru-RU" sz="2200" dirty="0" smtClean="0">
+                <a:latin typeface="Times New Roman" panose="02020603050405020304" pitchFamily="18" charset="0"/>
+                <a:cs typeface="Times New Roman" panose="02020603050405020304" pitchFamily="18" charset="0"/>
+              </a:rPr>
               <a:t> звёзд строятся двухцветные диаграммы;</a:t>
             </a:r>
           </a:p>
           <a:p>
             <a:r>
-              <a:rPr lang="ru-RU" dirty="0" smtClean="0"/>
+              <a:rPr lang="ru-RU" sz="2200" dirty="0" smtClean="0">
+                <a:latin typeface="Times New Roman" panose="02020603050405020304" pitchFamily="18" charset="0"/>
+                <a:cs typeface="Times New Roman" panose="02020603050405020304" pitchFamily="18" charset="0"/>
+              </a:rPr>
               <a:t>Критерии составляются на основе положения этих звёзд на диаграммах;</a:t>
             </a:r>
-            <a:endParaRPr lang="ru-RU" dirty="0"/>
-          </a:p>
-        </p:txBody>
-      </p:sp>
-      <p:sp>
-        <p:nvSpPr>
-          <p:cNvPr id="4" name="Заголовок 1"/>
-          <p:cNvSpPr>
-            <a:spLocks noGrp="1"/>
-          </p:cNvSpPr>
-          <p:nvPr>
-            <p:ph type="title"/>
-          </p:nvPr>
-        </p:nvSpPr>
-        <p:spPr>
-          <a:xfrm>
-            <a:off x="1225110" y="113333"/>
-            <a:ext cx="8398565" cy="1325563"/>
-          </a:xfrm>
-        </p:spPr>
-        <p:txBody>
-          <a:bodyPr/>
-          <a:lstStyle/>
-          <a:p>
-            <a:r>
-              <a:rPr lang="ru-RU" dirty="0"/>
-              <a:t>Эталонная выборка</a:t>
-            </a:r>
-            <a:endParaRPr lang="ru-RU" dirty="0">
+            <a:endParaRPr lang="ru-RU" sz="2200" dirty="0">
               <a:latin typeface="Times New Roman" panose="02020603050405020304" pitchFamily="18" charset="0"/>
               <a:cs typeface="Times New Roman" panose="02020603050405020304" pitchFamily="18" charset="0"/>
             </a:endParaRPr>
           </a:p>
         </p:txBody>
       </p:sp>
+      <p:sp>
+        <p:nvSpPr>
+          <p:cNvPr id="5" name="Заголовок 1"/>
+          <p:cNvSpPr txBox="1">
+            <a:spLocks/>
+          </p:cNvSpPr>
+          <p:nvPr/>
+        </p:nvSpPr>
+        <p:spPr>
+          <a:xfrm>
+            <a:off x="636108" y="113334"/>
+            <a:ext cx="8398565" cy="1325563"/>
+          </a:xfrm>
+          <a:prstGeom prst="rect">
+            <a:avLst/>
+          </a:prstGeom>
+        </p:spPr>
+        <p:txBody>
+          <a:bodyPr vert="horz" lIns="91440" tIns="45720" rIns="91440" bIns="45720" rtlCol="0" anchor="ctr">
+            <a:normAutofit/>
+          </a:bodyPr>
+          <a:lstStyle>
+            <a:lvl1pPr algn="l" defTabSz="914400" rtl="0" eaLnBrk="1" latinLnBrk="0" hangingPunct="1">
+              <a:lnSpc>
+                <a:spcPct val="90000"/>
+              </a:lnSpc>
+              <a:spcBef>
+                <a:spcPct val="0"/>
+              </a:spcBef>
+              <a:buNone/>
+              <a:defRPr sz="4400" kern="1200">
+                <a:solidFill>
+                  <a:schemeClr val="tx1"/>
+                </a:solidFill>
+                <a:latin typeface="+mj-lt"/>
+                <a:ea typeface="+mj-ea"/>
+                <a:cs typeface="+mj-cs"/>
+              </a:defRPr>
+            </a:lvl1pPr>
+          </a:lstStyle>
+          <a:p>
+            <a:r>
+              <a:rPr lang="ru-RU" dirty="0">
+                <a:latin typeface="Times New Roman" panose="02020603050405020304" pitchFamily="18" charset="0"/>
+                <a:cs typeface="Times New Roman" panose="02020603050405020304" pitchFamily="18" charset="0"/>
+              </a:rPr>
+              <a:t>Эталонная выборка</a:t>
+            </a:r>
+            <a:endParaRPr lang="ru-RU" b="1" dirty="0">
+              <a:latin typeface="Times New Roman" panose="02020603050405020304" pitchFamily="18" charset="0"/>
+              <a:cs typeface="Times New Roman" panose="02020603050405020304" pitchFamily="18" charset="0"/>
+            </a:endParaRPr>
+          </a:p>
+        </p:txBody>
+      </p:sp>
+      <p:pic>
+        <p:nvPicPr>
+          <p:cNvPr id="6" name="Рисунок 5"/>
+          <p:cNvPicPr>
+            <a:picLocks noChangeAspect="1"/>
+          </p:cNvPicPr>
+          <p:nvPr/>
+        </p:nvPicPr>
+        <p:blipFill>
+          <a:blip r:embed="rId2">
+            <a:extLst>
+              <a:ext uri="{28A0092B-C50C-407E-A947-70E740481C1C}">
+                <a14:useLocalDpi xmlns:a14="http://schemas.microsoft.com/office/drawing/2010/main" val="0"/>
+              </a:ext>
+            </a:extLst>
+          </a:blip>
+          <a:stretch>
+            <a:fillRect/>
+          </a:stretch>
+        </p:blipFill>
+        <p:spPr>
+          <a:xfrm>
+            <a:off x="1306707" y="3773889"/>
+            <a:ext cx="6225790" cy="3084111"/>
+          </a:xfrm>
+          <a:prstGeom prst="rect">
+            <a:avLst/>
+          </a:prstGeom>
+        </p:spPr>
+      </p:pic>
     </p:spTree>
     <p:extLst>
       <p:ext uri="{BB962C8B-B14F-4D97-AF65-F5344CB8AC3E}">
@@ -5252,8 +5475,8 @@
         </p:blipFill>
         <p:spPr>
           <a:xfrm>
-            <a:off x="858449" y="3540086"/>
-            <a:ext cx="4314299" cy="3023022"/>
+            <a:off x="636107" y="3848501"/>
+            <a:ext cx="4153154" cy="2910108"/>
           </a:xfrm>
           <a:prstGeom prst="rect">
             <a:avLst/>
@@ -5282,8 +5505,8 @@
         </p:blipFill>
         <p:spPr>
           <a:xfrm>
-            <a:off x="4669170" y="3540086"/>
-            <a:ext cx="4314299" cy="3050887"/>
+            <a:off x="4369898" y="3848501"/>
+            <a:ext cx="4153153" cy="2936931"/>
           </a:xfrm>
           <a:prstGeom prst="rect">
             <a:avLst/>
@@ -5312,8 +5535,8 @@
         </p:blipFill>
         <p:spPr>
           <a:xfrm>
-            <a:off x="858451" y="1070954"/>
-            <a:ext cx="4314299" cy="3023022"/>
+            <a:off x="636107" y="1438898"/>
+            <a:ext cx="4153154" cy="2910108"/>
           </a:xfrm>
           <a:prstGeom prst="rect">
             <a:avLst/>
@@ -5342,8 +5565,8 @@
         </p:blipFill>
         <p:spPr>
           <a:xfrm>
-            <a:off x="4669170" y="1070953"/>
-            <a:ext cx="4314301" cy="3023023"/>
+            <a:off x="4369898" y="1438897"/>
+            <a:ext cx="4153154" cy="2910108"/>
           </a:xfrm>
           <a:prstGeom prst="rect">
             <a:avLst/>
@@ -5352,98 +5575,53 @@
       </p:pic>
       <p:sp>
         <p:nvSpPr>
-          <p:cNvPr id="4" name="Заголовок 1"/>
-          <p:cNvSpPr>
-            <a:spLocks noGrp="1"/>
-          </p:cNvSpPr>
-          <p:nvPr>
-            <p:ph type="title"/>
-          </p:nvPr>
+          <p:cNvPr id="8" name="Заголовок 1"/>
+          <p:cNvSpPr txBox="1">
+            <a:spLocks/>
+          </p:cNvSpPr>
+          <p:nvPr/>
         </p:nvSpPr>
         <p:spPr>
           <a:xfrm>
-            <a:off x="1225110" y="113333"/>
+            <a:off x="636108" y="113334"/>
             <a:ext cx="8398565" cy="1325563"/>
-          </a:xfrm>
-        </p:spPr>
-        <p:txBody>
-          <a:bodyPr/>
-          <a:lstStyle/>
-          <a:p>
-            <a:r>
-              <a:rPr lang="ru-RU" dirty="0" smtClean="0">
-                <a:latin typeface="Times New Roman" panose="02020603050405020304" pitchFamily="18" charset="0"/>
-                <a:cs typeface="Times New Roman" panose="02020603050405020304" pitchFamily="18" charset="0"/>
-              </a:rPr>
-              <a:t>Двухцветные диаграммы</a:t>
-            </a:r>
-            <a:endParaRPr lang="ru-RU" dirty="0">
-              <a:latin typeface="Times New Roman" panose="02020603050405020304" pitchFamily="18" charset="0"/>
-              <a:cs typeface="Times New Roman" panose="02020603050405020304" pitchFamily="18" charset="0"/>
-            </a:endParaRPr>
-          </a:p>
-        </p:txBody>
-      </p:sp>
-      <p:sp>
-        <p:nvSpPr>
-          <p:cNvPr id="15" name="TextBox 14"/>
-          <p:cNvSpPr txBox="1"/>
-          <p:nvPr/>
-        </p:nvSpPr>
-        <p:spPr>
-          <a:xfrm>
-            <a:off x="9168998" y="4326865"/>
-            <a:ext cx="2638688" cy="1631216"/>
           </a:xfrm>
           <a:prstGeom prst="rect">
             <a:avLst/>
           </a:prstGeom>
-          <a:noFill/>
         </p:spPr>
         <p:txBody>
-          <a:bodyPr wrap="square" rtlCol="0">
-            <a:spAutoFit/>
+          <a:bodyPr vert="horz" lIns="91440" tIns="45720" rIns="91440" bIns="45720" rtlCol="0" anchor="ctr">
+            <a:normAutofit/>
           </a:bodyPr>
-          <a:lstStyle/>
-          <a:p>
-            <a:r>
-              <a:rPr lang="ru-RU" sz="2000" dirty="0" smtClean="0">
-                <a:latin typeface="Times New Roman" panose="02020603050405020304" pitchFamily="18" charset="0"/>
-                <a:cs typeface="Times New Roman" panose="02020603050405020304" pitchFamily="18" charset="0"/>
-              </a:rPr>
-              <a:t>Красным отмечены эталонные </a:t>
-            </a:r>
-            <a:r>
-              <a:rPr lang="en-US" sz="2000" dirty="0" smtClean="0">
-                <a:latin typeface="Times New Roman" panose="02020603050405020304" pitchFamily="18" charset="0"/>
-                <a:cs typeface="Times New Roman" panose="02020603050405020304" pitchFamily="18" charset="0"/>
-              </a:rPr>
-              <a:t>T </a:t>
-            </a:r>
-            <a:r>
-              <a:rPr lang="en-US" sz="2000" dirty="0" err="1" smtClean="0">
-                <a:latin typeface="Times New Roman" panose="02020603050405020304" pitchFamily="18" charset="0"/>
-                <a:cs typeface="Times New Roman" panose="02020603050405020304" pitchFamily="18" charset="0"/>
-              </a:rPr>
-              <a:t>Tauri</a:t>
-            </a:r>
-            <a:r>
-              <a:rPr lang="en-US" sz="2000" dirty="0" smtClean="0">
-                <a:latin typeface="Times New Roman" panose="02020603050405020304" pitchFamily="18" charset="0"/>
-                <a:cs typeface="Times New Roman" panose="02020603050405020304" pitchFamily="18" charset="0"/>
-              </a:rPr>
-              <a:t> </a:t>
-            </a:r>
-            <a:r>
-              <a:rPr lang="ru-RU" sz="2000" dirty="0" smtClean="0">
-                <a:latin typeface="Times New Roman" panose="02020603050405020304" pitchFamily="18" charset="0"/>
-                <a:cs typeface="Times New Roman" panose="02020603050405020304" pitchFamily="18" charset="0"/>
-              </a:rPr>
-              <a:t>звёзды, чёрным – все источники в области</a:t>
-            </a:r>
-          </a:p>
-          <a:p>
-            <a:endParaRPr lang="ru-RU" sz="2000" dirty="0">
+          <a:lstStyle>
+            <a:lvl1pPr algn="l" defTabSz="914400" rtl="0" eaLnBrk="1" latinLnBrk="0" hangingPunct="1">
+              <a:lnSpc>
+                <a:spcPct val="90000"/>
+              </a:lnSpc>
+              <a:spcBef>
+                <a:spcPct val="0"/>
+              </a:spcBef>
+              <a:buNone/>
+              <a:defRPr sz="4400" kern="1200">
+                <a:solidFill>
+                  <a:schemeClr val="tx1"/>
+                </a:solidFill>
+                <a:latin typeface="+mj-lt"/>
+                <a:ea typeface="+mj-ea"/>
+                <a:cs typeface="+mj-cs"/>
+              </a:defRPr>
+            </a:lvl1pPr>
+          </a:lstStyle>
+          <a:p>
+            <a:r>
+              <a:rPr lang="ru-RU" dirty="0">
+                <a:latin typeface="Times New Roman" panose="02020603050405020304" pitchFamily="18" charset="0"/>
+                <a:cs typeface="Times New Roman" panose="02020603050405020304" pitchFamily="18" charset="0"/>
+              </a:rPr>
+              <a:t>Двухцветные диаграммы</a:t>
+            </a:r>
+            <a:endParaRPr lang="ru-RU" b="1" dirty="0">
               <a:latin typeface="Times New Roman" panose="02020603050405020304" pitchFamily="18" charset="0"/>
               <a:cs typeface="Times New Roman" panose="02020603050405020304" pitchFamily="18" charset="0"/>
             </a:endParaRPr>
@@ -5497,138 +5675,365 @@
             <p:ph idx="1"/>
           </p:nvPr>
         </p:nvSpPr>
-        <p:spPr/>
-        <p:txBody>
-          <a:bodyPr/>
-          <a:lstStyle/>
-          <a:p>
-            <a:r>
-              <a:rPr lang="fr-FR" dirty="0" smtClean="0"/>
-              <a:t>FUV-NUV vs J-K: </a:t>
-            </a:r>
-            <a:r>
-              <a:rPr lang="ru-RU" dirty="0" smtClean="0"/>
-              <a:t>0.5 &lt; </a:t>
-            </a:r>
-            <a:r>
-              <a:rPr lang="fr-FR" dirty="0" smtClean="0"/>
-              <a:t>J - K &lt; 2.4 </a:t>
-            </a:r>
-            <a:r>
-              <a:rPr lang="ru-RU" dirty="0" smtClean="0"/>
-              <a:t>и 0.4 &lt; </a:t>
-            </a:r>
-            <a:r>
-              <a:rPr lang="fr-FR" dirty="0" smtClean="0"/>
-              <a:t>FUV - NUV &lt; 4.6;</a:t>
-            </a:r>
-          </a:p>
-          <a:p>
-            <a:r>
-              <a:rPr lang="fr-FR" dirty="0" smtClean="0"/>
-              <a:t>FUV-NUV vs H-K: </a:t>
-            </a:r>
-            <a:r>
-              <a:rPr lang="ru-RU" dirty="0" smtClean="0"/>
-              <a:t>0.2 &lt; </a:t>
-            </a:r>
-            <a:r>
-              <a:rPr lang="fr-FR" dirty="0" smtClean="0"/>
-              <a:t>H - K &lt; 1.2 </a:t>
-            </a:r>
-            <a:r>
-              <a:rPr lang="ru-RU" dirty="0" smtClean="0"/>
-              <a:t>и 0.4 &lt; </a:t>
-            </a:r>
-            <a:r>
-              <a:rPr lang="fr-FR" dirty="0" smtClean="0"/>
-              <a:t>FUV - NUV &lt; 4.6;</a:t>
-            </a:r>
-          </a:p>
-          <a:p>
-            <a:r>
-              <a:rPr lang="fr-FR" dirty="0" smtClean="0"/>
-              <a:t>NUV-H vs J-K: </a:t>
-            </a:r>
-            <a:r>
-              <a:rPr lang="ru-RU" dirty="0" smtClean="0"/>
-              <a:t>0.5 &lt; </a:t>
-            </a:r>
-            <a:r>
-              <a:rPr lang="fr-FR" dirty="0" smtClean="0"/>
-              <a:t>J - K &lt; 2.4 </a:t>
-            </a:r>
-            <a:r>
-              <a:rPr lang="ru-RU" dirty="0" smtClean="0"/>
-              <a:t>и 4.2 &lt; </a:t>
-            </a:r>
-            <a:r>
-              <a:rPr lang="fr-FR" dirty="0" smtClean="0"/>
-              <a:t>NUV - H &lt; 11.0;</a:t>
-            </a:r>
-          </a:p>
-          <a:p>
-            <a:r>
-              <a:rPr lang="fr-FR" dirty="0" smtClean="0"/>
-              <a:t>NUV-R vs J-K: </a:t>
-            </a:r>
-            <a:r>
-              <a:rPr lang="ru-RU" dirty="0" smtClean="0"/>
-              <a:t>0.5 &lt; </a:t>
-            </a:r>
-            <a:r>
-              <a:rPr lang="fr-FR" dirty="0" smtClean="0"/>
-              <a:t>J - K &lt; 2.4 </a:t>
-            </a:r>
-            <a:r>
-              <a:rPr lang="ru-RU" dirty="0" smtClean="0"/>
-              <a:t>и 1.5 &lt; </a:t>
-            </a:r>
-            <a:r>
-              <a:rPr lang="fr-FR" dirty="0" smtClean="0"/>
-              <a:t>NUV - R &lt; 8.2;</a:t>
-            </a:r>
-          </a:p>
-          <a:p>
-            <a:endParaRPr lang="ru-RU" dirty="0" smtClean="0"/>
-          </a:p>
-          <a:p>
-            <a:r>
-              <a:rPr lang="ru-RU" dirty="0" smtClean="0"/>
-              <a:t>302 источника удовлетворяют хотя бы одному из критериев</a:t>
-            </a:r>
-            <a:endParaRPr lang="ru-RU" dirty="0"/>
-          </a:p>
-        </p:txBody>
-      </p:sp>
-      <p:sp>
-        <p:nvSpPr>
-          <p:cNvPr id="4" name="Заголовок 1"/>
-          <p:cNvSpPr>
-            <a:spLocks noGrp="1"/>
-          </p:cNvSpPr>
-          <p:nvPr>
-            <p:ph type="title"/>
-          </p:nvPr>
-        </p:nvSpPr>
         <p:spPr>
           <a:xfrm>
-            <a:off x="1225110" y="113333"/>
+            <a:off x="1114016" y="1637680"/>
+            <a:ext cx="7442747" cy="4351338"/>
+          </a:xfrm>
+        </p:spPr>
+        <p:txBody>
+          <a:bodyPr>
+            <a:noAutofit/>
+          </a:bodyPr>
+          <a:lstStyle/>
+          <a:p>
+            <a:r>
+              <a:rPr lang="fr-FR" sz="2200" dirty="0" smtClean="0">
+                <a:latin typeface="Times New Roman" panose="02020603050405020304" pitchFamily="18" charset="0"/>
+                <a:cs typeface="Times New Roman" panose="02020603050405020304" pitchFamily="18" charset="0"/>
+              </a:rPr>
+              <a:t>FUV-NUV vs J-K</a:t>
+            </a:r>
+            <a:r>
+              <a:rPr lang="fr-FR" sz="2200" dirty="0" smtClean="0">
+                <a:latin typeface="Times New Roman" panose="02020603050405020304" pitchFamily="18" charset="0"/>
+                <a:cs typeface="Times New Roman" panose="02020603050405020304" pitchFamily="18" charset="0"/>
+              </a:rPr>
+              <a:t>:</a:t>
+            </a:r>
+            <a:endParaRPr lang="ru-RU" sz="2200" dirty="0" smtClean="0">
+              <a:latin typeface="Times New Roman" panose="02020603050405020304" pitchFamily="18" charset="0"/>
+              <a:cs typeface="Times New Roman" panose="02020603050405020304" pitchFamily="18" charset="0"/>
+            </a:endParaRPr>
+          </a:p>
+          <a:p>
+            <a:pPr marL="0" indent="0">
+              <a:buNone/>
+            </a:pPr>
+            <a:r>
+              <a:rPr lang="ru-RU" sz="2200" dirty="0" smtClean="0">
+                <a:latin typeface="Times New Roman" panose="02020603050405020304" pitchFamily="18" charset="0"/>
+                <a:cs typeface="Times New Roman" panose="02020603050405020304" pitchFamily="18" charset="0"/>
+              </a:rPr>
+              <a:t>	</a:t>
+            </a:r>
+            <a:r>
+              <a:rPr lang="fr-FR" sz="2200" dirty="0" smtClean="0">
+                <a:latin typeface="Times New Roman" panose="02020603050405020304" pitchFamily="18" charset="0"/>
+                <a:cs typeface="Times New Roman" panose="02020603050405020304" pitchFamily="18" charset="0"/>
+              </a:rPr>
+              <a:t> </a:t>
+            </a:r>
+            <a:r>
+              <a:rPr lang="ru-RU" sz="2200" dirty="0" smtClean="0">
+                <a:latin typeface="Times New Roman" panose="02020603050405020304" pitchFamily="18" charset="0"/>
+                <a:cs typeface="Times New Roman" panose="02020603050405020304" pitchFamily="18" charset="0"/>
+              </a:rPr>
+              <a:t>0.5 &lt; </a:t>
+            </a:r>
+            <a:r>
+              <a:rPr lang="fr-FR" sz="2200" dirty="0" smtClean="0">
+                <a:latin typeface="Times New Roman" panose="02020603050405020304" pitchFamily="18" charset="0"/>
+                <a:cs typeface="Times New Roman" panose="02020603050405020304" pitchFamily="18" charset="0"/>
+              </a:rPr>
+              <a:t>J - K &lt; 2.4 </a:t>
+            </a:r>
+            <a:r>
+              <a:rPr lang="ru-RU" sz="2200" dirty="0" smtClean="0">
+                <a:latin typeface="Times New Roman" panose="02020603050405020304" pitchFamily="18" charset="0"/>
+                <a:cs typeface="Times New Roman" panose="02020603050405020304" pitchFamily="18" charset="0"/>
+              </a:rPr>
+              <a:t>и 0.4 &lt; </a:t>
+            </a:r>
+            <a:r>
+              <a:rPr lang="fr-FR" sz="2200" dirty="0" smtClean="0">
+                <a:latin typeface="Times New Roman" panose="02020603050405020304" pitchFamily="18" charset="0"/>
+                <a:cs typeface="Times New Roman" panose="02020603050405020304" pitchFamily="18" charset="0"/>
+              </a:rPr>
+              <a:t>FUV - NUV &lt; 4.6;</a:t>
+            </a:r>
+          </a:p>
+          <a:p>
+            <a:r>
+              <a:rPr lang="fr-FR" sz="2200" dirty="0" smtClean="0">
+                <a:latin typeface="Times New Roman" panose="02020603050405020304" pitchFamily="18" charset="0"/>
+                <a:cs typeface="Times New Roman" panose="02020603050405020304" pitchFamily="18" charset="0"/>
+              </a:rPr>
+              <a:t>FUV-NUV </a:t>
+            </a:r>
+            <a:r>
+              <a:rPr lang="fr-FR" sz="2200" dirty="0" smtClean="0">
+                <a:latin typeface="Times New Roman" panose="02020603050405020304" pitchFamily="18" charset="0"/>
+                <a:cs typeface="Times New Roman" panose="02020603050405020304" pitchFamily="18" charset="0"/>
+              </a:rPr>
+              <a:t>vs H-K</a:t>
+            </a:r>
+            <a:r>
+              <a:rPr lang="fr-FR" sz="2200" dirty="0" smtClean="0">
+                <a:latin typeface="Times New Roman" panose="02020603050405020304" pitchFamily="18" charset="0"/>
+                <a:cs typeface="Times New Roman" panose="02020603050405020304" pitchFamily="18" charset="0"/>
+              </a:rPr>
+              <a:t>:</a:t>
+            </a:r>
+            <a:endParaRPr lang="ru-RU" sz="2200" dirty="0" smtClean="0">
+              <a:latin typeface="Times New Roman" panose="02020603050405020304" pitchFamily="18" charset="0"/>
+              <a:cs typeface="Times New Roman" panose="02020603050405020304" pitchFamily="18" charset="0"/>
+            </a:endParaRPr>
+          </a:p>
+          <a:p>
+            <a:pPr marL="0" indent="0">
+              <a:buNone/>
+            </a:pPr>
+            <a:r>
+              <a:rPr lang="ru-RU" sz="2200" dirty="0">
+                <a:latin typeface="Times New Roman" panose="02020603050405020304" pitchFamily="18" charset="0"/>
+                <a:cs typeface="Times New Roman" panose="02020603050405020304" pitchFamily="18" charset="0"/>
+              </a:rPr>
+              <a:t>	</a:t>
+            </a:r>
+            <a:r>
+              <a:rPr lang="fr-FR" sz="2200" dirty="0" smtClean="0">
+                <a:latin typeface="Times New Roman" panose="02020603050405020304" pitchFamily="18" charset="0"/>
+                <a:cs typeface="Times New Roman" panose="02020603050405020304" pitchFamily="18" charset="0"/>
+              </a:rPr>
+              <a:t> </a:t>
+            </a:r>
+            <a:r>
+              <a:rPr lang="ru-RU" sz="2200" dirty="0" smtClean="0">
+                <a:latin typeface="Times New Roman" panose="02020603050405020304" pitchFamily="18" charset="0"/>
+                <a:cs typeface="Times New Roman" panose="02020603050405020304" pitchFamily="18" charset="0"/>
+              </a:rPr>
+              <a:t>0.2 </a:t>
+            </a:r>
+            <a:r>
+              <a:rPr lang="ru-RU" sz="2200" dirty="0" smtClean="0">
+                <a:latin typeface="Times New Roman" panose="02020603050405020304" pitchFamily="18" charset="0"/>
+                <a:cs typeface="Times New Roman" panose="02020603050405020304" pitchFamily="18" charset="0"/>
+              </a:rPr>
+              <a:t>&lt; </a:t>
+            </a:r>
+            <a:r>
+              <a:rPr lang="fr-FR" sz="2200" dirty="0" smtClean="0">
+                <a:latin typeface="Times New Roman" panose="02020603050405020304" pitchFamily="18" charset="0"/>
+                <a:cs typeface="Times New Roman" panose="02020603050405020304" pitchFamily="18" charset="0"/>
+              </a:rPr>
+              <a:t>H - K &lt; 1.2 </a:t>
+            </a:r>
+            <a:r>
+              <a:rPr lang="ru-RU" sz="2200" dirty="0" smtClean="0">
+                <a:latin typeface="Times New Roman" panose="02020603050405020304" pitchFamily="18" charset="0"/>
+                <a:cs typeface="Times New Roman" panose="02020603050405020304" pitchFamily="18" charset="0"/>
+              </a:rPr>
+              <a:t>и 0.4 &lt; </a:t>
+            </a:r>
+            <a:r>
+              <a:rPr lang="fr-FR" sz="2200" dirty="0" smtClean="0">
+                <a:latin typeface="Times New Roman" panose="02020603050405020304" pitchFamily="18" charset="0"/>
+                <a:cs typeface="Times New Roman" panose="02020603050405020304" pitchFamily="18" charset="0"/>
+              </a:rPr>
+              <a:t>FUV - NUV &lt; 4.6;</a:t>
+            </a:r>
+          </a:p>
+          <a:p>
+            <a:r>
+              <a:rPr lang="fr-FR" sz="2200" dirty="0" smtClean="0">
+                <a:latin typeface="Times New Roman" panose="02020603050405020304" pitchFamily="18" charset="0"/>
+                <a:cs typeface="Times New Roman" panose="02020603050405020304" pitchFamily="18" charset="0"/>
+              </a:rPr>
+              <a:t>NUV-H vs J-K</a:t>
+            </a:r>
+            <a:r>
+              <a:rPr lang="fr-FR" sz="2200" dirty="0" smtClean="0">
+                <a:latin typeface="Times New Roman" panose="02020603050405020304" pitchFamily="18" charset="0"/>
+                <a:cs typeface="Times New Roman" panose="02020603050405020304" pitchFamily="18" charset="0"/>
+              </a:rPr>
+              <a:t>:</a:t>
+            </a:r>
+            <a:endParaRPr lang="ru-RU" sz="2200" dirty="0" smtClean="0">
+              <a:latin typeface="Times New Roman" panose="02020603050405020304" pitchFamily="18" charset="0"/>
+              <a:cs typeface="Times New Roman" panose="02020603050405020304" pitchFamily="18" charset="0"/>
+            </a:endParaRPr>
+          </a:p>
+          <a:p>
+            <a:pPr marL="0" indent="0">
+              <a:buNone/>
+            </a:pPr>
+            <a:r>
+              <a:rPr lang="ru-RU" sz="2200" dirty="0">
+                <a:latin typeface="Times New Roman" panose="02020603050405020304" pitchFamily="18" charset="0"/>
+                <a:cs typeface="Times New Roman" panose="02020603050405020304" pitchFamily="18" charset="0"/>
+              </a:rPr>
+              <a:t>	</a:t>
+            </a:r>
+            <a:r>
+              <a:rPr lang="fr-FR" sz="2200" dirty="0" smtClean="0">
+                <a:latin typeface="Times New Roman" panose="02020603050405020304" pitchFamily="18" charset="0"/>
+                <a:cs typeface="Times New Roman" panose="02020603050405020304" pitchFamily="18" charset="0"/>
+              </a:rPr>
+              <a:t> </a:t>
+            </a:r>
+            <a:r>
+              <a:rPr lang="ru-RU" sz="2200" dirty="0" smtClean="0">
+                <a:latin typeface="Times New Roman" panose="02020603050405020304" pitchFamily="18" charset="0"/>
+                <a:cs typeface="Times New Roman" panose="02020603050405020304" pitchFamily="18" charset="0"/>
+              </a:rPr>
+              <a:t>0.5 &lt; </a:t>
+            </a:r>
+            <a:r>
+              <a:rPr lang="fr-FR" sz="2200" dirty="0" smtClean="0">
+                <a:latin typeface="Times New Roman" panose="02020603050405020304" pitchFamily="18" charset="0"/>
+                <a:cs typeface="Times New Roman" panose="02020603050405020304" pitchFamily="18" charset="0"/>
+              </a:rPr>
+              <a:t>J - K &lt; 2.4 </a:t>
+            </a:r>
+            <a:r>
+              <a:rPr lang="ru-RU" sz="2200" dirty="0" smtClean="0">
+                <a:latin typeface="Times New Roman" panose="02020603050405020304" pitchFamily="18" charset="0"/>
+                <a:cs typeface="Times New Roman" panose="02020603050405020304" pitchFamily="18" charset="0"/>
+              </a:rPr>
+              <a:t>и 4.2 &lt; </a:t>
+            </a:r>
+            <a:r>
+              <a:rPr lang="fr-FR" sz="2200" dirty="0" smtClean="0">
+                <a:latin typeface="Times New Roman" panose="02020603050405020304" pitchFamily="18" charset="0"/>
+                <a:cs typeface="Times New Roman" panose="02020603050405020304" pitchFamily="18" charset="0"/>
+              </a:rPr>
+              <a:t>NUV - H &lt; 11.0;</a:t>
+            </a:r>
+          </a:p>
+          <a:p>
+            <a:r>
+              <a:rPr lang="fr-FR" sz="2200" dirty="0" smtClean="0">
+                <a:latin typeface="Times New Roman" panose="02020603050405020304" pitchFamily="18" charset="0"/>
+                <a:cs typeface="Times New Roman" panose="02020603050405020304" pitchFamily="18" charset="0"/>
+              </a:rPr>
+              <a:t>NUV-R vs J-K: </a:t>
+            </a:r>
+            <a:endParaRPr lang="ru-RU" sz="2200" dirty="0" smtClean="0">
+              <a:latin typeface="Times New Roman" panose="02020603050405020304" pitchFamily="18" charset="0"/>
+              <a:cs typeface="Times New Roman" panose="02020603050405020304" pitchFamily="18" charset="0"/>
+            </a:endParaRPr>
+          </a:p>
+          <a:p>
+            <a:pPr marL="0" indent="0">
+              <a:buNone/>
+            </a:pPr>
+            <a:r>
+              <a:rPr lang="ru-RU" sz="2200" dirty="0">
+                <a:latin typeface="Times New Roman" panose="02020603050405020304" pitchFamily="18" charset="0"/>
+                <a:cs typeface="Times New Roman" panose="02020603050405020304" pitchFamily="18" charset="0"/>
+              </a:rPr>
+              <a:t>	</a:t>
+            </a:r>
+            <a:r>
+              <a:rPr lang="ru-RU" sz="2200" dirty="0" smtClean="0">
+                <a:latin typeface="Times New Roman" panose="02020603050405020304" pitchFamily="18" charset="0"/>
+                <a:cs typeface="Times New Roman" panose="02020603050405020304" pitchFamily="18" charset="0"/>
+              </a:rPr>
+              <a:t>0.5 </a:t>
+            </a:r>
+            <a:r>
+              <a:rPr lang="ru-RU" sz="2200" dirty="0" smtClean="0">
+                <a:latin typeface="Times New Roman" panose="02020603050405020304" pitchFamily="18" charset="0"/>
+                <a:cs typeface="Times New Roman" panose="02020603050405020304" pitchFamily="18" charset="0"/>
+              </a:rPr>
+              <a:t>&lt; </a:t>
+            </a:r>
+            <a:r>
+              <a:rPr lang="fr-FR" sz="2200" dirty="0" smtClean="0">
+                <a:latin typeface="Times New Roman" panose="02020603050405020304" pitchFamily="18" charset="0"/>
+                <a:cs typeface="Times New Roman" panose="02020603050405020304" pitchFamily="18" charset="0"/>
+              </a:rPr>
+              <a:t>J - K &lt; 2.4 </a:t>
+            </a:r>
+            <a:r>
+              <a:rPr lang="ru-RU" sz="2200" dirty="0" smtClean="0">
+                <a:latin typeface="Times New Roman" panose="02020603050405020304" pitchFamily="18" charset="0"/>
+                <a:cs typeface="Times New Roman" panose="02020603050405020304" pitchFamily="18" charset="0"/>
+              </a:rPr>
+              <a:t>и 1.5 &lt; </a:t>
+            </a:r>
+            <a:r>
+              <a:rPr lang="fr-FR" sz="2200" dirty="0" smtClean="0">
+                <a:latin typeface="Times New Roman" panose="02020603050405020304" pitchFamily="18" charset="0"/>
+                <a:cs typeface="Times New Roman" panose="02020603050405020304" pitchFamily="18" charset="0"/>
+              </a:rPr>
+              <a:t>NUV - R &lt; 8.2;</a:t>
+            </a:r>
+          </a:p>
+          <a:p>
+            <a:endParaRPr lang="ru-RU" sz="2200" dirty="0" smtClean="0">
+              <a:latin typeface="Times New Roman" panose="02020603050405020304" pitchFamily="18" charset="0"/>
+              <a:cs typeface="Times New Roman" panose="02020603050405020304" pitchFamily="18" charset="0"/>
+            </a:endParaRPr>
+          </a:p>
+          <a:p>
+            <a:pPr marL="0" indent="0">
+              <a:buNone/>
+            </a:pPr>
+            <a:r>
+              <a:rPr lang="ru-RU" sz="2200" dirty="0" smtClean="0">
+                <a:latin typeface="Times New Roman" panose="02020603050405020304" pitchFamily="18" charset="0"/>
+                <a:cs typeface="Times New Roman" panose="02020603050405020304" pitchFamily="18" charset="0"/>
+              </a:rPr>
+              <a:t>302 источника удовлетворяют хотя бы одному из критериев</a:t>
+            </a:r>
+            <a:endParaRPr lang="ru-RU" sz="2200" dirty="0">
+              <a:latin typeface="Times New Roman" panose="02020603050405020304" pitchFamily="18" charset="0"/>
+              <a:cs typeface="Times New Roman" panose="02020603050405020304" pitchFamily="18" charset="0"/>
+            </a:endParaRPr>
+          </a:p>
+        </p:txBody>
+      </p:sp>
+      <p:sp>
+        <p:nvSpPr>
+          <p:cNvPr id="5" name="Заголовок 1"/>
+          <p:cNvSpPr txBox="1">
+            <a:spLocks/>
+          </p:cNvSpPr>
+          <p:nvPr/>
+        </p:nvSpPr>
+        <p:spPr>
+          <a:xfrm>
+            <a:off x="636108" y="113334"/>
             <a:ext cx="8398565" cy="1325563"/>
           </a:xfrm>
+          <a:prstGeom prst="rect">
+            <a:avLst/>
+          </a:prstGeom>
         </p:spPr>
         <p:txBody>
-          <a:bodyPr/>
-          <a:lstStyle/>
-          <a:p>
-            <a:r>
-              <a:rPr lang="ru-RU" dirty="0" smtClean="0">
+          <a:bodyPr vert="horz" lIns="91440" tIns="45720" rIns="91440" bIns="45720" rtlCol="0" anchor="ctr">
+            <a:normAutofit/>
+          </a:bodyPr>
+          <a:lstStyle>
+            <a:lvl1pPr algn="l" defTabSz="914400" rtl="0" eaLnBrk="1" latinLnBrk="0" hangingPunct="1">
+              <a:lnSpc>
+                <a:spcPct val="90000"/>
+              </a:lnSpc>
+              <a:spcBef>
+                <a:spcPct val="0"/>
+              </a:spcBef>
+              <a:buNone/>
+              <a:defRPr sz="4400" kern="1200">
+                <a:solidFill>
+                  <a:schemeClr val="tx1"/>
+                </a:solidFill>
+                <a:latin typeface="+mj-lt"/>
+                <a:ea typeface="+mj-ea"/>
+                <a:cs typeface="+mj-cs"/>
+              </a:defRPr>
+            </a:lvl1pPr>
+          </a:lstStyle>
+          <a:p>
+            <a:r>
+              <a:rPr lang="ru-RU" dirty="0">
                 <a:latin typeface="Times New Roman" panose="02020603050405020304" pitchFamily="18" charset="0"/>
                 <a:cs typeface="Times New Roman" panose="02020603050405020304" pitchFamily="18" charset="0"/>
               </a:rPr>
               <a:t>Критерии отбора</a:t>
             </a:r>
-            <a:endParaRPr lang="ru-RU" dirty="0">
+            <a:endParaRPr lang="ru-RU" b="1" dirty="0">
               <a:latin typeface="Times New Roman" panose="02020603050405020304" pitchFamily="18" charset="0"/>
               <a:cs typeface="Times New Roman" panose="02020603050405020304" pitchFamily="18" charset="0"/>
             </a:endParaRPr>
@@ -5684,106 +6089,233 @@
         </p:nvSpPr>
         <p:spPr>
           <a:xfrm>
-            <a:off x="838200" y="1825625"/>
-            <a:ext cx="9551504" cy="4351338"/>
+            <a:off x="912233" y="2190599"/>
+            <a:ext cx="4121422" cy="3384788"/>
           </a:xfrm>
         </p:spPr>
         <p:txBody>
-          <a:bodyPr/>
+          <a:bodyPr>
+            <a:noAutofit/>
+          </a:bodyPr>
           <a:lstStyle/>
           <a:p>
             <a:r>
-              <a:rPr lang="ru-RU" dirty="0" smtClean="0">
+              <a:rPr lang="ru-RU" sz="2200" dirty="0" smtClean="0">
                 <a:latin typeface="Times New Roman" panose="02020603050405020304" pitchFamily="18" charset="0"/>
                 <a:cs typeface="Times New Roman" panose="02020603050405020304" pitchFamily="18" charset="0"/>
               </a:rPr>
               <a:t>Отброшено 59 галактик, идентифицированных в </a:t>
             </a:r>
             <a:r>
-              <a:rPr lang="en-US" dirty="0" err="1" smtClean="0">
+              <a:rPr lang="en-US" sz="2200" dirty="0" err="1" smtClean="0">
                 <a:latin typeface="Times New Roman" panose="02020603050405020304" pitchFamily="18" charset="0"/>
                 <a:cs typeface="Times New Roman" panose="02020603050405020304" pitchFamily="18" charset="0"/>
               </a:rPr>
               <a:t>Simbad</a:t>
             </a:r>
-            <a:endParaRPr lang="ru-RU" dirty="0" smtClean="0">
+            <a:endParaRPr lang="ru-RU" sz="2200" dirty="0" smtClean="0">
               <a:latin typeface="Times New Roman" panose="02020603050405020304" pitchFamily="18" charset="0"/>
               <a:cs typeface="Times New Roman" panose="02020603050405020304" pitchFamily="18" charset="0"/>
             </a:endParaRPr>
           </a:p>
           <a:p>
             <a:r>
-              <a:rPr lang="ru-RU" dirty="0" smtClean="0">
+              <a:rPr lang="ru-RU" sz="2200" dirty="0" smtClean="0">
                 <a:latin typeface="Times New Roman" panose="02020603050405020304" pitchFamily="18" charset="0"/>
                 <a:cs typeface="Times New Roman" panose="02020603050405020304" pitchFamily="18" charset="0"/>
               </a:rPr>
               <a:t>Оценка эффективных температур с помощью </a:t>
             </a:r>
             <a:r>
-              <a:rPr lang="en-US" dirty="0" smtClean="0">
+              <a:rPr lang="en-US" sz="2200" dirty="0" smtClean="0">
                 <a:latin typeface="Times New Roman" panose="02020603050405020304" pitchFamily="18" charset="0"/>
                 <a:cs typeface="Times New Roman" panose="02020603050405020304" pitchFamily="18" charset="0"/>
               </a:rPr>
               <a:t>VOSA – </a:t>
             </a:r>
             <a:r>
-              <a:rPr lang="ru-RU" dirty="0" smtClean="0">
-                <a:latin typeface="Times New Roman" panose="02020603050405020304" pitchFamily="18" charset="0"/>
-                <a:cs typeface="Times New Roman" panose="02020603050405020304" pitchFamily="18" charset="0"/>
-              </a:rPr>
-              <a:t>40 звёзд горячее 7000 отброшены.</a:t>
-            </a:r>
-          </a:p>
-          <a:p>
-            <a:r>
-              <a:rPr lang="ru-RU" dirty="0" smtClean="0">
-                <a:latin typeface="Times New Roman" panose="02020603050405020304" pitchFamily="18" charset="0"/>
-                <a:cs typeface="Times New Roman" panose="02020603050405020304" pitchFamily="18" charset="0"/>
-              </a:rPr>
-              <a:t>Нет измерений в </a:t>
-            </a:r>
-            <a:r>
-              <a:rPr lang="en-US" dirty="0" smtClean="0">
-                <a:latin typeface="Times New Roman" panose="02020603050405020304" pitchFamily="18" charset="0"/>
-                <a:cs typeface="Times New Roman" panose="02020603050405020304" pitchFamily="18" charset="0"/>
-              </a:rPr>
-              <a:t>FUV</a:t>
-            </a:r>
-            <a:endParaRPr lang="en-US" dirty="0">
+              <a:rPr lang="ru-RU" sz="2200" dirty="0" smtClean="0">
+                <a:latin typeface="Times New Roman" panose="02020603050405020304" pitchFamily="18" charset="0"/>
+                <a:cs typeface="Times New Roman" panose="02020603050405020304" pitchFamily="18" charset="0"/>
+              </a:rPr>
+              <a:t>40 звёзд горячее 7000 </a:t>
+            </a:r>
+            <a:r>
+              <a:rPr lang="ru-RU" sz="2200" dirty="0" smtClean="0">
+                <a:latin typeface="Times New Roman" panose="02020603050405020304" pitchFamily="18" charset="0"/>
+                <a:cs typeface="Times New Roman" panose="02020603050405020304" pitchFamily="18" charset="0"/>
+              </a:rPr>
+              <a:t>отброшены</a:t>
+            </a:r>
+          </a:p>
+          <a:p>
+            <a:r>
+              <a:rPr lang="ru-RU" sz="2200" dirty="0" smtClean="0">
+                <a:latin typeface="Times New Roman" panose="02020603050405020304" pitchFamily="18" charset="0"/>
+                <a:cs typeface="Times New Roman" panose="02020603050405020304" pitchFamily="18" charset="0"/>
+              </a:rPr>
+              <a:t>Некоторые кандидаты не имеют </a:t>
+            </a:r>
+            <a:r>
+              <a:rPr lang="en-US" sz="2200" dirty="0" smtClean="0">
+                <a:latin typeface="Times New Roman" panose="02020603050405020304" pitchFamily="18" charset="0"/>
+                <a:cs typeface="Times New Roman" panose="02020603050405020304" pitchFamily="18" charset="0"/>
+              </a:rPr>
+              <a:t>FUV </a:t>
+            </a:r>
+            <a:r>
+              <a:rPr lang="ru-RU" sz="2200" dirty="0" smtClean="0">
+                <a:latin typeface="Times New Roman" panose="02020603050405020304" pitchFamily="18" charset="0"/>
+                <a:cs typeface="Times New Roman" panose="02020603050405020304" pitchFamily="18" charset="0"/>
+              </a:rPr>
+              <a:t>измерений</a:t>
+            </a:r>
+            <a:endParaRPr lang="ru-RU" sz="2200" dirty="0" smtClean="0">
               <a:latin typeface="Times New Roman" panose="02020603050405020304" pitchFamily="18" charset="0"/>
               <a:cs typeface="Times New Roman" panose="02020603050405020304" pitchFamily="18" charset="0"/>
             </a:endParaRPr>
           </a:p>
         </p:txBody>
       </p:sp>
-      <p:sp>
-        <p:nvSpPr>
-          <p:cNvPr id="4" name="Заголовок 1"/>
-          <p:cNvSpPr>
-            <a:spLocks noGrp="1"/>
-          </p:cNvSpPr>
-          <p:nvPr>
-            <p:ph type="title"/>
-          </p:nvPr>
-        </p:nvSpPr>
+      <p:pic>
+        <p:nvPicPr>
+          <p:cNvPr id="5" name="Рисунок 4"/>
+          <p:cNvPicPr>
+            <a:picLocks noChangeAspect="1"/>
+          </p:cNvPicPr>
+          <p:nvPr/>
+        </p:nvPicPr>
+        <p:blipFill rotWithShape="1">
+          <a:blip r:embed="rId2">
+            <a:extLst>
+              <a:ext uri="{28A0092B-C50C-407E-A947-70E740481C1C}">
+                <a14:useLocalDpi xmlns:a14="http://schemas.microsoft.com/office/drawing/2010/main" val="0"/>
+              </a:ext>
+            </a:extLst>
+          </a:blip>
+          <a:srcRect t="8656" r="7096" b="5753"/>
+          <a:stretch/>
+        </p:blipFill>
         <p:spPr>
           <a:xfrm>
-            <a:off x="1225110" y="113333"/>
+            <a:off x="5341801" y="392833"/>
+            <a:ext cx="3763205" cy="2092128"/>
+          </a:xfrm>
+          <a:prstGeom prst="rect">
+            <a:avLst/>
+          </a:prstGeom>
+          <a:ln>
+            <a:noFill/>
+          </a:ln>
+        </p:spPr>
+      </p:pic>
+      <p:pic>
+        <p:nvPicPr>
+          <p:cNvPr id="6" name="Рисунок 5"/>
+          <p:cNvPicPr>
+            <a:picLocks noChangeAspect="1"/>
+          </p:cNvPicPr>
+          <p:nvPr/>
+        </p:nvPicPr>
+        <p:blipFill rotWithShape="1">
+          <a:blip r:embed="rId3">
+            <a:extLst>
+              <a:ext uri="{28A0092B-C50C-407E-A947-70E740481C1C}">
+                <a14:useLocalDpi xmlns:a14="http://schemas.microsoft.com/office/drawing/2010/main" val="0"/>
+              </a:ext>
+            </a:extLst>
+          </a:blip>
+          <a:srcRect t="6550" r="7096" b="4366"/>
+          <a:stretch/>
+        </p:blipFill>
+        <p:spPr>
+          <a:xfrm>
+            <a:off x="5357815" y="2476410"/>
+            <a:ext cx="3763204" cy="2177521"/>
+          </a:xfrm>
+          <a:prstGeom prst="rect">
+            <a:avLst/>
+          </a:prstGeom>
+        </p:spPr>
+      </p:pic>
+      <p:pic>
+        <p:nvPicPr>
+          <p:cNvPr id="7" name="Рисунок 6"/>
+          <p:cNvPicPr>
+            <a:picLocks noChangeAspect="1"/>
+          </p:cNvPicPr>
+          <p:nvPr/>
+        </p:nvPicPr>
+        <p:blipFill rotWithShape="1">
+          <a:blip r:embed="rId4">
+            <a:extLst>
+              <a:ext uri="{28A0092B-C50C-407E-A947-70E740481C1C}">
+                <a14:useLocalDpi xmlns:a14="http://schemas.microsoft.com/office/drawing/2010/main" val="0"/>
+              </a:ext>
+            </a:extLst>
+          </a:blip>
+          <a:srcRect t="8951" r="6304" b="5895"/>
+          <a:stretch/>
+        </p:blipFill>
+        <p:spPr>
+          <a:xfrm>
+            <a:off x="5325790" y="4653931"/>
+            <a:ext cx="3795229" cy="2081453"/>
+          </a:xfrm>
+          <a:prstGeom prst="rect">
+            <a:avLst/>
+          </a:prstGeom>
+        </p:spPr>
+      </p:pic>
+      <p:sp>
+        <p:nvSpPr>
+          <p:cNvPr id="8" name="Заголовок 1"/>
+          <p:cNvSpPr txBox="1">
+            <a:spLocks/>
+          </p:cNvSpPr>
+          <p:nvPr/>
+        </p:nvSpPr>
+        <p:spPr>
+          <a:xfrm>
+            <a:off x="636108" y="113334"/>
             <a:ext cx="8398565" cy="1325563"/>
           </a:xfrm>
+          <a:prstGeom prst="rect">
+            <a:avLst/>
+          </a:prstGeom>
         </p:spPr>
         <p:txBody>
-          <a:bodyPr/>
-          <a:lstStyle/>
-          <a:p>
-            <a:r>
-              <a:rPr lang="ru-RU" dirty="0" smtClean="0">
+          <a:bodyPr vert="horz" lIns="91440" tIns="45720" rIns="91440" bIns="45720" rtlCol="0" anchor="ctr">
+            <a:normAutofit/>
+          </a:bodyPr>
+          <a:lstStyle>
+            <a:lvl1pPr algn="l" defTabSz="914400" rtl="0" eaLnBrk="1" latinLnBrk="0" hangingPunct="1">
+              <a:lnSpc>
+                <a:spcPct val="90000"/>
+              </a:lnSpc>
+              <a:spcBef>
+                <a:spcPct val="0"/>
+              </a:spcBef>
+              <a:buNone/>
+              <a:defRPr sz="4400" kern="1200">
+                <a:solidFill>
+                  <a:schemeClr val="tx1"/>
+                </a:solidFill>
+                <a:latin typeface="+mj-lt"/>
+                <a:ea typeface="+mj-ea"/>
+                <a:cs typeface="+mj-cs"/>
+              </a:defRPr>
+            </a:lvl1pPr>
+          </a:lstStyle>
+          <a:p>
+            <a:r>
+              <a:rPr lang="ru-RU" dirty="0">
                 <a:latin typeface="Times New Roman" panose="02020603050405020304" pitchFamily="18" charset="0"/>
                 <a:cs typeface="Times New Roman" panose="02020603050405020304" pitchFamily="18" charset="0"/>
               </a:rPr>
               <a:t>Улучшение списка</a:t>
             </a:r>
-            <a:endParaRPr lang="ru-RU" dirty="0">
+            <a:endParaRPr lang="ru-RU" b="1" dirty="0">
               <a:latin typeface="Times New Roman" panose="02020603050405020304" pitchFamily="18" charset="0"/>
               <a:cs typeface="Times New Roman" panose="02020603050405020304" pitchFamily="18" charset="0"/>
             </a:endParaRPr>
@@ -5813,7 +6345,7 @@
 <file path=ppt/theme/theme1.xml><?xml version="1.0" encoding="utf-8"?>
 <a:theme xmlns:a="http://schemas.openxmlformats.org/drawingml/2006/main" name="Тема Office">
   <a:themeElements>
-    <a:clrScheme name="Стандартная">
+    <a:clrScheme name="Тема Office">
       <a:dk1>
         <a:sysClr val="windowText" lastClr="000000"/>
       </a:dk1>
@@ -5851,7 +6383,7 @@
         <a:srgbClr val="954F72"/>
       </a:folHlink>
     </a:clrScheme>
-    <a:fontScheme name="Стандартная">
+    <a:fontScheme name="Тема Office">
       <a:majorFont>
         <a:latin typeface="Calibri Light" panose="020F0302020204030204"/>
         <a:ea typeface=""/>
@@ -5923,7 +6455,7 @@
         <a:font script="Geor" typeface="Sylfaen"/>
       </a:minorFont>
     </a:fontScheme>
-    <a:fmtScheme name="Стандартная">
+    <a:fmtScheme name="Тема Office">
       <a:fillStyleLst>
         <a:solidFill>
           <a:schemeClr val="phClr"/>
